--- a/app/app_documentacion/1er_trim/1_1_proyecto/1_1_1_presentacion_proyecto.pptx
+++ b/app/app_documentacion/1er_trim/1_1_proyecto/1_1_1_presentacion_proyecto.pptx
@@ -5,7 +5,7 @@
     <p:sldMasterId id="2147483648" r:id="rId1"/>
   </p:sldMasterIdLst>
   <p:notesMasterIdLst>
-    <p:notesMasterId r:id="rId15"/>
+    <p:notesMasterId r:id="rId18"/>
   </p:notesMasterIdLst>
   <p:sldIdLst>
     <p:sldId id="257" r:id="rId2"/>
@@ -13,14 +13,17 @@
     <p:sldId id="270" r:id="rId4"/>
     <p:sldId id="258" r:id="rId5"/>
     <p:sldId id="269" r:id="rId6"/>
-    <p:sldId id="271" r:id="rId7"/>
-    <p:sldId id="272" r:id="rId8"/>
-    <p:sldId id="273" r:id="rId9"/>
-    <p:sldId id="274" r:id="rId10"/>
-    <p:sldId id="275" r:id="rId11"/>
-    <p:sldId id="276" r:id="rId12"/>
-    <p:sldId id="267" r:id="rId13"/>
-    <p:sldId id="262" r:id="rId14"/>
+    <p:sldId id="279" r:id="rId7"/>
+    <p:sldId id="271" r:id="rId8"/>
+    <p:sldId id="272" r:id="rId9"/>
+    <p:sldId id="273" r:id="rId10"/>
+    <p:sldId id="274" r:id="rId11"/>
+    <p:sldId id="278" r:id="rId12"/>
+    <p:sldId id="275" r:id="rId13"/>
+    <p:sldId id="276" r:id="rId14"/>
+    <p:sldId id="267" r:id="rId15"/>
+    <p:sldId id="277" r:id="rId16"/>
+    <p:sldId id="262" r:id="rId17"/>
   </p:sldIdLst>
   <p:sldSz cx="9144000" cy="5143500" type="screen16x9"/>
   <p:notesSz cx="6858000" cy="9144000"/>
@@ -220,7 +223,7 @@
           <a:p>
             <a:fld id="{7E6DFAF8-F7BA-48F4-B956-3CC1A9ACF6C9}" type="datetimeFigureOut">
               <a:rPr lang="es-CO" smtClean="0"/>
-              <a:t>3/08/2021</a:t>
+              <a:t>15/12/2021</a:t>
             </a:fld>
             <a:endParaRPr lang="es-CO"/>
           </a:p>
@@ -553,7 +556,91 @@
           <a:p>
             <a:fld id="{7379F110-F3B2-4F4E-B872-D426D1629FD8}" type="slidenum">
               <a:rPr lang="es-CO" smtClean="0"/>
-              <a:t>12</a:t>
+              <a:t>2</a:t>
+            </a:fld>
+            <a:endParaRPr lang="es-CO"/>
+          </a:p>
+        </p:txBody>
+      </p:sp>
+    </p:spTree>
+    <p:extLst>
+      <p:ext uri="{BB962C8B-B14F-4D97-AF65-F5344CB8AC3E}">
+        <p14:creationId xmlns:p14="http://schemas.microsoft.com/office/powerpoint/2010/main" val="591781961"/>
+      </p:ext>
+    </p:extLst>
+  </p:cSld>
+  <p:clrMapOvr>
+    <a:masterClrMapping/>
+  </p:clrMapOvr>
+</p:notes>
+</file>
+
+<file path=ppt/notesSlides/notesSlide2.xml><?xml version="1.0" encoding="utf-8"?>
+<p:notes xmlns:a="http://schemas.openxmlformats.org/drawingml/2006/main" xmlns:r="http://schemas.openxmlformats.org/officeDocument/2006/relationships" xmlns:p="http://schemas.openxmlformats.org/presentationml/2006/main">
+  <p:cSld>
+    <p:spTree>
+      <p:nvGrpSpPr>
+        <p:cNvPr id="1" name=""/>
+        <p:cNvGrpSpPr/>
+        <p:nvPr/>
+      </p:nvGrpSpPr>
+      <p:grpSpPr>
+        <a:xfrm>
+          <a:off x="0" y="0"/>
+          <a:ext cx="0" cy="0"/>
+          <a:chOff x="0" y="0"/>
+          <a:chExt cx="0" cy="0"/>
+        </a:xfrm>
+      </p:grpSpPr>
+      <p:sp>
+        <p:nvSpPr>
+          <p:cNvPr id="2" name="Marcador de imagen de diapositiva 1"/>
+          <p:cNvSpPr>
+            <a:spLocks noGrp="1" noRot="1" noChangeAspect="1"/>
+          </p:cNvSpPr>
+          <p:nvPr>
+            <p:ph type="sldImg"/>
+          </p:nvPr>
+        </p:nvSpPr>
+        <p:spPr/>
+      </p:sp>
+      <p:sp>
+        <p:nvSpPr>
+          <p:cNvPr id="3" name="Marcador de notas 2"/>
+          <p:cNvSpPr>
+            <a:spLocks noGrp="1"/>
+          </p:cNvSpPr>
+          <p:nvPr>
+            <p:ph type="body" idx="1"/>
+          </p:nvPr>
+        </p:nvSpPr>
+        <p:spPr/>
+        <p:txBody>
+          <a:bodyPr/>
+          <a:lstStyle/>
+          <a:p>
+            <a:endParaRPr lang="es-CO" dirty="0"/>
+          </a:p>
+        </p:txBody>
+      </p:sp>
+      <p:sp>
+        <p:nvSpPr>
+          <p:cNvPr id="4" name="Marcador de número de diapositiva 3"/>
+          <p:cNvSpPr>
+            <a:spLocks noGrp="1"/>
+          </p:cNvSpPr>
+          <p:nvPr>
+            <p:ph type="sldNum" sz="quarter" idx="10"/>
+          </p:nvPr>
+        </p:nvSpPr>
+        <p:spPr/>
+        <p:txBody>
+          <a:bodyPr/>
+          <a:lstStyle/>
+          <a:p>
+            <a:fld id="{7379F110-F3B2-4F4E-B872-D426D1629FD8}" type="slidenum">
+              <a:rPr lang="es-CO" smtClean="0"/>
+              <a:t>14</a:t>
             </a:fld>
             <a:endParaRPr lang="es-CO"/>
           </a:p>
@@ -563,6 +650,90 @@
     <p:extLst>
       <p:ext uri="{BB962C8B-B14F-4D97-AF65-F5344CB8AC3E}">
         <p14:creationId xmlns:p14="http://schemas.microsoft.com/office/powerpoint/2010/main" val="203828818"/>
+      </p:ext>
+    </p:extLst>
+  </p:cSld>
+  <p:clrMapOvr>
+    <a:masterClrMapping/>
+  </p:clrMapOvr>
+</p:notes>
+</file>
+
+<file path=ppt/notesSlides/notesSlide3.xml><?xml version="1.0" encoding="utf-8"?>
+<p:notes xmlns:a="http://schemas.openxmlformats.org/drawingml/2006/main" xmlns:r="http://schemas.openxmlformats.org/officeDocument/2006/relationships" xmlns:p="http://schemas.openxmlformats.org/presentationml/2006/main">
+  <p:cSld>
+    <p:spTree>
+      <p:nvGrpSpPr>
+        <p:cNvPr id="1" name=""/>
+        <p:cNvGrpSpPr/>
+        <p:nvPr/>
+      </p:nvGrpSpPr>
+      <p:grpSpPr>
+        <a:xfrm>
+          <a:off x="0" y="0"/>
+          <a:ext cx="0" cy="0"/>
+          <a:chOff x="0" y="0"/>
+          <a:chExt cx="0" cy="0"/>
+        </a:xfrm>
+      </p:grpSpPr>
+      <p:sp>
+        <p:nvSpPr>
+          <p:cNvPr id="2" name="Marcador de imagen de diapositiva 1"/>
+          <p:cNvSpPr>
+            <a:spLocks noGrp="1" noRot="1" noChangeAspect="1"/>
+          </p:cNvSpPr>
+          <p:nvPr>
+            <p:ph type="sldImg"/>
+          </p:nvPr>
+        </p:nvSpPr>
+        <p:spPr/>
+      </p:sp>
+      <p:sp>
+        <p:nvSpPr>
+          <p:cNvPr id="3" name="Marcador de notas 2"/>
+          <p:cNvSpPr>
+            <a:spLocks noGrp="1"/>
+          </p:cNvSpPr>
+          <p:nvPr>
+            <p:ph type="body" idx="1"/>
+          </p:nvPr>
+        </p:nvSpPr>
+        <p:spPr/>
+        <p:txBody>
+          <a:bodyPr/>
+          <a:lstStyle/>
+          <a:p>
+            <a:endParaRPr lang="es-CO" dirty="0"/>
+          </a:p>
+        </p:txBody>
+      </p:sp>
+      <p:sp>
+        <p:nvSpPr>
+          <p:cNvPr id="4" name="Marcador de número de diapositiva 3"/>
+          <p:cNvSpPr>
+            <a:spLocks noGrp="1"/>
+          </p:cNvSpPr>
+          <p:nvPr>
+            <p:ph type="sldNum" sz="quarter" idx="10"/>
+          </p:nvPr>
+        </p:nvSpPr>
+        <p:spPr/>
+        <p:txBody>
+          <a:bodyPr/>
+          <a:lstStyle/>
+          <a:p>
+            <a:fld id="{7379F110-F3B2-4F4E-B872-D426D1629FD8}" type="slidenum">
+              <a:rPr lang="es-CO" smtClean="0"/>
+              <a:t>15</a:t>
+            </a:fld>
+            <a:endParaRPr lang="es-CO"/>
+          </a:p>
+        </p:txBody>
+      </p:sp>
+    </p:spTree>
+    <p:extLst>
+      <p:ext uri="{BB962C8B-B14F-4D97-AF65-F5344CB8AC3E}">
+        <p14:creationId xmlns:p14="http://schemas.microsoft.com/office/powerpoint/2010/main" val="1422788135"/>
       </p:ext>
     </p:extLst>
   </p:cSld>
@@ -741,7 +912,7 @@
           <a:p>
             <a:fld id="{B3030C24-9424-B24A-8613-79990C3AA492}" type="datetimeFigureOut">
               <a:rPr lang="es-ES" smtClean="0"/>
-              <a:t>03/08/2021</a:t>
+              <a:t>15/12/2021</a:t>
             </a:fld>
             <a:endParaRPr lang="es-ES"/>
           </a:p>
@@ -921,7 +1092,7 @@
           <a:p>
             <a:fld id="{B3030C24-9424-B24A-8613-79990C3AA492}" type="datetimeFigureOut">
               <a:rPr lang="es-ES" smtClean="0"/>
-              <a:t>03/08/2021</a:t>
+              <a:t>15/12/2021</a:t>
             </a:fld>
             <a:endParaRPr lang="es-ES"/>
           </a:p>
@@ -1565,7 +1736,7 @@
           <a:p>
             <a:fld id="{B3030C24-9424-B24A-8613-79990C3AA492}" type="datetimeFigureOut">
               <a:rPr lang="es-ES" smtClean="0"/>
-              <a:t>03/08/2021</a:t>
+              <a:t>15/12/2021</a:t>
             </a:fld>
             <a:endParaRPr lang="es-ES"/>
           </a:p>
@@ -1818,7 +1989,7 @@
           <a:p>
             <a:fld id="{B3030C24-9424-B24A-8613-79990C3AA492}" type="datetimeFigureOut">
               <a:rPr lang="es-ES" smtClean="0"/>
-              <a:t>03/08/2021</a:t>
+              <a:t>15/12/2021</a:t>
             </a:fld>
             <a:endParaRPr lang="es-ES"/>
           </a:p>
@@ -2031,7 +2202,7 @@
           <a:p>
             <a:fld id="{B3030C24-9424-B24A-8613-79990C3AA492}" type="datetimeFigureOut">
               <a:rPr lang="es-ES" smtClean="0"/>
-              <a:t>03/08/2021</a:t>
+              <a:t>15/12/2021</a:t>
             </a:fld>
             <a:endParaRPr lang="es-ES"/>
           </a:p>
@@ -2414,8 +2585,8 @@
         </p:nvSpPr>
         <p:spPr>
           <a:xfrm>
-            <a:off x="5463843" y="901908"/>
-            <a:ext cx="2756985" cy="954107"/>
+            <a:off x="5399835" y="901908"/>
+            <a:ext cx="2756985" cy="523220"/>
           </a:xfrm>
           <a:prstGeom prst="rect">
             <a:avLst/>
@@ -2438,21 +2609,7 @@
                   </a:schemeClr>
                 </a:solidFill>
               </a:rPr>
-              <a:t>Nombre</a:t>
-            </a:r>
-          </a:p>
-          <a:p>
-            <a:pPr algn="r"/>
-            <a:r>
-              <a:rPr lang="es-ES" sz="2800" b="1" dirty="0" smtClean="0">
-                <a:solidFill>
-                  <a:schemeClr val="tx1">
-                    <a:lumMod val="75000"/>
-                    <a:lumOff val="25000"/>
-                  </a:schemeClr>
-                </a:solidFill>
-              </a:rPr>
-              <a:t>Del Proyecto</a:t>
+              <a:t>LOCK INVENTARY</a:t>
             </a:r>
             <a:endParaRPr lang="es-ES" sz="2800" b="1" dirty="0">
               <a:solidFill>
@@ -2620,8 +2777,8 @@
         </p:nvSpPr>
         <p:spPr>
           <a:xfrm>
-            <a:off x="896111" y="2252767"/>
-            <a:ext cx="7324717" cy="1200329"/>
+            <a:off x="896111" y="2529766"/>
+            <a:ext cx="7324717" cy="646331"/>
           </a:xfrm>
           <a:prstGeom prst="rect">
             <a:avLst/>
@@ -2644,40 +2801,26 @@
                   </a:schemeClr>
                 </a:solidFill>
               </a:rPr>
-              <a:t>Apellidos Nombres</a:t>
+              <a:t>JUAN DIEGO CORREDOR LEON</a:t>
             </a:r>
           </a:p>
           <a:p>
             <a:pPr algn="ctr"/>
             <a:r>
-              <a:rPr lang="es-ES" sz="1200" b="1" dirty="0">
-                <a:solidFill>
-                  <a:schemeClr val="tx1">
-                    <a:lumMod val="75000"/>
-                    <a:lumOff val="25000"/>
-                  </a:schemeClr>
-                </a:solidFill>
-              </a:rPr>
-              <a:t>Apellidos Nombres</a:t>
+              <a:rPr lang="es-ES" sz="1200" b="1" dirty="0" smtClean="0">
+                <a:solidFill>
+                  <a:schemeClr val="tx1">
+                    <a:lumMod val="75000"/>
+                    <a:lumOff val="25000"/>
+                  </a:schemeClr>
+                </a:solidFill>
+              </a:rPr>
+              <a:t>ANA VALERIA MENDOZA CIPAGAUTA</a:t>
             </a:r>
           </a:p>
           <a:p>
             <a:pPr algn="ctr"/>
             <a:r>
-              <a:rPr lang="es-ES" sz="1200" b="1" dirty="0">
-                <a:solidFill>
-                  <a:schemeClr val="tx1">
-                    <a:lumMod val="75000"/>
-                    <a:lumOff val="25000"/>
-                  </a:schemeClr>
-                </a:solidFill>
-              </a:rPr>
-              <a:t>Apellidos Nombres</a:t>
-            </a:r>
-          </a:p>
-          <a:p>
-            <a:pPr algn="ctr"/>
-            <a:r>
               <a:rPr lang="es-ES" sz="1200" b="1" dirty="0" smtClean="0">
                 <a:solidFill>
                   <a:schemeClr val="tx1">
@@ -2686,46 +2829,7 @@
                   </a:schemeClr>
                 </a:solidFill>
               </a:rPr>
-              <a:t>Apellidos Nombres</a:t>
-            </a:r>
-          </a:p>
-          <a:p>
-            <a:pPr algn="ctr"/>
-            <a:r>
-              <a:rPr lang="es-ES" sz="1200" b="1" dirty="0">
-                <a:solidFill>
-                  <a:schemeClr val="tx1">
-                    <a:lumMod val="75000"/>
-                    <a:lumOff val="25000"/>
-                  </a:schemeClr>
-                </a:solidFill>
-              </a:rPr>
-              <a:t>Apellidos Nombres</a:t>
-            </a:r>
-          </a:p>
-          <a:p>
-            <a:pPr algn="ctr"/>
-            <a:r>
-              <a:rPr lang="es-ES" sz="1200" b="1" dirty="0">
-                <a:solidFill>
-                  <a:schemeClr val="tx1">
-                    <a:lumMod val="75000"/>
-                    <a:lumOff val="25000"/>
-                  </a:schemeClr>
-                </a:solidFill>
-              </a:rPr>
-              <a:t>Apellidos </a:t>
-            </a:r>
-            <a:r>
-              <a:rPr lang="es-ES" sz="1200" b="1" dirty="0" smtClean="0">
-                <a:solidFill>
-                  <a:schemeClr val="tx1">
-                    <a:lumMod val="75000"/>
-                    <a:lumOff val="25000"/>
-                  </a:schemeClr>
-                </a:solidFill>
-              </a:rPr>
-              <a:t>Nombres</a:t>
+              <a:t>JOHAN STEVEN RAMIREZ RODRIGUEZ</a:t>
             </a:r>
             <a:endParaRPr lang="es-ES" sz="1200" b="1" dirty="0">
               <a:solidFill>
@@ -2738,73 +2842,36 @@
           </a:p>
         </p:txBody>
       </p:sp>
-      <p:sp>
-        <p:nvSpPr>
-          <p:cNvPr id="6" name="CuadroTexto 5"/>
-          <p:cNvSpPr txBox="1"/>
+      <p:pic>
+        <p:nvPicPr>
+          <p:cNvPr id="2" name="Imagen 1"/>
+          <p:cNvPicPr>
+            <a:picLocks noChangeAspect="1"/>
+          </p:cNvPicPr>
           <p:nvPr/>
-        </p:nvSpPr>
-        <p:spPr>
-          <a:xfrm>
-            <a:off x="1836665" y="901908"/>
-            <a:ext cx="2458498" cy="623248"/>
-          </a:xfrm>
-          <a:prstGeom prst="rect">
+        </p:nvPicPr>
+        <p:blipFill>
+          <a:blip r:embed="rId2">
+            <a:extLst>
+              <a:ext uri="{28A0092B-C50C-407E-A947-70E740481C1C}">
+                <a14:useLocalDpi xmlns:a14="http://schemas.microsoft.com/office/drawing/2010/main" val="0"/>
+              </a:ext>
+            </a:extLst>
+          </a:blip>
+          <a:stretch>
+            <a:fillRect/>
+          </a:stretch>
+        </p:blipFill>
+        <p:spPr>
+          <a:xfrm>
+            <a:off x="1578959" y="796787"/>
+            <a:ext cx="1236536" cy="1236536"/>
+          </a:xfrm>
+          <a:prstGeom prst="ellipse">
             <a:avLst/>
           </a:prstGeom>
-          <a:noFill/>
-          <a:ln>
-            <a:solidFill>
-              <a:schemeClr val="tx1">
-                <a:lumMod val="75000"/>
-                <a:lumOff val="25000"/>
-              </a:schemeClr>
-            </a:solidFill>
-          </a:ln>
-        </p:spPr>
-        <p:txBody>
-          <a:bodyPr wrap="square" rtlCol="0">
-            <a:spAutoFit/>
-          </a:bodyPr>
-          <a:lstStyle/>
-          <a:p>
-            <a:pPr algn="ctr"/>
-            <a:r>
-              <a:rPr lang="es-ES" sz="2400" b="1" dirty="0" smtClean="0">
-                <a:solidFill>
-                  <a:schemeClr val="tx1">
-                    <a:lumMod val="75000"/>
-                    <a:lumOff val="25000"/>
-                  </a:schemeClr>
-                </a:solidFill>
-              </a:rPr>
-              <a:t>Logo Sistema.png</a:t>
-            </a:r>
-          </a:p>
-          <a:p>
-            <a:pPr algn="ctr"/>
-            <a:r>
-              <a:rPr lang="es-ES" sz="1050" b="1" dirty="0" smtClean="0">
-                <a:solidFill>
-                  <a:schemeClr val="tx1">
-                    <a:lumMod val="75000"/>
-                    <a:lumOff val="25000"/>
-                  </a:schemeClr>
-                </a:solidFill>
-              </a:rPr>
-              <a:t>(En alguna parte de esta diapositiva)</a:t>
-            </a:r>
-            <a:endParaRPr lang="es-ES" sz="1050" b="1" dirty="0">
-              <a:solidFill>
-                <a:schemeClr val="tx1">
-                  <a:lumMod val="75000"/>
-                  <a:lumOff val="25000"/>
-                </a:schemeClr>
-              </a:solidFill>
-            </a:endParaRPr>
-          </a:p>
-        </p:txBody>
-      </p:sp>
+        </p:spPr>
+      </p:pic>
     </p:spTree>
     <p:extLst>
       <p:ext uri="{BB962C8B-B14F-4D97-AF65-F5344CB8AC3E}">
@@ -2844,14 +2911,14 @@
       </p:grpSpPr>
       <p:sp>
         <p:nvSpPr>
-          <p:cNvPr id="3" name="CuadroTexto 2"/>
+          <p:cNvPr id="2" name="CuadroTexto 1"/>
           <p:cNvSpPr txBox="1"/>
           <p:nvPr/>
         </p:nvSpPr>
         <p:spPr>
           <a:xfrm>
-            <a:off x="3459215" y="1636109"/>
-            <a:ext cx="4377600" cy="923330"/>
+            <a:off x="382868" y="249495"/>
+            <a:ext cx="2817532" cy="646331"/>
           </a:xfrm>
           <a:prstGeom prst="rect">
             <a:avLst/>
@@ -2865,21 +2932,106 @@
           <a:lstStyle/>
           <a:p>
             <a:r>
-              <a:rPr lang="es-ES" sz="5400" b="1" dirty="0" smtClean="0">
-                <a:solidFill>
-                  <a:schemeClr val="tx1">
-                    <a:lumMod val="75000"/>
-                    <a:lumOff val="25000"/>
-                  </a:schemeClr>
-                </a:solidFill>
-              </a:rPr>
-              <a:t>Alcance</a:t>
-            </a:r>
-            <a:endParaRPr lang="es-ES" sz="5400" b="1" dirty="0">
+              <a:rPr lang="es-ES" sz="3600" b="1" dirty="0" smtClean="0">
+                <a:solidFill>
+                  <a:schemeClr val="bg1"/>
+                </a:solidFill>
+              </a:rPr>
+              <a:t>Justificación</a:t>
+            </a:r>
+            <a:endParaRPr lang="es-ES" sz="3600" b="1" dirty="0">
+              <a:solidFill>
+                <a:schemeClr val="bg1"/>
+              </a:solidFill>
+            </a:endParaRPr>
+          </a:p>
+        </p:txBody>
+      </p:sp>
+      <p:sp>
+        <p:nvSpPr>
+          <p:cNvPr id="8" name="Rectángulo 7"/>
+          <p:cNvSpPr/>
+          <p:nvPr/>
+        </p:nvSpPr>
+        <p:spPr>
+          <a:xfrm>
+            <a:off x="382868" y="2366751"/>
+            <a:ext cx="8308126" cy="1077218"/>
+          </a:xfrm>
+          <a:prstGeom prst="rect">
+            <a:avLst/>
+          </a:prstGeom>
+        </p:spPr>
+        <p:txBody>
+          <a:bodyPr wrap="square">
+            <a:spAutoFit/>
+          </a:bodyPr>
+          <a:lstStyle/>
+          <a:p>
+            <a:pPr marL="285750" indent="-285750" algn="just">
+              <a:buFont typeface="Arial" panose="020B0604020202020204" pitchFamily="34" charset="0"/>
+              <a:buChar char="•"/>
+            </a:pPr>
+            <a:r>
+              <a:rPr lang="es-CO" sz="1600" dirty="0">
+                <a:solidFill>
+                  <a:schemeClr val="tx1">
+                    <a:lumMod val="95000"/>
+                    <a:lumOff val="5000"/>
+                  </a:schemeClr>
+                </a:solidFill>
+              </a:rPr>
+              <a:t>Se propone el desarrollo de un sistema de información web denominado LOCK INVENTARY que sirva como herramienta para el apoyo y seguimiento de los procesos desarrollados en la microempresa ISAPHONE</a:t>
+            </a:r>
+            <a:r>
+              <a:rPr lang="es-CO" sz="1600" dirty="0" smtClean="0">
+                <a:solidFill>
+                  <a:schemeClr val="tx1">
+                    <a:lumMod val="95000"/>
+                    <a:lumOff val="5000"/>
+                  </a:schemeClr>
+                </a:solidFill>
+              </a:rPr>
+              <a:t>. Este </a:t>
+            </a:r>
+            <a:r>
+              <a:rPr lang="es-CO" sz="1600" dirty="0">
+                <a:solidFill>
+                  <a:schemeClr val="tx1">
+                    <a:lumMod val="95000"/>
+                    <a:lumOff val="5000"/>
+                  </a:schemeClr>
+                </a:solidFill>
+              </a:rPr>
+              <a:t>sistema de información pretende solucionar la necesidad que se evidenció en la microempresa por la falta de un sistema de </a:t>
+            </a:r>
+            <a:r>
+              <a:rPr lang="es-CO" sz="1600" dirty="0" smtClean="0">
+                <a:solidFill>
+                  <a:schemeClr val="tx1">
+                    <a:lumMod val="95000"/>
+                    <a:lumOff val="5000"/>
+                  </a:schemeClr>
+                </a:solidFill>
+              </a:rPr>
+              <a:t>información</a:t>
+            </a:r>
+            <a:r>
+              <a:rPr lang="es-CO" sz="1600" dirty="0">
+                <a:solidFill>
+                  <a:schemeClr val="tx1">
+                    <a:lumMod val="95000"/>
+                    <a:lumOff val="5000"/>
+                  </a:schemeClr>
+                </a:solidFill>
+              </a:rPr>
+              <a:t>.</a:t>
+            </a:r>
+            <a:endParaRPr lang="es-ES_tradnl" sz="1600" dirty="0">
               <a:solidFill>
                 <a:schemeClr val="tx1">
-                  <a:lumMod val="75000"/>
-                  <a:lumOff val="25000"/>
+                  <a:lumMod val="95000"/>
+                  <a:lumOff val="5000"/>
                 </a:schemeClr>
               </a:solidFill>
             </a:endParaRPr>
@@ -2888,82 +3040,24 @@
       </p:sp>
       <p:sp>
         <p:nvSpPr>
-          <p:cNvPr id="4" name="CuadroTexto 3"/>
-          <p:cNvSpPr txBox="1"/>
+          <p:cNvPr id="9" name="Rectángulo 8">
+            <a:hlinkClick r:id="rId2" action="ppaction://hlinksldjump"/>
+          </p:cNvPr>
+          <p:cNvSpPr/>
           <p:nvPr/>
         </p:nvSpPr>
         <p:spPr>
           <a:xfrm>
-            <a:off x="3492771" y="2692065"/>
-            <a:ext cx="2389387" cy="646331"/>
+            <a:off x="8212822" y="192947"/>
+            <a:ext cx="746620" cy="679508"/>
           </a:xfrm>
           <a:prstGeom prst="rect">
             <a:avLst/>
           </a:prstGeom>
           <a:noFill/>
-        </p:spPr>
-        <p:txBody>
-          <a:bodyPr wrap="square" rtlCol="0">
-            <a:spAutoFit/>
-          </a:bodyPr>
-          <a:lstStyle/>
-          <a:p>
-            <a:r>
-              <a:rPr lang="es-ES" dirty="0" smtClean="0">
-                <a:solidFill>
-                  <a:schemeClr val="tx1">
-                    <a:lumMod val="75000"/>
-                    <a:lumOff val="25000"/>
-                  </a:schemeClr>
-                </a:solidFill>
-              </a:rPr>
-              <a:t>Texto corto descriptivo</a:t>
-            </a:r>
-          </a:p>
-          <a:p>
-            <a:r>
-              <a:rPr lang="es-ES" dirty="0" smtClean="0">
-                <a:solidFill>
-                  <a:schemeClr val="tx1">
-                    <a:lumMod val="75000"/>
-                    <a:lumOff val="25000"/>
-                  </a:schemeClr>
-                </a:solidFill>
-              </a:rPr>
-              <a:t>a 2 o 3 líneas</a:t>
-            </a:r>
-            <a:endParaRPr lang="es-ES" dirty="0">
-              <a:solidFill>
-                <a:schemeClr val="tx1">
-                  <a:lumMod val="75000"/>
-                  <a:lumOff val="25000"/>
-                </a:schemeClr>
-              </a:solidFill>
-            </a:endParaRPr>
-          </a:p>
-        </p:txBody>
-      </p:sp>
-      <p:sp>
-        <p:nvSpPr>
-          <p:cNvPr id="5" name="Rectángulo 4"/>
-          <p:cNvSpPr/>
-          <p:nvPr/>
-        </p:nvSpPr>
-        <p:spPr>
-          <a:xfrm>
-            <a:off x="3580355" y="2539984"/>
-            <a:ext cx="718487" cy="45719"/>
-          </a:xfrm>
-          <a:prstGeom prst="rect">
-            <a:avLst/>
-          </a:prstGeom>
-          <a:solidFill>
-            <a:srgbClr val="FF6600"/>
-          </a:solidFill>
           <a:ln>
             <a:noFill/>
           </a:ln>
-          <a:effectLst/>
         </p:spPr>
         <p:style>
           <a:lnRef idx="1">
@@ -2984,151 +3078,44 @@
           <a:lstStyle/>
           <a:p>
             <a:pPr algn="ctr"/>
-            <a:endParaRPr lang="es-ES"/>
-          </a:p>
-        </p:txBody>
-      </p:sp>
-      <p:sp>
-        <p:nvSpPr>
-          <p:cNvPr id="6" name="Rectángulo 5"/>
-          <p:cNvSpPr/>
+            <a:endParaRPr lang="es-CO"/>
+          </a:p>
+        </p:txBody>
+      </p:sp>
+      <p:pic>
+        <p:nvPicPr>
+          <p:cNvPr id="11" name="Imagen 10"/>
+          <p:cNvPicPr>
+            <a:picLocks noChangeAspect="1"/>
+          </p:cNvPicPr>
           <p:nvPr/>
-        </p:nvSpPr>
-        <p:spPr>
-          <a:xfrm>
-            <a:off x="7560961" y="4302549"/>
-            <a:ext cx="1316995" cy="564476"/>
-          </a:xfrm>
-          <a:prstGeom prst="rect">
+        </p:nvPicPr>
+        <p:blipFill>
+          <a:blip r:embed="rId3">
+            <a:extLst>
+              <a:ext uri="{28A0092B-C50C-407E-A947-70E740481C1C}">
+                <a14:useLocalDpi xmlns:a14="http://schemas.microsoft.com/office/drawing/2010/main" val="0"/>
+              </a:ext>
+            </a:extLst>
+          </a:blip>
+          <a:stretch>
+            <a:fillRect/>
+          </a:stretch>
+        </p:blipFill>
+        <p:spPr>
+          <a:xfrm>
+            <a:off x="7722906" y="3823363"/>
+            <a:ext cx="1236536" cy="1236536"/>
+          </a:xfrm>
+          <a:prstGeom prst="ellipse">
             <a:avLst/>
           </a:prstGeom>
-          <a:noFill/>
-          <a:ln>
-            <a:solidFill>
-              <a:schemeClr val="tx1">
-                <a:lumMod val="75000"/>
-                <a:lumOff val="25000"/>
-              </a:schemeClr>
-            </a:solidFill>
-          </a:ln>
-          <a:effectLst/>
-        </p:spPr>
-        <p:style>
-          <a:lnRef idx="1">
-            <a:schemeClr val="accent1"/>
-          </a:lnRef>
-          <a:fillRef idx="3">
-            <a:schemeClr val="accent1"/>
-          </a:fillRef>
-          <a:effectRef idx="2">
-            <a:schemeClr val="accent1"/>
-          </a:effectRef>
-          <a:fontRef idx="minor">
-            <a:schemeClr val="lt1"/>
-          </a:fontRef>
-        </p:style>
-        <p:txBody>
-          <a:bodyPr rtlCol="0" anchor="ctr"/>
-          <a:lstStyle/>
-          <a:p>
-            <a:pPr algn="ctr"/>
-            <a:endParaRPr lang="es-ES"/>
-          </a:p>
-        </p:txBody>
-      </p:sp>
-      <p:sp>
-        <p:nvSpPr>
-          <p:cNvPr id="7" name="CuadroTexto 6"/>
-          <p:cNvSpPr txBox="1"/>
-          <p:nvPr/>
-        </p:nvSpPr>
-        <p:spPr>
-          <a:xfrm>
-            <a:off x="7560961" y="4440062"/>
-            <a:ext cx="1316994" cy="276999"/>
-          </a:xfrm>
-          <a:prstGeom prst="rect">
-            <a:avLst/>
-          </a:prstGeom>
-          <a:noFill/>
-        </p:spPr>
-        <p:txBody>
-          <a:bodyPr wrap="square" rtlCol="0">
-            <a:spAutoFit/>
-          </a:bodyPr>
-          <a:lstStyle/>
-          <a:p>
-            <a:pPr algn="ctr"/>
-            <a:r>
-              <a:rPr lang="es-ES" sz="1200" b="1" dirty="0" smtClean="0">
-                <a:solidFill>
-                  <a:schemeClr val="tx1">
-                    <a:lumMod val="75000"/>
-                    <a:lumOff val="25000"/>
-                  </a:schemeClr>
-                </a:solidFill>
-              </a:rPr>
-              <a:t>Logo Sistema</a:t>
-            </a:r>
-            <a:endParaRPr lang="es-ES" sz="1200" b="1" dirty="0">
-              <a:solidFill>
-                <a:schemeClr val="tx1">
-                  <a:lumMod val="75000"/>
-                  <a:lumOff val="25000"/>
-                </a:schemeClr>
-              </a:solidFill>
-            </a:endParaRPr>
-          </a:p>
-        </p:txBody>
-      </p:sp>
-      <p:sp>
-        <p:nvSpPr>
-          <p:cNvPr id="8" name="Rectángulo 7">
-            <a:hlinkClick r:id="rId2" action="ppaction://hlinksldjump"/>
-          </p:cNvPr>
-          <p:cNvSpPr/>
-          <p:nvPr/>
-        </p:nvSpPr>
-        <p:spPr>
-          <a:xfrm>
-            <a:off x="8212822" y="192947"/>
-            <a:ext cx="746620" cy="679508"/>
-          </a:xfrm>
-          <a:prstGeom prst="rect">
-            <a:avLst/>
-          </a:prstGeom>
-          <a:noFill/>
-          <a:ln>
-            <a:noFill/>
-          </a:ln>
-        </p:spPr>
-        <p:style>
-          <a:lnRef idx="1">
-            <a:schemeClr val="accent1"/>
-          </a:lnRef>
-          <a:fillRef idx="3">
-            <a:schemeClr val="accent1"/>
-          </a:fillRef>
-          <a:effectRef idx="2">
-            <a:schemeClr val="accent1"/>
-          </a:effectRef>
-          <a:fontRef idx="minor">
-            <a:schemeClr val="lt1"/>
-          </a:fontRef>
-        </p:style>
-        <p:txBody>
-          <a:bodyPr rtlCol="0" anchor="ctr"/>
-          <a:lstStyle/>
-          <a:p>
-            <a:pPr algn="ctr"/>
-            <a:endParaRPr lang="es-CO"/>
-          </a:p>
-        </p:txBody>
-      </p:sp>
+        </p:spPr>
+      </p:pic>
     </p:spTree>
     <p:extLst>
       <p:ext uri="{BB962C8B-B14F-4D97-AF65-F5344CB8AC3E}">
-        <p14:creationId xmlns:p14="http://schemas.microsoft.com/office/powerpoint/2010/main" val="1248321586"/>
+        <p14:creationId xmlns:p14="http://schemas.microsoft.com/office/powerpoint/2010/main" val="4272611872"/>
       </p:ext>
     </p:extLst>
   </p:cSld>
@@ -3170,8 +3157,8 @@
         </p:nvSpPr>
         <p:spPr>
           <a:xfrm>
-            <a:off x="382867" y="249495"/>
-            <a:ext cx="5413925" cy="646331"/>
+            <a:off x="382868" y="249495"/>
+            <a:ext cx="2817532" cy="646331"/>
           </a:xfrm>
           <a:prstGeom prst="rect">
             <a:avLst/>
@@ -3190,7 +3177,7 @@
                   <a:schemeClr val="bg1"/>
                 </a:solidFill>
               </a:rPr>
-              <a:t>Alcance</a:t>
+              <a:t>Justificación</a:t>
             </a:r>
             <a:endParaRPr lang="es-ES" sz="3600" b="1" dirty="0">
               <a:solidFill>
@@ -3202,28 +3189,129 @@
       </p:sp>
       <p:sp>
         <p:nvSpPr>
-          <p:cNvPr id="3" name="Rectángulo 2"/>
+          <p:cNvPr id="8" name="Rectángulo 7"/>
           <p:cNvSpPr/>
           <p:nvPr/>
         </p:nvSpPr>
         <p:spPr>
           <a:xfrm>
-            <a:off x="7560961" y="4302549"/>
-            <a:ext cx="1316995" cy="564476"/>
+            <a:off x="382868" y="2048053"/>
+            <a:ext cx="8308126" cy="1569660"/>
+          </a:xfrm>
+          <a:prstGeom prst="rect">
+            <a:avLst/>
+          </a:prstGeom>
+        </p:spPr>
+        <p:txBody>
+          <a:bodyPr wrap="square">
+            <a:spAutoFit/>
+          </a:bodyPr>
+          <a:lstStyle/>
+          <a:p>
+            <a:pPr algn="just"/>
+            <a:endParaRPr lang="es-ES" sz="1600" dirty="0" smtClean="0">
+              <a:solidFill>
+                <a:schemeClr val="tx1">
+                  <a:lumMod val="75000"/>
+                  <a:lumOff val="25000"/>
+                </a:schemeClr>
+              </a:solidFill>
+            </a:endParaRPr>
+          </a:p>
+          <a:p>
+            <a:pPr marL="285750" indent="-285750" algn="just">
+              <a:buFont typeface="Arial" panose="020B0604020202020204" pitchFamily="34" charset="0"/>
+              <a:buChar char="•"/>
+            </a:pPr>
+            <a:r>
+              <a:rPr lang="es-CO" sz="1600" dirty="0" smtClean="0">
+                <a:solidFill>
+                  <a:schemeClr val="tx1">
+                    <a:lumMod val="95000"/>
+                    <a:lumOff val="5000"/>
+                  </a:schemeClr>
+                </a:solidFill>
+              </a:rPr>
+              <a:t>El sistema operativo </a:t>
+            </a:r>
+            <a:r>
+              <a:rPr lang="es-CO" sz="1600" dirty="0">
+                <a:solidFill>
+                  <a:schemeClr val="tx1">
+                    <a:lumMod val="95000"/>
+                    <a:lumOff val="5000"/>
+                  </a:schemeClr>
+                </a:solidFill>
+              </a:rPr>
+              <a:t>LOCK INVENTARY servirá como aporte al sector comercial como una herramienta que ayude a llevar y controlar de la mejor manera los productos que se distribuyan en el establecimiento donde se haga uso de </a:t>
+            </a:r>
+            <a:r>
+              <a:rPr lang="es-CO" sz="1600" dirty="0" smtClean="0">
+                <a:solidFill>
+                  <a:schemeClr val="tx1">
+                    <a:lumMod val="95000"/>
+                    <a:lumOff val="5000"/>
+                  </a:schemeClr>
+                </a:solidFill>
+              </a:rPr>
+              <a:t>este, facilitando y agilizando todos estos procesos y gracias a esto se vera reflejado un mejor rendimiento al interior de la </a:t>
+            </a:r>
+          </a:p>
+          <a:p>
+            <a:pPr algn="just"/>
+            <a:r>
+              <a:rPr lang="es-CO" sz="1600" dirty="0">
+                <a:solidFill>
+                  <a:schemeClr val="tx1">
+                    <a:lumMod val="95000"/>
+                    <a:lumOff val="5000"/>
+                  </a:schemeClr>
+                </a:solidFill>
+              </a:rPr>
+              <a:t> </a:t>
+            </a:r>
+            <a:r>
+              <a:rPr lang="es-CO" sz="1600" dirty="0" smtClean="0">
+                <a:solidFill>
+                  <a:schemeClr val="tx1">
+                    <a:lumMod val="95000"/>
+                    <a:lumOff val="5000"/>
+                  </a:schemeClr>
+                </a:solidFill>
+              </a:rPr>
+              <a:t>     microempresa.</a:t>
+            </a:r>
+            <a:endParaRPr lang="es-ES_tradnl" sz="1600" dirty="0">
+              <a:solidFill>
+                <a:schemeClr val="tx1">
+                  <a:lumMod val="95000"/>
+                  <a:lumOff val="5000"/>
+                </a:schemeClr>
+              </a:solidFill>
+            </a:endParaRPr>
+          </a:p>
+        </p:txBody>
+      </p:sp>
+      <p:sp>
+        <p:nvSpPr>
+          <p:cNvPr id="9" name="Rectángulo 8">
+            <a:hlinkClick r:id="rId2" action="ppaction://hlinksldjump"/>
+          </p:cNvPr>
+          <p:cNvSpPr/>
+          <p:nvPr/>
+        </p:nvSpPr>
+        <p:spPr>
+          <a:xfrm>
+            <a:off x="8212822" y="192947"/>
+            <a:ext cx="746620" cy="679508"/>
           </a:xfrm>
           <a:prstGeom prst="rect">
             <a:avLst/>
           </a:prstGeom>
           <a:noFill/>
           <a:ln>
-            <a:solidFill>
-              <a:schemeClr val="tx1">
-                <a:lumMod val="75000"/>
-                <a:lumOff val="25000"/>
-              </a:schemeClr>
-            </a:solidFill>
+            <a:noFill/>
           </a:ln>
-          <a:effectLst/>
         </p:spPr>
         <p:style>
           <a:lnRef idx="1">
@@ -3244,381 +3332,44 @@
           <a:lstStyle/>
           <a:p>
             <a:pPr algn="ctr"/>
-            <a:endParaRPr lang="es-ES"/>
-          </a:p>
-        </p:txBody>
-      </p:sp>
-      <p:sp>
-        <p:nvSpPr>
-          <p:cNvPr id="4" name="CuadroTexto 3"/>
-          <p:cNvSpPr txBox="1"/>
+            <a:endParaRPr lang="es-CO"/>
+          </a:p>
+        </p:txBody>
+      </p:sp>
+      <p:pic>
+        <p:nvPicPr>
+          <p:cNvPr id="11" name="Imagen 10"/>
+          <p:cNvPicPr>
+            <a:picLocks noChangeAspect="1"/>
+          </p:cNvPicPr>
           <p:nvPr/>
-        </p:nvSpPr>
-        <p:spPr>
-          <a:xfrm>
-            <a:off x="7560961" y="4440062"/>
-            <a:ext cx="1316994" cy="276999"/>
-          </a:xfrm>
-          <a:prstGeom prst="rect">
+        </p:nvPicPr>
+        <p:blipFill>
+          <a:blip r:embed="rId3">
+            <a:extLst>
+              <a:ext uri="{28A0092B-C50C-407E-A947-70E740481C1C}">
+                <a14:useLocalDpi xmlns:a14="http://schemas.microsoft.com/office/drawing/2010/main" val="0"/>
+              </a:ext>
+            </a:extLst>
+          </a:blip>
+          <a:stretch>
+            <a:fillRect/>
+          </a:stretch>
+        </p:blipFill>
+        <p:spPr>
+          <a:xfrm>
+            <a:off x="7722906" y="3823363"/>
+            <a:ext cx="1236536" cy="1236536"/>
+          </a:xfrm>
+          <a:prstGeom prst="ellipse">
             <a:avLst/>
           </a:prstGeom>
-          <a:noFill/>
-        </p:spPr>
-        <p:txBody>
-          <a:bodyPr wrap="square" rtlCol="0">
-            <a:spAutoFit/>
-          </a:bodyPr>
-          <a:lstStyle/>
-          <a:p>
-            <a:pPr algn="ctr"/>
-            <a:r>
-              <a:rPr lang="es-ES" sz="1200" b="1" dirty="0" smtClean="0">
-                <a:solidFill>
-                  <a:schemeClr val="tx1">
-                    <a:lumMod val="75000"/>
-                    <a:lumOff val="25000"/>
-                  </a:schemeClr>
-                </a:solidFill>
-              </a:rPr>
-              <a:t>Marca externa</a:t>
-            </a:r>
-            <a:endParaRPr lang="es-ES" sz="1200" b="1" dirty="0">
-              <a:solidFill>
-                <a:schemeClr val="tx1">
-                  <a:lumMod val="75000"/>
-                  <a:lumOff val="25000"/>
-                </a:schemeClr>
-              </a:solidFill>
-            </a:endParaRPr>
-          </a:p>
-        </p:txBody>
-      </p:sp>
-      <p:sp>
-        <p:nvSpPr>
-          <p:cNvPr id="5" name="Rectángulo 4"/>
-          <p:cNvSpPr/>
-          <p:nvPr/>
-        </p:nvSpPr>
-        <p:spPr>
-          <a:xfrm>
-            <a:off x="382867" y="1232954"/>
-            <a:ext cx="8333294" cy="2554545"/>
-          </a:xfrm>
-          <a:prstGeom prst="rect">
-            <a:avLst/>
-          </a:prstGeom>
-        </p:spPr>
-        <p:txBody>
-          <a:bodyPr wrap="square">
-            <a:spAutoFit/>
-          </a:bodyPr>
-          <a:lstStyle/>
-          <a:p>
-            <a:r>
-              <a:rPr lang="es-ES" sz="1600" dirty="0" smtClean="0">
-                <a:solidFill>
-                  <a:schemeClr val="tx1">
-                    <a:lumMod val="75000"/>
-                    <a:lumOff val="25000"/>
-                  </a:schemeClr>
-                </a:solidFill>
-              </a:rPr>
-              <a:t>Se </a:t>
-            </a:r>
-            <a:r>
-              <a:rPr lang="es-ES" sz="1600" dirty="0">
-                <a:solidFill>
-                  <a:schemeClr val="tx1">
-                    <a:lumMod val="75000"/>
-                    <a:lumOff val="25000"/>
-                  </a:schemeClr>
-                </a:solidFill>
-              </a:rPr>
-              <a:t>describe en párrafos (no viñetas ni numeración) y debe evidenciar lo siguiente:</a:t>
-            </a:r>
-          </a:p>
-          <a:p>
-            <a:endParaRPr lang="es-ES" sz="1600" dirty="0">
-              <a:solidFill>
-                <a:schemeClr val="tx1">
-                  <a:lumMod val="75000"/>
-                  <a:lumOff val="25000"/>
-                </a:schemeClr>
-              </a:solidFill>
-            </a:endParaRPr>
-          </a:p>
-          <a:p>
-            <a:pPr marL="285750" indent="-285750">
-              <a:buFont typeface="Arial" panose="020B0604020202020204" pitchFamily="34" charset="0"/>
-              <a:buChar char="•"/>
-            </a:pPr>
-            <a:r>
-              <a:rPr lang="es-ES" sz="1600" b="1" dirty="0" smtClean="0">
-                <a:solidFill>
-                  <a:schemeClr val="tx1">
-                    <a:lumMod val="75000"/>
-                    <a:lumOff val="25000"/>
-                  </a:schemeClr>
-                </a:solidFill>
-              </a:rPr>
-              <a:t>Qué </a:t>
-            </a:r>
-            <a:r>
-              <a:rPr lang="es-ES" sz="1600" b="1" dirty="0">
-                <a:solidFill>
-                  <a:schemeClr val="tx1">
-                    <a:lumMod val="75000"/>
-                    <a:lumOff val="25000"/>
-                  </a:schemeClr>
-                </a:solidFill>
-              </a:rPr>
-              <a:t>hace el Sistema: </a:t>
-            </a:r>
-            <a:r>
-              <a:rPr lang="es-ES" sz="1600" dirty="0" smtClean="0">
-                <a:solidFill>
-                  <a:schemeClr val="tx1">
-                    <a:lumMod val="75000"/>
-                    <a:lumOff val="25000"/>
-                  </a:schemeClr>
-                </a:solidFill>
-              </a:rPr>
-              <a:t>Operaciones que los perfiles pueden hacer (ModProceso1</a:t>
-            </a:r>
-            <a:r>
-              <a:rPr lang="es-ES" sz="1600" dirty="0">
-                <a:solidFill>
-                  <a:schemeClr val="tx1">
-                    <a:lumMod val="75000"/>
-                    <a:lumOff val="25000"/>
-                  </a:schemeClr>
-                </a:solidFill>
-              </a:rPr>
-              <a:t>, ModProceso2, </a:t>
-            </a:r>
-            <a:r>
-              <a:rPr lang="es-ES" sz="1600" dirty="0" smtClean="0">
-                <a:solidFill>
-                  <a:schemeClr val="tx1">
-                    <a:lumMod val="75000"/>
-                    <a:lumOff val="25000"/>
-                  </a:schemeClr>
-                </a:solidFill>
-              </a:rPr>
-              <a:t>ModProceso3)</a:t>
-            </a:r>
-            <a:endParaRPr lang="es-ES" sz="1600" dirty="0">
-              <a:solidFill>
-                <a:schemeClr val="tx1">
-                  <a:lumMod val="75000"/>
-                  <a:lumOff val="25000"/>
-                </a:schemeClr>
-              </a:solidFill>
-            </a:endParaRPr>
-          </a:p>
-          <a:p>
-            <a:pPr marL="285750" indent="-285750">
-              <a:buFont typeface="Arial" panose="020B0604020202020204" pitchFamily="34" charset="0"/>
-              <a:buChar char="•"/>
-            </a:pPr>
-            <a:r>
-              <a:rPr lang="es-ES" sz="1600" b="1" dirty="0">
-                <a:solidFill>
-                  <a:schemeClr val="tx1">
-                    <a:lumMod val="75000"/>
-                    <a:lumOff val="25000"/>
-                  </a:schemeClr>
-                </a:solidFill>
-              </a:rPr>
-              <a:t>Qué NO hace el Sistema: </a:t>
-            </a:r>
-            <a:r>
-              <a:rPr lang="es-ES" sz="1600" dirty="0">
-                <a:solidFill>
-                  <a:schemeClr val="tx1">
-                    <a:lumMod val="75000"/>
-                    <a:lumOff val="25000"/>
-                  </a:schemeClr>
-                </a:solidFill>
-              </a:rPr>
-              <a:t>Operaciones que </a:t>
-            </a:r>
-            <a:r>
-              <a:rPr lang="es-ES" sz="1600" dirty="0" smtClean="0">
-                <a:solidFill>
-                  <a:schemeClr val="tx1">
-                    <a:lumMod val="75000"/>
-                    <a:lumOff val="25000"/>
-                  </a:schemeClr>
-                </a:solidFill>
-              </a:rPr>
-              <a:t>NO va hacer el Sistema (ModProceso4</a:t>
-            </a:r>
-            <a:r>
-              <a:rPr lang="es-ES" sz="1600" dirty="0">
-                <a:solidFill>
-                  <a:schemeClr val="tx1">
-                    <a:lumMod val="75000"/>
-                    <a:lumOff val="25000"/>
-                  </a:schemeClr>
-                </a:solidFill>
-              </a:rPr>
-              <a:t>, ModProceso5). </a:t>
-            </a:r>
-            <a:endParaRPr lang="es-ES" sz="1600" dirty="0" smtClean="0">
-              <a:solidFill>
-                <a:schemeClr val="tx1">
-                  <a:lumMod val="75000"/>
-                  <a:lumOff val="25000"/>
-                </a:schemeClr>
-              </a:solidFill>
-            </a:endParaRPr>
-          </a:p>
-          <a:p>
-            <a:pPr marL="285750" indent="-285750">
-              <a:buFont typeface="Arial" panose="020B0604020202020204" pitchFamily="34" charset="0"/>
-              <a:buChar char="•"/>
-            </a:pPr>
-            <a:r>
-              <a:rPr lang="es-ES" sz="1600" dirty="0">
-                <a:solidFill>
-                  <a:schemeClr val="tx1">
-                    <a:lumMod val="75000"/>
-                    <a:lumOff val="25000"/>
-                  </a:schemeClr>
-                </a:solidFill>
-              </a:rPr>
-              <a:t>Hasta dónde abarca (Tiempo, evidencias)</a:t>
-            </a:r>
-          </a:p>
-          <a:p>
-            <a:pPr marL="285750" indent="-285750">
-              <a:buFont typeface="Arial" panose="020B0604020202020204" pitchFamily="34" charset="0"/>
-              <a:buChar char="•"/>
-            </a:pPr>
-            <a:r>
-              <a:rPr lang="es-ES" sz="1600" dirty="0" smtClean="0">
-                <a:solidFill>
-                  <a:schemeClr val="tx1">
-                    <a:lumMod val="75000"/>
-                    <a:lumOff val="25000"/>
-                  </a:schemeClr>
-                </a:solidFill>
-              </a:rPr>
-              <a:t>Descripción de tecnologías </a:t>
-            </a:r>
-            <a:r>
-              <a:rPr lang="es-ES" sz="1600" smtClean="0">
-                <a:solidFill>
-                  <a:schemeClr val="tx1">
-                    <a:lumMod val="75000"/>
-                    <a:lumOff val="25000"/>
-                  </a:schemeClr>
-                </a:solidFill>
-              </a:rPr>
-              <a:t>del proyecto</a:t>
-            </a:r>
-            <a:endParaRPr lang="es-ES" sz="1600" dirty="0">
-              <a:solidFill>
-                <a:schemeClr val="tx1">
-                  <a:lumMod val="75000"/>
-                  <a:lumOff val="25000"/>
-                </a:schemeClr>
-              </a:solidFill>
-            </a:endParaRPr>
-          </a:p>
-          <a:p>
-            <a:endParaRPr lang="es-ES_tradnl" sz="1600" dirty="0">
-              <a:solidFill>
-                <a:schemeClr val="tx1">
-                  <a:lumMod val="75000"/>
-                  <a:lumOff val="25000"/>
-                </a:schemeClr>
-              </a:solidFill>
-            </a:endParaRPr>
-          </a:p>
-          <a:p>
-            <a:r>
-              <a:rPr lang="es-ES_tradnl" sz="1600" dirty="0">
-                <a:solidFill>
-                  <a:schemeClr val="tx1">
-                    <a:lumMod val="75000"/>
-                    <a:lumOff val="25000"/>
-                  </a:schemeClr>
-                </a:solidFill>
-              </a:rPr>
-              <a:t>“Pueden utilizar imágenes de Apoyo o más diapositivas si lo requieren</a:t>
-            </a:r>
-            <a:r>
-              <a:rPr lang="es-ES_tradnl" sz="1600" dirty="0" smtClean="0">
-                <a:solidFill>
-                  <a:schemeClr val="tx1">
-                    <a:lumMod val="75000"/>
-                    <a:lumOff val="25000"/>
-                  </a:schemeClr>
-                </a:solidFill>
-              </a:rPr>
-              <a:t>”</a:t>
-            </a:r>
-            <a:endParaRPr lang="es-ES_tradnl" sz="1600" dirty="0">
-              <a:solidFill>
-                <a:schemeClr val="tx1">
-                  <a:lumMod val="75000"/>
-                  <a:lumOff val="25000"/>
-                </a:schemeClr>
-              </a:solidFill>
-            </a:endParaRPr>
-          </a:p>
-        </p:txBody>
-      </p:sp>
-      <p:sp>
-        <p:nvSpPr>
-          <p:cNvPr id="14" name="Rectángulo 13">
-            <a:hlinkClick r:id="rId2" action="ppaction://hlinksldjump"/>
-          </p:cNvPr>
-          <p:cNvSpPr/>
-          <p:nvPr/>
-        </p:nvSpPr>
-        <p:spPr>
-          <a:xfrm>
-            <a:off x="8212822" y="192947"/>
-            <a:ext cx="746620" cy="679508"/>
-          </a:xfrm>
-          <a:prstGeom prst="rect">
-            <a:avLst/>
-          </a:prstGeom>
-          <a:noFill/>
-          <a:ln>
-            <a:noFill/>
-          </a:ln>
-        </p:spPr>
-        <p:style>
-          <a:lnRef idx="1">
-            <a:schemeClr val="accent1"/>
-          </a:lnRef>
-          <a:fillRef idx="3">
-            <a:schemeClr val="accent1"/>
-          </a:fillRef>
-          <a:effectRef idx="2">
-            <a:schemeClr val="accent1"/>
-          </a:effectRef>
-          <a:fontRef idx="minor">
-            <a:schemeClr val="lt1"/>
-          </a:fontRef>
-        </p:style>
-        <p:txBody>
-          <a:bodyPr rtlCol="0" anchor="ctr"/>
-          <a:lstStyle/>
-          <a:p>
-            <a:pPr algn="ctr"/>
-            <a:endParaRPr lang="es-CO"/>
-          </a:p>
-        </p:txBody>
-      </p:sp>
+        </p:spPr>
+      </p:pic>
     </p:spTree>
     <p:extLst>
       <p:ext uri="{BB962C8B-B14F-4D97-AF65-F5344CB8AC3E}">
-        <p14:creationId xmlns:p14="http://schemas.microsoft.com/office/powerpoint/2010/main" val="364966841"/>
+        <p14:creationId xmlns:p14="http://schemas.microsoft.com/office/powerpoint/2010/main" val="1678716994"/>
       </p:ext>
     </p:extLst>
   </p:cSld>
@@ -3654,26 +3405,133 @@
       </p:grpSpPr>
       <p:sp>
         <p:nvSpPr>
-          <p:cNvPr id="3" name="Rectángulo 2"/>
-          <p:cNvSpPr/>
+          <p:cNvPr id="3" name="CuadroTexto 2"/>
+          <p:cNvSpPr txBox="1"/>
           <p:nvPr/>
         </p:nvSpPr>
         <p:spPr>
           <a:xfrm>
-            <a:off x="7560961" y="4302549"/>
-            <a:ext cx="1316995" cy="564476"/>
+            <a:off x="3459215" y="1636109"/>
+            <a:ext cx="4377600" cy="923330"/>
           </a:xfrm>
           <a:prstGeom prst="rect">
             <a:avLst/>
           </a:prstGeom>
           <a:noFill/>
+        </p:spPr>
+        <p:txBody>
+          <a:bodyPr wrap="square" rtlCol="0">
+            <a:spAutoFit/>
+          </a:bodyPr>
+          <a:lstStyle/>
+          <a:p>
+            <a:r>
+              <a:rPr lang="es-ES" sz="5400" b="1" dirty="0" smtClean="0">
+                <a:solidFill>
+                  <a:schemeClr val="tx1">
+                    <a:lumMod val="75000"/>
+                    <a:lumOff val="25000"/>
+                  </a:schemeClr>
+                </a:solidFill>
+              </a:rPr>
+              <a:t>Alcance</a:t>
+            </a:r>
+            <a:endParaRPr lang="es-ES" sz="5400" b="1" dirty="0">
+              <a:solidFill>
+                <a:schemeClr val="tx1">
+                  <a:lumMod val="75000"/>
+                  <a:lumOff val="25000"/>
+                </a:schemeClr>
+              </a:solidFill>
+            </a:endParaRPr>
+          </a:p>
+        </p:txBody>
+      </p:sp>
+      <p:sp>
+        <p:nvSpPr>
+          <p:cNvPr id="4" name="CuadroTexto 3"/>
+          <p:cNvSpPr txBox="1"/>
+          <p:nvPr/>
+        </p:nvSpPr>
+        <p:spPr>
+          <a:xfrm>
+            <a:off x="1540042" y="2692065"/>
+            <a:ext cx="5861785" cy="1200329"/>
+          </a:xfrm>
+          <a:prstGeom prst="rect">
+            <a:avLst/>
+          </a:prstGeom>
+          <a:noFill/>
+        </p:spPr>
+        <p:txBody>
+          <a:bodyPr wrap="square" rtlCol="0">
+            <a:spAutoFit/>
+          </a:bodyPr>
+          <a:lstStyle/>
+          <a:p>
+            <a:r>
+              <a:rPr lang="es-CO" dirty="0" smtClean="0">
+                <a:solidFill>
+                  <a:schemeClr val="tx1">
+                    <a:lumMod val="75000"/>
+                    <a:lumOff val="25000"/>
+                  </a:schemeClr>
+                </a:solidFill>
+              </a:rPr>
+              <a:t>En el siguiente apartado se da a saber </a:t>
+            </a:r>
+            <a:r>
+              <a:rPr lang="es-CO" dirty="0">
+                <a:solidFill>
+                  <a:schemeClr val="tx1">
+                    <a:lumMod val="75000"/>
+                    <a:lumOff val="25000"/>
+                  </a:schemeClr>
+                </a:solidFill>
+              </a:rPr>
+              <a:t>hasta donde se pretende llegar con LOCK INVENTARY, las funcionalidades que tendría el sistema de información y así mismo el tiempo de </a:t>
+            </a:r>
+            <a:r>
+              <a:rPr lang="es-CO" dirty="0" smtClean="0">
+                <a:solidFill>
+                  <a:schemeClr val="tx1">
+                    <a:lumMod val="75000"/>
+                    <a:lumOff val="25000"/>
+                  </a:schemeClr>
+                </a:solidFill>
+              </a:rPr>
+              <a:t>desarrollo.</a:t>
+            </a:r>
+            <a:endParaRPr lang="es-ES" dirty="0">
+              <a:solidFill>
+                <a:schemeClr val="tx1">
+                  <a:lumMod val="75000"/>
+                  <a:lumOff val="25000"/>
+                </a:schemeClr>
+              </a:solidFill>
+            </a:endParaRPr>
+          </a:p>
+        </p:txBody>
+      </p:sp>
+      <p:sp>
+        <p:nvSpPr>
+          <p:cNvPr id="5" name="Rectángulo 4"/>
+          <p:cNvSpPr/>
+          <p:nvPr/>
+        </p:nvSpPr>
+        <p:spPr>
+          <a:xfrm>
+            <a:off x="3580355" y="2539984"/>
+            <a:ext cx="718487" cy="45719"/>
+          </a:xfrm>
+          <a:prstGeom prst="rect">
+            <a:avLst/>
+          </a:prstGeom>
+          <a:solidFill>
+            <a:srgbClr val="FF6600"/>
+          </a:solidFill>
           <a:ln>
-            <a:solidFill>
-              <a:schemeClr val="tx1">
-                <a:lumMod val="75000"/>
-                <a:lumOff val="25000"/>
-              </a:schemeClr>
-            </a:solidFill>
+            <a:noFill/>
           </a:ln>
           <a:effectLst/>
         </p:spPr>
@@ -3702,662 +3560,24 @@
       </p:sp>
       <p:sp>
         <p:nvSpPr>
-          <p:cNvPr id="4" name="CuadroTexto 3"/>
-          <p:cNvSpPr txBox="1"/>
+          <p:cNvPr id="8" name="Rectángulo 7">
+            <a:hlinkClick r:id="rId2" action="ppaction://hlinksldjump"/>
+          </p:cNvPr>
+          <p:cNvSpPr/>
           <p:nvPr/>
         </p:nvSpPr>
         <p:spPr>
           <a:xfrm>
-            <a:off x="7560961" y="4440062"/>
-            <a:ext cx="1316994" cy="276999"/>
+            <a:off x="8212822" y="192947"/>
+            <a:ext cx="746620" cy="679508"/>
           </a:xfrm>
           <a:prstGeom prst="rect">
             <a:avLst/>
           </a:prstGeom>
           <a:noFill/>
-        </p:spPr>
-        <p:txBody>
-          <a:bodyPr wrap="square" rtlCol="0">
-            <a:spAutoFit/>
-          </a:bodyPr>
-          <a:lstStyle/>
-          <a:p>
-            <a:pPr algn="ctr"/>
-            <a:r>
-              <a:rPr lang="es-ES" sz="1200" b="1" dirty="0" smtClean="0">
-                <a:solidFill>
-                  <a:schemeClr val="tx1">
-                    <a:lumMod val="75000"/>
-                    <a:lumOff val="25000"/>
-                  </a:schemeClr>
-                </a:solidFill>
-              </a:rPr>
-              <a:t>Marca externa</a:t>
-            </a:r>
-            <a:endParaRPr lang="es-ES" sz="1200" b="1" dirty="0">
-              <a:solidFill>
-                <a:schemeClr val="tx1">
-                  <a:lumMod val="75000"/>
-                  <a:lumOff val="25000"/>
-                </a:schemeClr>
-              </a:solidFill>
-            </a:endParaRPr>
-          </a:p>
-        </p:txBody>
-      </p:sp>
-      <p:sp>
-        <p:nvSpPr>
-          <p:cNvPr id="5" name="Rectángulo 4"/>
-          <p:cNvSpPr/>
-          <p:nvPr/>
-        </p:nvSpPr>
-        <p:spPr>
-          <a:xfrm>
-            <a:off x="607405" y="1028701"/>
-            <a:ext cx="2681079" cy="3902607"/>
-          </a:xfrm>
-          <a:prstGeom prst="rect">
-            <a:avLst/>
-          </a:prstGeom>
-          <a:noFill/>
-        </p:spPr>
-        <p:txBody>
-          <a:bodyPr wrap="square" anchor="t" anchorCtr="0">
-            <a:spAutoFit/>
-          </a:bodyPr>
-          <a:lstStyle/>
-          <a:p>
-            <a:pPr>
-              <a:lnSpc>
-                <a:spcPct val="120000"/>
-              </a:lnSpc>
-            </a:pPr>
-            <a:r>
-              <a:rPr lang="es-ES_tradnl" sz="1600" b="1" dirty="0" smtClean="0">
-                <a:solidFill>
-                  <a:schemeClr val="tx1">
-                    <a:lumMod val="75000"/>
-                    <a:lumOff val="25000"/>
-                  </a:schemeClr>
-                </a:solidFill>
-              </a:rPr>
-              <a:t>Primer Trimestre</a:t>
-            </a:r>
-          </a:p>
-          <a:p>
-            <a:pPr marL="444500" indent="-285750">
-              <a:buFont typeface="Arial" panose="020B0604020202020204" pitchFamily="34" charset="0"/>
-              <a:buChar char="•"/>
-            </a:pPr>
-            <a:r>
-              <a:rPr lang="es-ES" sz="1000" dirty="0">
-                <a:solidFill>
-                  <a:schemeClr val="tx1">
-                    <a:lumMod val="75000"/>
-                    <a:lumOff val="25000"/>
-                  </a:schemeClr>
-                </a:solidFill>
-              </a:rPr>
-              <a:t>Presentación Proyecto</a:t>
-            </a:r>
-          </a:p>
-          <a:p>
-            <a:pPr marL="444500" indent="-285750">
-              <a:buFont typeface="Arial" panose="020B0604020202020204" pitchFamily="34" charset="0"/>
-              <a:buChar char="•"/>
-            </a:pPr>
-            <a:r>
-              <a:rPr lang="es-ES" sz="1000" dirty="0">
-                <a:solidFill>
-                  <a:schemeClr val="tx1">
-                    <a:lumMod val="75000"/>
-                    <a:lumOff val="25000"/>
-                  </a:schemeClr>
-                </a:solidFill>
-              </a:rPr>
-              <a:t>Levantamiento de Información</a:t>
-            </a:r>
-          </a:p>
-          <a:p>
-            <a:pPr marL="444500" indent="-285750">
-              <a:buFont typeface="Arial" panose="020B0604020202020204" pitchFamily="34" charset="0"/>
-              <a:buChar char="•"/>
-            </a:pPr>
-            <a:r>
-              <a:rPr lang="es-ES" sz="1000" dirty="0">
-                <a:solidFill>
-                  <a:schemeClr val="tx1">
-                    <a:lumMod val="75000"/>
-                    <a:lumOff val="25000"/>
-                  </a:schemeClr>
-                </a:solidFill>
-              </a:rPr>
-              <a:t>Diagrama de Procesos</a:t>
-            </a:r>
-          </a:p>
-          <a:p>
-            <a:pPr marL="444500" indent="-285750">
-              <a:buFont typeface="Arial" panose="020B0604020202020204" pitchFamily="34" charset="0"/>
-              <a:buChar char="•"/>
-            </a:pPr>
-            <a:r>
-              <a:rPr lang="es-ES" sz="1000" dirty="0" err="1">
-                <a:solidFill>
-                  <a:schemeClr val="tx1">
-                    <a:lumMod val="75000"/>
-                    <a:lumOff val="25000"/>
-                  </a:schemeClr>
-                </a:solidFill>
-              </a:rPr>
-              <a:t>Preeliminar</a:t>
-            </a:r>
-            <a:r>
-              <a:rPr lang="es-ES" sz="1000" dirty="0">
-                <a:solidFill>
-                  <a:schemeClr val="tx1">
-                    <a:lumMod val="75000"/>
-                    <a:lumOff val="25000"/>
-                  </a:schemeClr>
-                </a:solidFill>
-              </a:rPr>
-              <a:t> Inventario</a:t>
-            </a:r>
-          </a:p>
-          <a:p>
-            <a:pPr marL="444500" indent="-285750">
-              <a:buFont typeface="Arial" panose="020B0604020202020204" pitchFamily="34" charset="0"/>
-              <a:buChar char="•"/>
-            </a:pPr>
-            <a:r>
-              <a:rPr lang="es-ES" sz="1000" dirty="0">
-                <a:solidFill>
-                  <a:schemeClr val="tx1">
-                    <a:lumMod val="75000"/>
-                    <a:lumOff val="25000"/>
-                  </a:schemeClr>
-                </a:solidFill>
-              </a:rPr>
-              <a:t>Formulación del Proyecto</a:t>
-            </a:r>
-          </a:p>
-          <a:p>
-            <a:pPr marL="444500" indent="-285750">
-              <a:buFont typeface="Arial" panose="020B0604020202020204" pitchFamily="34" charset="0"/>
-              <a:buChar char="•"/>
-            </a:pPr>
-            <a:r>
-              <a:rPr lang="es-ES" sz="1000" dirty="0">
-                <a:solidFill>
-                  <a:schemeClr val="tx1">
-                    <a:lumMod val="75000"/>
-                    <a:lumOff val="25000"/>
-                  </a:schemeClr>
-                </a:solidFill>
-              </a:rPr>
-              <a:t>IEEE-830</a:t>
-            </a:r>
-          </a:p>
-          <a:p>
-            <a:pPr marL="444500" indent="-285750">
-              <a:buFont typeface="Arial" panose="020B0604020202020204" pitchFamily="34" charset="0"/>
-              <a:buChar char="•"/>
-            </a:pPr>
-            <a:r>
-              <a:rPr lang="es-ES" sz="1000" u="sng" dirty="0">
-                <a:solidFill>
-                  <a:schemeClr val="tx1">
-                    <a:lumMod val="75000"/>
-                    <a:lumOff val="25000"/>
-                  </a:schemeClr>
-                </a:solidFill>
-                <a:hlinkClick r:id="rId3"/>
-              </a:rPr>
-              <a:t>Entregables 1er </a:t>
-            </a:r>
-            <a:r>
-              <a:rPr lang="es-ES" sz="1000" u="sng" dirty="0" err="1" smtClean="0">
-                <a:solidFill>
-                  <a:schemeClr val="tx1">
-                    <a:lumMod val="75000"/>
-                    <a:lumOff val="25000"/>
-                  </a:schemeClr>
-                </a:solidFill>
-                <a:hlinkClick r:id="rId3"/>
-              </a:rPr>
-              <a:t>Tri</a:t>
-            </a:r>
-            <a:r>
-              <a:rPr lang="es-ES" sz="1000" u="sng" dirty="0" err="1">
-                <a:solidFill>
-                  <a:schemeClr val="tx1">
-                    <a:lumMod val="75000"/>
-                    <a:lumOff val="25000"/>
-                  </a:schemeClr>
-                </a:solidFill>
-                <a:hlinkClick r:id="rId3"/>
-              </a:rPr>
-              <a:t>m</a:t>
-            </a:r>
-            <a:endParaRPr lang="es-ES_tradnl" sz="800" b="1" u="sng" dirty="0">
-              <a:solidFill>
-                <a:schemeClr val="tx1">
-                  <a:lumMod val="75000"/>
-                  <a:lumOff val="25000"/>
-                </a:schemeClr>
-              </a:solidFill>
-            </a:endParaRPr>
-          </a:p>
-          <a:p>
-            <a:pPr>
-              <a:lnSpc>
-                <a:spcPct val="120000"/>
-              </a:lnSpc>
-            </a:pPr>
-            <a:r>
-              <a:rPr lang="es-ES_tradnl" sz="1600" b="1" dirty="0" smtClean="0">
-                <a:solidFill>
-                  <a:schemeClr val="tx1">
-                    <a:lumMod val="75000"/>
-                    <a:lumOff val="25000"/>
-                  </a:schemeClr>
-                </a:solidFill>
-              </a:rPr>
-              <a:t>Segundo Trimestre</a:t>
-            </a:r>
-            <a:endParaRPr lang="es-ES_tradnl" sz="1600" b="1" dirty="0">
-              <a:solidFill>
-                <a:schemeClr val="tx1">
-                  <a:lumMod val="75000"/>
-                  <a:lumOff val="25000"/>
-                </a:schemeClr>
-              </a:solidFill>
-            </a:endParaRPr>
-          </a:p>
-          <a:p>
-            <a:pPr marL="444500" indent="-285750">
-              <a:buFont typeface="Arial" panose="020B0604020202020204" pitchFamily="34" charset="0"/>
-              <a:buChar char="•"/>
-            </a:pPr>
-            <a:r>
-              <a:rPr lang="es-ES" sz="1000" dirty="0">
-                <a:solidFill>
-                  <a:schemeClr val="tx1">
-                    <a:lumMod val="75000"/>
-                    <a:lumOff val="25000"/>
-                  </a:schemeClr>
-                </a:solidFill>
-              </a:rPr>
-              <a:t>Diagrama Casos de Uso</a:t>
-            </a:r>
-          </a:p>
-          <a:p>
-            <a:pPr marL="444500" indent="-285750">
-              <a:buFont typeface="Arial" panose="020B0604020202020204" pitchFamily="34" charset="0"/>
-              <a:buChar char="•"/>
-            </a:pPr>
-            <a:r>
-              <a:rPr lang="es-ES" sz="1000" dirty="0">
-                <a:solidFill>
-                  <a:schemeClr val="tx1">
-                    <a:lumMod val="75000"/>
-                    <a:lumOff val="25000"/>
-                  </a:schemeClr>
-                </a:solidFill>
-              </a:rPr>
-              <a:t>Casos de Uso Extendido</a:t>
-            </a:r>
-          </a:p>
-          <a:p>
-            <a:pPr marL="444500" indent="-285750">
-              <a:buFont typeface="Arial" panose="020B0604020202020204" pitchFamily="34" charset="0"/>
-              <a:buChar char="•"/>
-            </a:pPr>
-            <a:r>
-              <a:rPr lang="es-ES" sz="1000" dirty="0">
-                <a:solidFill>
-                  <a:schemeClr val="tx1">
-                    <a:lumMod val="75000"/>
-                    <a:lumOff val="25000"/>
-                  </a:schemeClr>
-                </a:solidFill>
-              </a:rPr>
-              <a:t>Modelo Entidad Relación</a:t>
-            </a:r>
-          </a:p>
-          <a:p>
-            <a:pPr marL="444500" indent="-285750">
-              <a:buFont typeface="Arial" panose="020B0604020202020204" pitchFamily="34" charset="0"/>
-              <a:buChar char="•"/>
-            </a:pPr>
-            <a:r>
-              <a:rPr lang="es-ES" sz="1000" dirty="0">
-                <a:solidFill>
-                  <a:schemeClr val="tx1">
-                    <a:lumMod val="75000"/>
-                    <a:lumOff val="25000"/>
-                  </a:schemeClr>
-                </a:solidFill>
-              </a:rPr>
-              <a:t>Diccionario de Datos</a:t>
-            </a:r>
-          </a:p>
-          <a:p>
-            <a:pPr marL="444500" indent="-285750">
-              <a:buFont typeface="Arial" panose="020B0604020202020204" pitchFamily="34" charset="0"/>
-              <a:buChar char="•"/>
-            </a:pPr>
-            <a:r>
-              <a:rPr lang="es-ES" sz="1000" dirty="0">
-                <a:solidFill>
-                  <a:schemeClr val="tx1">
-                    <a:lumMod val="75000"/>
-                    <a:lumOff val="25000"/>
-                  </a:schemeClr>
-                </a:solidFill>
-              </a:rPr>
-              <a:t>Cronograma de Actividades</a:t>
-            </a:r>
-          </a:p>
-          <a:p>
-            <a:pPr marL="444500" indent="-285750">
-              <a:buFont typeface="Arial" panose="020B0604020202020204" pitchFamily="34" charset="0"/>
-              <a:buChar char="•"/>
-            </a:pPr>
-            <a:r>
-              <a:rPr lang="es-ES" sz="1000" dirty="0">
-                <a:solidFill>
-                  <a:schemeClr val="tx1">
-                    <a:lumMod val="75000"/>
-                    <a:lumOff val="25000"/>
-                  </a:schemeClr>
-                </a:solidFill>
-              </a:rPr>
-              <a:t>Presupuesto y Personal</a:t>
-            </a:r>
-          </a:p>
-          <a:p>
-            <a:pPr marL="444500" indent="-285750">
-              <a:buFont typeface="Arial" panose="020B0604020202020204" pitchFamily="34" charset="0"/>
-              <a:buChar char="•"/>
-            </a:pPr>
-            <a:r>
-              <a:rPr lang="es-ES" sz="1000" dirty="0">
-                <a:solidFill>
-                  <a:schemeClr val="tx1">
-                    <a:lumMod val="75000"/>
-                    <a:lumOff val="25000"/>
-                  </a:schemeClr>
-                </a:solidFill>
-                <a:hlinkClick r:id="rId4"/>
-              </a:rPr>
-              <a:t>Entregables 2do </a:t>
-            </a:r>
-            <a:r>
-              <a:rPr lang="es-ES" sz="1000" dirty="0" err="1">
-                <a:solidFill>
-                  <a:schemeClr val="tx1">
-                    <a:lumMod val="75000"/>
-                    <a:lumOff val="25000"/>
-                  </a:schemeClr>
-                </a:solidFill>
-                <a:hlinkClick r:id="rId4"/>
-              </a:rPr>
-              <a:t>Trim</a:t>
-            </a:r>
-            <a:endParaRPr lang="es-ES" sz="1000" dirty="0" smtClean="0">
-              <a:solidFill>
-                <a:schemeClr val="tx1">
-                  <a:lumMod val="75000"/>
-                  <a:lumOff val="25000"/>
-                </a:schemeClr>
-              </a:solidFill>
-            </a:endParaRPr>
-          </a:p>
-          <a:p>
-            <a:pPr>
-              <a:lnSpc>
-                <a:spcPct val="120000"/>
-              </a:lnSpc>
-            </a:pPr>
-            <a:r>
-              <a:rPr lang="es-ES_tradnl" sz="1600" b="1" dirty="0" smtClean="0">
-                <a:solidFill>
-                  <a:schemeClr val="tx1">
-                    <a:lumMod val="75000"/>
-                    <a:lumOff val="25000"/>
-                  </a:schemeClr>
-                </a:solidFill>
-              </a:rPr>
-              <a:t>Tercer </a:t>
-            </a:r>
-            <a:r>
-              <a:rPr lang="es-ES_tradnl" sz="1600" b="1" dirty="0">
-                <a:solidFill>
-                  <a:schemeClr val="tx1">
-                    <a:lumMod val="75000"/>
-                    <a:lumOff val="25000"/>
-                  </a:schemeClr>
-                </a:solidFill>
-              </a:rPr>
-              <a:t>Trimestre</a:t>
-            </a:r>
-          </a:p>
-          <a:p>
-            <a:pPr marL="444500" indent="-285750">
-              <a:buFont typeface="Arial" panose="020B0604020202020204" pitchFamily="34" charset="0"/>
-              <a:buChar char="•"/>
-            </a:pPr>
-            <a:r>
-              <a:rPr lang="es-ES" sz="1000" dirty="0">
-                <a:solidFill>
-                  <a:schemeClr val="tx1">
-                    <a:lumMod val="75000"/>
-                    <a:lumOff val="25000"/>
-                  </a:schemeClr>
-                </a:solidFill>
-              </a:rPr>
-              <a:t>Modelo Relacional</a:t>
-            </a:r>
-          </a:p>
-          <a:p>
-            <a:pPr marL="444500" indent="-285750">
-              <a:buFont typeface="Arial" panose="020B0604020202020204" pitchFamily="34" charset="0"/>
-              <a:buChar char="•"/>
-            </a:pPr>
-            <a:r>
-              <a:rPr lang="es-ES" sz="1000" dirty="0">
-                <a:solidFill>
-                  <a:schemeClr val="tx1">
-                    <a:lumMod val="75000"/>
-                    <a:lumOff val="25000"/>
-                  </a:schemeClr>
-                </a:solidFill>
-              </a:rPr>
-              <a:t>Diagrama de Clases</a:t>
-            </a:r>
-          </a:p>
-          <a:p>
-            <a:pPr marL="444500" indent="-285750">
-              <a:buFont typeface="Arial" panose="020B0604020202020204" pitchFamily="34" charset="0"/>
-              <a:buChar char="•"/>
-            </a:pPr>
-            <a:r>
-              <a:rPr lang="es-ES" sz="1000" dirty="0">
-                <a:solidFill>
-                  <a:schemeClr val="tx1">
-                    <a:lumMod val="75000"/>
-                    <a:lumOff val="25000"/>
-                  </a:schemeClr>
-                </a:solidFill>
-              </a:rPr>
-              <a:t>Diagrama de Distribución</a:t>
-            </a:r>
-          </a:p>
-          <a:p>
-            <a:pPr marL="444500" indent="-285750">
-              <a:buFont typeface="Arial" panose="020B0604020202020204" pitchFamily="34" charset="0"/>
-              <a:buChar char="•"/>
-            </a:pPr>
-            <a:r>
-              <a:rPr lang="es-ES" sz="1000" dirty="0" err="1">
-                <a:solidFill>
-                  <a:schemeClr val="tx1">
-                    <a:lumMod val="75000"/>
-                    <a:lumOff val="25000"/>
-                  </a:schemeClr>
-                </a:solidFill>
-              </a:rPr>
-              <a:t>WireFrame</a:t>
-            </a:r>
-            <a:r>
-              <a:rPr lang="es-ES" sz="1000" dirty="0">
-                <a:solidFill>
-                  <a:schemeClr val="tx1">
-                    <a:lumMod val="75000"/>
-                    <a:lumOff val="25000"/>
-                  </a:schemeClr>
-                </a:solidFill>
-              </a:rPr>
-              <a:t> o </a:t>
-            </a:r>
-            <a:r>
-              <a:rPr lang="es-ES" sz="1000" dirty="0" err="1">
-                <a:solidFill>
-                  <a:schemeClr val="tx1">
-                    <a:lumMod val="75000"/>
-                    <a:lumOff val="25000"/>
-                  </a:schemeClr>
-                </a:solidFill>
-              </a:rPr>
-              <a:t>Mockups</a:t>
-            </a:r>
-            <a:endParaRPr lang="es-ES" sz="1000" dirty="0">
-              <a:solidFill>
-                <a:schemeClr val="tx1">
-                  <a:lumMod val="75000"/>
-                  <a:lumOff val="25000"/>
-                </a:schemeClr>
-              </a:solidFill>
-            </a:endParaRPr>
-          </a:p>
-          <a:p>
-            <a:pPr marL="444500" indent="-285750">
-              <a:buFont typeface="Arial" panose="020B0604020202020204" pitchFamily="34" charset="0"/>
-              <a:buChar char="•"/>
-            </a:pPr>
-            <a:r>
-              <a:rPr lang="es-ES" sz="1000" dirty="0">
-                <a:solidFill>
-                  <a:schemeClr val="tx1">
-                    <a:lumMod val="75000"/>
-                    <a:lumOff val="25000"/>
-                  </a:schemeClr>
-                </a:solidFill>
-                <a:hlinkClick r:id="rId5"/>
-              </a:rPr>
-              <a:t>Entregables 3er </a:t>
-            </a:r>
-            <a:r>
-              <a:rPr lang="es-ES" sz="1000" dirty="0" err="1" smtClean="0">
-                <a:solidFill>
-                  <a:schemeClr val="tx1">
-                    <a:lumMod val="75000"/>
-                    <a:lumOff val="25000"/>
-                  </a:schemeClr>
-                </a:solidFill>
-                <a:hlinkClick r:id="rId5"/>
-              </a:rPr>
-              <a:t>Trim</a:t>
-            </a:r>
-            <a:endParaRPr lang="es-ES" sz="1200" dirty="0" smtClean="0">
-              <a:solidFill>
-                <a:schemeClr val="tx1">
-                  <a:lumMod val="75000"/>
-                  <a:lumOff val="25000"/>
-                </a:schemeClr>
-              </a:solidFill>
-            </a:endParaRPr>
-          </a:p>
-        </p:txBody>
-      </p:sp>
-      <p:sp>
-        <p:nvSpPr>
-          <p:cNvPr id="6" name="CuadroTexto 5"/>
-          <p:cNvSpPr txBox="1"/>
-          <p:nvPr/>
-        </p:nvSpPr>
-        <p:spPr>
-          <a:xfrm>
-            <a:off x="509443" y="303360"/>
-            <a:ext cx="4557507" cy="646331"/>
-          </a:xfrm>
-          <a:prstGeom prst="rect">
-            <a:avLst/>
-          </a:prstGeom>
-          <a:noFill/>
-        </p:spPr>
-        <p:txBody>
-          <a:bodyPr wrap="square" rtlCol="0">
-            <a:spAutoFit/>
-          </a:bodyPr>
-          <a:lstStyle/>
-          <a:p>
-            <a:r>
-              <a:rPr lang="es-ES" b="1" dirty="0" smtClean="0">
-                <a:solidFill>
-                  <a:schemeClr val="tx1">
-                    <a:lumMod val="75000"/>
-                    <a:lumOff val="25000"/>
-                  </a:schemeClr>
-                </a:solidFill>
-              </a:rPr>
-              <a:t>Entregables Proyecto Formativo </a:t>
-            </a:r>
-          </a:p>
-          <a:p>
-            <a:r>
-              <a:rPr lang="es-ES" b="1" dirty="0" smtClean="0">
-                <a:solidFill>
-                  <a:schemeClr val="tx1">
-                    <a:lumMod val="75000"/>
-                    <a:lumOff val="25000"/>
-                  </a:schemeClr>
-                </a:solidFill>
-              </a:rPr>
-              <a:t>por Trimestre</a:t>
-            </a:r>
-            <a:endParaRPr lang="es-ES" b="1" dirty="0">
-              <a:solidFill>
-                <a:schemeClr val="tx1">
-                  <a:lumMod val="75000"/>
-                  <a:lumOff val="25000"/>
-                </a:schemeClr>
-              </a:solidFill>
-            </a:endParaRPr>
-          </a:p>
-        </p:txBody>
-      </p:sp>
-      <p:sp>
-        <p:nvSpPr>
-          <p:cNvPr id="7" name="Rectángulo 6"/>
-          <p:cNvSpPr/>
-          <p:nvPr/>
-        </p:nvSpPr>
-        <p:spPr>
-          <a:xfrm>
-            <a:off x="607405" y="957918"/>
-            <a:ext cx="718487" cy="45719"/>
-          </a:xfrm>
-          <a:prstGeom prst="rect">
-            <a:avLst/>
-          </a:prstGeom>
-          <a:solidFill>
-            <a:srgbClr val="FF6600"/>
-          </a:solidFill>
           <a:ln>
             <a:noFill/>
           </a:ln>
-          <a:effectLst/>
         </p:spPr>
         <p:style>
           <a:lnRef idx="1">
@@ -4378,14 +3598,612 @@
           <a:lstStyle/>
           <a:p>
             <a:pPr algn="ctr"/>
-            <a:endParaRPr lang="es-ES"/>
-          </a:p>
-        </p:txBody>
-      </p:sp>
-      <p:sp>
-        <p:nvSpPr>
-          <p:cNvPr id="8" name="Rectángulo 7">
-            <a:hlinkClick r:id="rId6" action="ppaction://hlinksldjump"/>
+            <a:endParaRPr lang="es-CO"/>
+          </a:p>
+        </p:txBody>
+      </p:sp>
+      <p:pic>
+        <p:nvPicPr>
+          <p:cNvPr id="9" name="Imagen 8"/>
+          <p:cNvPicPr>
+            <a:picLocks noChangeAspect="1"/>
+          </p:cNvPicPr>
+          <p:nvPr/>
+        </p:nvPicPr>
+        <p:blipFill>
+          <a:blip r:embed="rId3">
+            <a:extLst>
+              <a:ext uri="{28A0092B-C50C-407E-A947-70E740481C1C}">
+                <a14:useLocalDpi xmlns:a14="http://schemas.microsoft.com/office/drawing/2010/main" val="0"/>
+              </a:ext>
+            </a:extLst>
+          </a:blip>
+          <a:stretch>
+            <a:fillRect/>
+          </a:stretch>
+        </p:blipFill>
+        <p:spPr>
+          <a:xfrm>
+            <a:off x="7601190" y="3831336"/>
+            <a:ext cx="1236536" cy="1236536"/>
+          </a:xfrm>
+          <a:prstGeom prst="ellipse">
+            <a:avLst/>
+          </a:prstGeom>
+        </p:spPr>
+      </p:pic>
+    </p:spTree>
+    <p:extLst>
+      <p:ext uri="{BB962C8B-B14F-4D97-AF65-F5344CB8AC3E}">
+        <p14:creationId xmlns:p14="http://schemas.microsoft.com/office/powerpoint/2010/main" val="1248321586"/>
+      </p:ext>
+    </p:extLst>
+  </p:cSld>
+  <p:clrMapOvr>
+    <a:masterClrMapping/>
+  </p:clrMapOvr>
+  <p:timing>
+    <p:tnLst>
+      <p:par>
+        <p:cTn id="1" dur="indefinite" restart="never" nodeType="tmRoot"/>
+      </p:par>
+    </p:tnLst>
+  </p:timing>
+</p:sld>
+</file>
+
+<file path=ppt/slides/slide13.xml><?xml version="1.0" encoding="utf-8"?>
+<p:sld xmlns:a="http://schemas.openxmlformats.org/drawingml/2006/main" xmlns:r="http://schemas.openxmlformats.org/officeDocument/2006/relationships" xmlns:p="http://schemas.openxmlformats.org/presentationml/2006/main">
+  <p:cSld>
+    <p:spTree>
+      <p:nvGrpSpPr>
+        <p:cNvPr id="1" name=""/>
+        <p:cNvGrpSpPr/>
+        <p:nvPr/>
+      </p:nvGrpSpPr>
+      <p:grpSpPr>
+        <a:xfrm>
+          <a:off x="0" y="0"/>
+          <a:ext cx="0" cy="0"/>
+          <a:chOff x="0" y="0"/>
+          <a:chExt cx="0" cy="0"/>
+        </a:xfrm>
+      </p:grpSpPr>
+      <p:sp>
+        <p:nvSpPr>
+          <p:cNvPr id="2" name="CuadroTexto 1"/>
+          <p:cNvSpPr txBox="1"/>
+          <p:nvPr/>
+        </p:nvSpPr>
+        <p:spPr>
+          <a:xfrm>
+            <a:off x="382867" y="249495"/>
+            <a:ext cx="5413925" cy="646331"/>
+          </a:xfrm>
+          <a:prstGeom prst="rect">
+            <a:avLst/>
+          </a:prstGeom>
+          <a:noFill/>
+        </p:spPr>
+        <p:txBody>
+          <a:bodyPr wrap="square" rtlCol="0">
+            <a:spAutoFit/>
+          </a:bodyPr>
+          <a:lstStyle/>
+          <a:p>
+            <a:r>
+              <a:rPr lang="es-ES" sz="3600" b="1" dirty="0" smtClean="0">
+                <a:solidFill>
+                  <a:schemeClr val="bg1"/>
+                </a:solidFill>
+              </a:rPr>
+              <a:t>Alcance</a:t>
+            </a:r>
+            <a:endParaRPr lang="es-ES" sz="3600" b="1" dirty="0">
+              <a:solidFill>
+                <a:schemeClr val="bg1"/>
+              </a:solidFill>
+            </a:endParaRPr>
+          </a:p>
+        </p:txBody>
+      </p:sp>
+      <p:sp>
+        <p:nvSpPr>
+          <p:cNvPr id="5" name="Rectángulo 4"/>
+          <p:cNvSpPr/>
+          <p:nvPr/>
+        </p:nvSpPr>
+        <p:spPr>
+          <a:xfrm>
+            <a:off x="334643" y="1278106"/>
+            <a:ext cx="7878179" cy="3046988"/>
+          </a:xfrm>
+          <a:prstGeom prst="rect">
+            <a:avLst/>
+          </a:prstGeom>
+        </p:spPr>
+        <p:txBody>
+          <a:bodyPr wrap="square">
+            <a:spAutoFit/>
+          </a:bodyPr>
+          <a:lstStyle/>
+          <a:p>
+            <a:endParaRPr lang="es-ES" sz="1600" dirty="0">
+              <a:solidFill>
+                <a:schemeClr val="tx1">
+                  <a:lumMod val="75000"/>
+                  <a:lumOff val="25000"/>
+                </a:schemeClr>
+              </a:solidFill>
+            </a:endParaRPr>
+          </a:p>
+          <a:p>
+            <a:pPr marL="285750" indent="-285750">
+              <a:buFont typeface="Arial" panose="020B0604020202020204" pitchFamily="34" charset="0"/>
+              <a:buChar char="•"/>
+            </a:pPr>
+            <a:r>
+              <a:rPr lang="es-ES" sz="1600" b="1" dirty="0" smtClean="0">
+                <a:solidFill>
+                  <a:schemeClr val="tx1">
+                    <a:lumMod val="95000"/>
+                    <a:lumOff val="5000"/>
+                  </a:schemeClr>
+                </a:solidFill>
+              </a:rPr>
+              <a:t>Qué hace el Sistema: </a:t>
+            </a:r>
+            <a:r>
+              <a:rPr lang="es-CO" sz="1600" dirty="0">
+                <a:solidFill>
+                  <a:schemeClr val="tx1">
+                    <a:lumMod val="95000"/>
+                    <a:lumOff val="5000"/>
+                  </a:schemeClr>
+                </a:solidFill>
+              </a:rPr>
+              <a:t>El sistema </a:t>
+            </a:r>
+            <a:r>
+              <a:rPr lang="es-CO" sz="1600" dirty="0" smtClean="0">
+                <a:solidFill>
+                  <a:schemeClr val="tx1">
+                    <a:lumMod val="95000"/>
+                    <a:lumOff val="5000"/>
+                  </a:schemeClr>
+                </a:solidFill>
+              </a:rPr>
+              <a:t>únicamente </a:t>
+            </a:r>
+            <a:r>
+              <a:rPr lang="es-CO" sz="1600" dirty="0">
+                <a:solidFill>
+                  <a:schemeClr val="tx1">
+                    <a:lumMod val="95000"/>
+                    <a:lumOff val="5000"/>
+                  </a:schemeClr>
+                </a:solidFill>
+              </a:rPr>
+              <a:t>se encarga de almacenar datos y </a:t>
+            </a:r>
+            <a:r>
+              <a:rPr lang="es-CO" sz="1600" dirty="0" smtClean="0">
+                <a:solidFill>
+                  <a:schemeClr val="tx1">
+                    <a:lumMod val="95000"/>
+                    <a:lumOff val="5000"/>
+                  </a:schemeClr>
+                </a:solidFill>
+              </a:rPr>
+              <a:t>será </a:t>
+            </a:r>
+            <a:r>
+              <a:rPr lang="es-CO" sz="1600" dirty="0">
+                <a:solidFill>
+                  <a:schemeClr val="tx1">
+                    <a:lumMod val="95000"/>
+                    <a:lumOff val="5000"/>
+                  </a:schemeClr>
+                </a:solidFill>
+              </a:rPr>
+              <a:t>una herramienta equitativa de </a:t>
+            </a:r>
+            <a:r>
+              <a:rPr lang="es-CO" sz="1600" dirty="0" smtClean="0">
+                <a:solidFill>
+                  <a:schemeClr val="tx1">
+                    <a:lumMod val="95000"/>
+                    <a:lumOff val="5000"/>
+                  </a:schemeClr>
+                </a:solidFill>
+              </a:rPr>
+              <a:t>apoyo </a:t>
+            </a:r>
+            <a:r>
+              <a:rPr lang="es-CO" sz="1600" dirty="0">
+                <a:solidFill>
+                  <a:schemeClr val="tx1">
+                    <a:lumMod val="95000"/>
+                    <a:lumOff val="5000"/>
+                  </a:schemeClr>
+                </a:solidFill>
+              </a:rPr>
+              <a:t>organizacional.</a:t>
+            </a:r>
+            <a:endParaRPr lang="es-CO" sz="1600" dirty="0" smtClean="0">
+              <a:solidFill>
+                <a:schemeClr val="tx1">
+                  <a:lumMod val="95000"/>
+                  <a:lumOff val="5000"/>
+                </a:schemeClr>
+              </a:solidFill>
+            </a:endParaRPr>
+          </a:p>
+          <a:p>
+            <a:pPr marL="285750" indent="-285750">
+              <a:buFont typeface="Arial" panose="020B0604020202020204" pitchFamily="34" charset="0"/>
+              <a:buChar char="•"/>
+            </a:pPr>
+            <a:r>
+              <a:rPr lang="es-CO" sz="1600" dirty="0">
+                <a:solidFill>
+                  <a:schemeClr val="tx1">
+                    <a:lumMod val="95000"/>
+                    <a:lumOff val="5000"/>
+                  </a:schemeClr>
+                </a:solidFill>
+              </a:rPr>
+              <a:t>E</a:t>
+            </a:r>
+            <a:r>
+              <a:rPr lang="es-CO" sz="1600" dirty="0" smtClean="0">
+                <a:solidFill>
+                  <a:schemeClr val="tx1">
+                    <a:lumMod val="95000"/>
+                    <a:lumOff val="5000"/>
+                  </a:schemeClr>
+                </a:solidFill>
+              </a:rPr>
+              <a:t>ste sistema lleva el conto de todos los artículos que tenga la microempresa</a:t>
+            </a:r>
+          </a:p>
+          <a:p>
+            <a:pPr marL="285750" indent="-285750">
+              <a:buFont typeface="Arial" panose="020B0604020202020204" pitchFamily="34" charset="0"/>
+              <a:buChar char="•"/>
+            </a:pPr>
+            <a:r>
+              <a:rPr lang="es-CO" sz="1600" dirty="0" smtClean="0">
+                <a:solidFill>
+                  <a:schemeClr val="tx1">
+                    <a:lumMod val="95000"/>
+                    <a:lumOff val="5000"/>
+                  </a:schemeClr>
+                </a:solidFill>
+              </a:rPr>
+              <a:t>Se almacena de forma ordenada todo el inventario que se necesita </a:t>
+            </a:r>
+          </a:p>
+          <a:p>
+            <a:pPr marL="285750" indent="-285750">
+              <a:buFont typeface="Arial" panose="020B0604020202020204" pitchFamily="34" charset="0"/>
+              <a:buChar char="•"/>
+            </a:pPr>
+            <a:r>
+              <a:rPr lang="es-CO" sz="1600" dirty="0">
+                <a:solidFill>
+                  <a:schemeClr val="tx1">
+                    <a:lumMod val="95000"/>
+                    <a:lumOff val="5000"/>
+                  </a:schemeClr>
+                </a:solidFill>
+              </a:rPr>
+              <a:t>P</a:t>
+            </a:r>
+            <a:r>
+              <a:rPr lang="es-CO" sz="1600" dirty="0" smtClean="0">
+                <a:solidFill>
+                  <a:schemeClr val="tx1">
+                    <a:lumMod val="95000"/>
+                    <a:lumOff val="5000"/>
+                  </a:schemeClr>
+                </a:solidFill>
+              </a:rPr>
+              <a:t>ara </a:t>
+            </a:r>
+            <a:r>
+              <a:rPr lang="es-CO" sz="1600" dirty="0">
+                <a:solidFill>
+                  <a:schemeClr val="tx1">
+                    <a:lumMod val="95000"/>
+                    <a:lumOff val="5000"/>
+                  </a:schemeClr>
+                </a:solidFill>
+              </a:rPr>
+              <a:t>la </a:t>
+            </a:r>
+            <a:r>
+              <a:rPr lang="es-CO" sz="1600" dirty="0" smtClean="0">
+                <a:solidFill>
+                  <a:schemeClr val="tx1">
+                    <a:lumMod val="95000"/>
+                    <a:lumOff val="5000"/>
+                  </a:schemeClr>
+                </a:solidFill>
+              </a:rPr>
+              <a:t>programación </a:t>
+            </a:r>
+            <a:r>
+              <a:rPr lang="es-CO" sz="1600" dirty="0">
+                <a:solidFill>
+                  <a:schemeClr val="tx1">
+                    <a:lumMod val="95000"/>
+                    <a:lumOff val="5000"/>
+                  </a:schemeClr>
+                </a:solidFill>
+              </a:rPr>
+              <a:t>de objetivos se utilizara </a:t>
+            </a:r>
+            <a:r>
+              <a:rPr lang="es-CO" sz="1600" dirty="0" smtClean="0">
+                <a:solidFill>
+                  <a:schemeClr val="tx1">
+                    <a:lumMod val="95000"/>
+                    <a:lumOff val="5000"/>
+                  </a:schemeClr>
+                </a:solidFill>
+              </a:rPr>
+              <a:t>lenguajes de programación como: JavaScript con </a:t>
+            </a:r>
+            <a:r>
+              <a:rPr lang="es-CO" sz="1600" dirty="0">
+                <a:solidFill>
+                  <a:schemeClr val="tx1">
+                    <a:lumMod val="95000"/>
+                    <a:lumOff val="5000"/>
+                  </a:schemeClr>
+                </a:solidFill>
+              </a:rPr>
+              <a:t>el apoyo de </a:t>
+            </a:r>
+            <a:r>
+              <a:rPr lang="es-CO" sz="1600" dirty="0" smtClean="0">
+                <a:solidFill>
+                  <a:schemeClr val="tx1">
+                    <a:lumMod val="95000"/>
+                    <a:lumOff val="5000"/>
+                  </a:schemeClr>
+                </a:solidFill>
+              </a:rPr>
+              <a:t>HTML, CSS, PHP y MySQL.</a:t>
+            </a:r>
+          </a:p>
+          <a:p>
+            <a:endParaRPr lang="es-ES" sz="1600" dirty="0" smtClean="0">
+              <a:solidFill>
+                <a:schemeClr val="tx1">
+                  <a:lumMod val="75000"/>
+                  <a:lumOff val="25000"/>
+                </a:schemeClr>
+              </a:solidFill>
+            </a:endParaRPr>
+          </a:p>
+          <a:p>
+            <a:pPr marL="285750" indent="-285750">
+              <a:buFont typeface="Arial" panose="020B0604020202020204" pitchFamily="34" charset="0"/>
+              <a:buChar char="•"/>
+            </a:pPr>
+            <a:r>
+              <a:rPr lang="es-ES" sz="1600" b="1" dirty="0" smtClean="0">
+                <a:solidFill>
+                  <a:schemeClr val="tx1">
+                    <a:lumMod val="95000"/>
+                    <a:lumOff val="5000"/>
+                  </a:schemeClr>
+                </a:solidFill>
+              </a:rPr>
+              <a:t>Qué </a:t>
+            </a:r>
+            <a:r>
+              <a:rPr lang="es-ES" sz="1600" b="1" dirty="0">
+                <a:solidFill>
+                  <a:schemeClr val="tx1">
+                    <a:lumMod val="95000"/>
+                    <a:lumOff val="5000"/>
+                  </a:schemeClr>
+                </a:solidFill>
+              </a:rPr>
+              <a:t>NO hace el Sistema</a:t>
+            </a:r>
+            <a:r>
+              <a:rPr lang="es-ES" sz="1600" b="1" dirty="0" smtClean="0">
+                <a:solidFill>
+                  <a:schemeClr val="tx1">
+                    <a:lumMod val="95000"/>
+                    <a:lumOff val="5000"/>
+                  </a:schemeClr>
+                </a:solidFill>
+              </a:rPr>
+              <a:t>:</a:t>
+            </a:r>
+            <a:r>
+              <a:rPr lang="es-CO" sz="1600" dirty="0">
+                <a:solidFill>
+                  <a:schemeClr val="tx1">
+                    <a:lumMod val="95000"/>
+                    <a:lumOff val="5000"/>
+                  </a:schemeClr>
+                </a:solidFill>
+              </a:rPr>
+              <a:t> </a:t>
+            </a:r>
+            <a:endParaRPr lang="es-CO" sz="1600" dirty="0" smtClean="0">
+              <a:solidFill>
+                <a:schemeClr val="tx1">
+                  <a:lumMod val="95000"/>
+                  <a:lumOff val="5000"/>
+                </a:schemeClr>
+              </a:solidFill>
+            </a:endParaRPr>
+          </a:p>
+          <a:p>
+            <a:pPr marL="285750" indent="-285750">
+              <a:buFont typeface="Arial" panose="020B0604020202020204" pitchFamily="34" charset="0"/>
+              <a:buChar char="•"/>
+            </a:pPr>
+            <a:r>
+              <a:rPr lang="es-CO" sz="1600" dirty="0" smtClean="0">
+                <a:solidFill>
+                  <a:schemeClr val="tx1">
+                    <a:lumMod val="95000"/>
+                    <a:lumOff val="5000"/>
+                  </a:schemeClr>
+                </a:solidFill>
+              </a:rPr>
+              <a:t>No tiene acceso a usuarios no pertenecientes a esta microempresa</a:t>
+            </a:r>
+          </a:p>
+          <a:p>
+            <a:pPr marL="285750" indent="-285750">
+              <a:buFont typeface="Arial" panose="020B0604020202020204" pitchFamily="34" charset="0"/>
+              <a:buChar char="•"/>
+            </a:pPr>
+            <a:r>
+              <a:rPr lang="es-CO" sz="1600" dirty="0" smtClean="0">
+                <a:solidFill>
+                  <a:schemeClr val="tx1">
+                    <a:lumMod val="95000"/>
+                    <a:lumOff val="5000"/>
+                  </a:schemeClr>
+                </a:solidFill>
+              </a:rPr>
+              <a:t>El </a:t>
+            </a:r>
+            <a:r>
+              <a:rPr lang="es-CO" sz="1600" dirty="0">
+                <a:solidFill>
+                  <a:schemeClr val="tx1">
+                    <a:lumMod val="95000"/>
+                    <a:lumOff val="5000"/>
+                  </a:schemeClr>
+                </a:solidFill>
+              </a:rPr>
+              <a:t>sistema no </a:t>
+            </a:r>
+            <a:r>
+              <a:rPr lang="es-CO" sz="1600" dirty="0" smtClean="0">
+                <a:solidFill>
+                  <a:schemeClr val="tx1">
+                    <a:lumMod val="95000"/>
+                    <a:lumOff val="5000"/>
+                  </a:schemeClr>
+                </a:solidFill>
+              </a:rPr>
+              <a:t>tendrá </a:t>
+            </a:r>
+            <a:r>
+              <a:rPr lang="es-CO" sz="1600" dirty="0">
+                <a:solidFill>
+                  <a:schemeClr val="tx1">
+                    <a:lumMod val="95000"/>
+                    <a:lumOff val="5000"/>
+                  </a:schemeClr>
+                </a:solidFill>
+              </a:rPr>
+              <a:t>cabios de </a:t>
+            </a:r>
+            <a:r>
+              <a:rPr lang="es-CO" sz="1600" dirty="0" smtClean="0">
+                <a:solidFill>
+                  <a:schemeClr val="tx1">
+                    <a:lumMod val="95000"/>
+                    <a:lumOff val="5000"/>
+                  </a:schemeClr>
+                </a:solidFill>
+              </a:rPr>
+              <a:t>ningún </a:t>
+            </a:r>
+            <a:r>
+              <a:rPr lang="es-CO" sz="1600" dirty="0">
+                <a:solidFill>
+                  <a:schemeClr val="tx1">
+                    <a:lumMod val="95000"/>
+                    <a:lumOff val="5000"/>
+                  </a:schemeClr>
+                </a:solidFill>
+              </a:rPr>
+              <a:t>usuario, solo el administrador los </a:t>
+            </a:r>
+            <a:r>
+              <a:rPr lang="es-CO" sz="1600" dirty="0" smtClean="0">
+                <a:solidFill>
+                  <a:schemeClr val="tx1">
+                    <a:lumMod val="95000"/>
+                    <a:lumOff val="5000"/>
+                  </a:schemeClr>
+                </a:solidFill>
+              </a:rPr>
+              <a:t>podrá hacer</a:t>
+            </a:r>
+            <a:r>
+              <a:rPr lang="es-CO" sz="1600" dirty="0">
+                <a:solidFill>
+                  <a:schemeClr val="tx1">
+                    <a:lumMod val="95000"/>
+                    <a:lumOff val="5000"/>
+                  </a:schemeClr>
+                </a:solidFill>
+              </a:rPr>
+              <a:t> para </a:t>
+            </a:r>
+            <a:r>
+              <a:rPr lang="es-CO" sz="1600" dirty="0" smtClean="0">
+                <a:solidFill>
+                  <a:schemeClr val="tx1">
+                    <a:lumMod val="95000"/>
+                    <a:lumOff val="5000"/>
+                  </a:schemeClr>
+                </a:solidFill>
+              </a:rPr>
+              <a:t>la modificación de </a:t>
+            </a:r>
+            <a:r>
+              <a:rPr lang="es-CO" sz="1600" dirty="0">
+                <a:solidFill>
+                  <a:schemeClr val="tx1">
+                    <a:lumMod val="95000"/>
+                    <a:lumOff val="5000"/>
+                  </a:schemeClr>
+                </a:solidFill>
+              </a:rPr>
+              <a:t>precios y </a:t>
+            </a:r>
+            <a:r>
+              <a:rPr lang="es-CO" sz="1600" dirty="0" smtClean="0">
+                <a:solidFill>
+                  <a:schemeClr val="tx1">
+                    <a:lumMod val="95000"/>
+                    <a:lumOff val="5000"/>
+                  </a:schemeClr>
+                </a:solidFill>
+              </a:rPr>
+              <a:t>demás </a:t>
+            </a:r>
+            <a:endParaRPr lang="es-ES" sz="1600" dirty="0">
+              <a:solidFill>
+                <a:schemeClr val="tx1">
+                  <a:lumMod val="75000"/>
+                  <a:lumOff val="25000"/>
+                </a:schemeClr>
+              </a:solidFill>
+            </a:endParaRPr>
+          </a:p>
+        </p:txBody>
+      </p:sp>
+      <p:sp>
+        <p:nvSpPr>
+          <p:cNvPr id="14" name="Rectángulo 13">
+            <a:hlinkClick r:id="rId2" action="ppaction://hlinksldjump"/>
           </p:cNvPr>
           <p:cNvSpPr/>
           <p:nvPr/>
@@ -4428,6 +4246,783 @@
       </p:sp>
       <p:sp>
         <p:nvSpPr>
+          <p:cNvPr id="7" name="CuadroTexto 6"/>
+          <p:cNvSpPr txBox="1"/>
+          <p:nvPr/>
+        </p:nvSpPr>
+        <p:spPr>
+          <a:xfrm>
+            <a:off x="7693448" y="4398264"/>
+            <a:ext cx="184731" cy="615553"/>
+          </a:xfrm>
+          <a:prstGeom prst="rect">
+            <a:avLst/>
+          </a:prstGeom>
+          <a:noFill/>
+        </p:spPr>
+        <p:txBody>
+          <a:bodyPr wrap="none" rtlCol="0">
+            <a:spAutoFit/>
+          </a:bodyPr>
+          <a:lstStyle/>
+          <a:p>
+            <a:endParaRPr lang="es-CO" sz="1600" dirty="0"/>
+          </a:p>
+          <a:p>
+            <a:endParaRPr lang="es-CO" dirty="0"/>
+          </a:p>
+        </p:txBody>
+      </p:sp>
+      <p:pic>
+        <p:nvPicPr>
+          <p:cNvPr id="10" name="Imagen 9"/>
+          <p:cNvPicPr>
+            <a:picLocks noChangeAspect="1"/>
+          </p:cNvPicPr>
+          <p:nvPr/>
+        </p:nvPicPr>
+        <p:blipFill>
+          <a:blip r:embed="rId3">
+            <a:extLst>
+              <a:ext uri="{28A0092B-C50C-407E-A947-70E740481C1C}">
+                <a14:useLocalDpi xmlns:a14="http://schemas.microsoft.com/office/drawing/2010/main" val="0"/>
+              </a:ext>
+            </a:extLst>
+          </a:blip>
+          <a:stretch>
+            <a:fillRect/>
+          </a:stretch>
+        </p:blipFill>
+        <p:spPr>
+          <a:xfrm>
+            <a:off x="7878179" y="3809162"/>
+            <a:ext cx="1236536" cy="1236536"/>
+          </a:xfrm>
+          <a:prstGeom prst="ellipse">
+            <a:avLst/>
+          </a:prstGeom>
+        </p:spPr>
+      </p:pic>
+    </p:spTree>
+    <p:extLst>
+      <p:ext uri="{BB962C8B-B14F-4D97-AF65-F5344CB8AC3E}">
+        <p14:creationId xmlns:p14="http://schemas.microsoft.com/office/powerpoint/2010/main" val="364966841"/>
+      </p:ext>
+    </p:extLst>
+  </p:cSld>
+  <p:clrMapOvr>
+    <a:masterClrMapping/>
+  </p:clrMapOvr>
+  <p:timing>
+    <p:tnLst>
+      <p:par>
+        <p:cTn id="1" dur="indefinite" restart="never" nodeType="tmRoot"/>
+      </p:par>
+    </p:tnLst>
+  </p:timing>
+</p:sld>
+</file>
+
+<file path=ppt/slides/slide14.xml><?xml version="1.0" encoding="utf-8"?>
+<p:sld xmlns:a="http://schemas.openxmlformats.org/drawingml/2006/main" xmlns:r="http://schemas.openxmlformats.org/officeDocument/2006/relationships" xmlns:p="http://schemas.openxmlformats.org/presentationml/2006/main">
+  <p:cSld>
+    <p:spTree>
+      <p:nvGrpSpPr>
+        <p:cNvPr id="1" name=""/>
+        <p:cNvGrpSpPr/>
+        <p:nvPr/>
+      </p:nvGrpSpPr>
+      <p:grpSpPr>
+        <a:xfrm>
+          <a:off x="0" y="0"/>
+          <a:ext cx="0" cy="0"/>
+          <a:chOff x="0" y="0"/>
+          <a:chExt cx="0" cy="0"/>
+        </a:xfrm>
+      </p:grpSpPr>
+      <p:sp>
+        <p:nvSpPr>
+          <p:cNvPr id="5" name="Rectángulo 4"/>
+          <p:cNvSpPr/>
+          <p:nvPr/>
+        </p:nvSpPr>
+        <p:spPr>
+          <a:xfrm>
+            <a:off x="607405" y="1028701"/>
+            <a:ext cx="2681079" cy="3902607"/>
+          </a:xfrm>
+          <a:prstGeom prst="rect">
+            <a:avLst/>
+          </a:prstGeom>
+          <a:noFill/>
+        </p:spPr>
+        <p:txBody>
+          <a:bodyPr wrap="square" anchor="t" anchorCtr="0">
+            <a:spAutoFit/>
+          </a:bodyPr>
+          <a:lstStyle/>
+          <a:p>
+            <a:pPr>
+              <a:lnSpc>
+                <a:spcPct val="120000"/>
+              </a:lnSpc>
+            </a:pPr>
+            <a:r>
+              <a:rPr lang="es-ES_tradnl" sz="1600" b="1" dirty="0" smtClean="0">
+                <a:solidFill>
+                  <a:schemeClr val="tx1">
+                    <a:lumMod val="75000"/>
+                    <a:lumOff val="25000"/>
+                  </a:schemeClr>
+                </a:solidFill>
+              </a:rPr>
+              <a:t>Primer Trimestre</a:t>
+            </a:r>
+          </a:p>
+          <a:p>
+            <a:pPr marL="444500" indent="-285750">
+              <a:buFont typeface="Arial" panose="020B0604020202020204" pitchFamily="34" charset="0"/>
+              <a:buChar char="•"/>
+            </a:pPr>
+            <a:r>
+              <a:rPr lang="es-ES" sz="1000" dirty="0">
+                <a:solidFill>
+                  <a:schemeClr val="tx1">
+                    <a:lumMod val="75000"/>
+                    <a:lumOff val="25000"/>
+                  </a:schemeClr>
+                </a:solidFill>
+              </a:rPr>
+              <a:t>Presentación Proyecto</a:t>
+            </a:r>
+          </a:p>
+          <a:p>
+            <a:pPr marL="444500" indent="-285750">
+              <a:buFont typeface="Arial" panose="020B0604020202020204" pitchFamily="34" charset="0"/>
+              <a:buChar char="•"/>
+            </a:pPr>
+            <a:r>
+              <a:rPr lang="es-ES" sz="1000" dirty="0">
+                <a:solidFill>
+                  <a:schemeClr val="tx1">
+                    <a:lumMod val="75000"/>
+                    <a:lumOff val="25000"/>
+                  </a:schemeClr>
+                </a:solidFill>
+              </a:rPr>
+              <a:t>Levantamiento de Información</a:t>
+            </a:r>
+          </a:p>
+          <a:p>
+            <a:pPr marL="444500" indent="-285750">
+              <a:buFont typeface="Arial" panose="020B0604020202020204" pitchFamily="34" charset="0"/>
+              <a:buChar char="•"/>
+            </a:pPr>
+            <a:r>
+              <a:rPr lang="es-ES" sz="1000" dirty="0">
+                <a:solidFill>
+                  <a:schemeClr val="tx1">
+                    <a:lumMod val="75000"/>
+                    <a:lumOff val="25000"/>
+                  </a:schemeClr>
+                </a:solidFill>
+              </a:rPr>
+              <a:t>Diagrama de Procesos</a:t>
+            </a:r>
+          </a:p>
+          <a:p>
+            <a:pPr marL="444500" indent="-285750">
+              <a:buFont typeface="Arial" panose="020B0604020202020204" pitchFamily="34" charset="0"/>
+              <a:buChar char="•"/>
+            </a:pPr>
+            <a:r>
+              <a:rPr lang="es-ES" sz="1000" dirty="0" err="1">
+                <a:solidFill>
+                  <a:schemeClr val="tx1">
+                    <a:lumMod val="75000"/>
+                    <a:lumOff val="25000"/>
+                  </a:schemeClr>
+                </a:solidFill>
+              </a:rPr>
+              <a:t>Preeliminar</a:t>
+            </a:r>
+            <a:r>
+              <a:rPr lang="es-ES" sz="1000" dirty="0">
+                <a:solidFill>
+                  <a:schemeClr val="tx1">
+                    <a:lumMod val="75000"/>
+                    <a:lumOff val="25000"/>
+                  </a:schemeClr>
+                </a:solidFill>
+              </a:rPr>
+              <a:t> Inventario</a:t>
+            </a:r>
+          </a:p>
+          <a:p>
+            <a:pPr marL="444500" indent="-285750">
+              <a:buFont typeface="Arial" panose="020B0604020202020204" pitchFamily="34" charset="0"/>
+              <a:buChar char="•"/>
+            </a:pPr>
+            <a:r>
+              <a:rPr lang="es-ES" sz="1000" dirty="0">
+                <a:solidFill>
+                  <a:schemeClr val="tx1">
+                    <a:lumMod val="75000"/>
+                    <a:lumOff val="25000"/>
+                  </a:schemeClr>
+                </a:solidFill>
+              </a:rPr>
+              <a:t>Formulación del Proyecto</a:t>
+            </a:r>
+          </a:p>
+          <a:p>
+            <a:pPr marL="444500" indent="-285750">
+              <a:buFont typeface="Arial" panose="020B0604020202020204" pitchFamily="34" charset="0"/>
+              <a:buChar char="•"/>
+            </a:pPr>
+            <a:r>
+              <a:rPr lang="es-ES" sz="1000" dirty="0">
+                <a:solidFill>
+                  <a:schemeClr val="tx1">
+                    <a:lumMod val="75000"/>
+                    <a:lumOff val="25000"/>
+                  </a:schemeClr>
+                </a:solidFill>
+              </a:rPr>
+              <a:t>IEEE-830</a:t>
+            </a:r>
+          </a:p>
+          <a:p>
+            <a:pPr marL="444500" indent="-285750">
+              <a:buFont typeface="Arial" panose="020B0604020202020204" pitchFamily="34" charset="0"/>
+              <a:buChar char="•"/>
+            </a:pPr>
+            <a:r>
+              <a:rPr lang="es-ES" sz="1000" u="sng" dirty="0">
+                <a:solidFill>
+                  <a:schemeClr val="tx1">
+                    <a:lumMod val="75000"/>
+                    <a:lumOff val="25000"/>
+                  </a:schemeClr>
+                </a:solidFill>
+                <a:hlinkClick r:id="rId3"/>
+              </a:rPr>
+              <a:t>Entregables 1er </a:t>
+            </a:r>
+            <a:r>
+              <a:rPr lang="es-ES" sz="1000" u="sng" dirty="0" err="1" smtClean="0">
+                <a:solidFill>
+                  <a:schemeClr val="tx1">
+                    <a:lumMod val="75000"/>
+                    <a:lumOff val="25000"/>
+                  </a:schemeClr>
+                </a:solidFill>
+                <a:hlinkClick r:id="rId3"/>
+              </a:rPr>
+              <a:t>Tri</a:t>
+            </a:r>
+            <a:r>
+              <a:rPr lang="es-ES" sz="1000" u="sng" dirty="0" err="1">
+                <a:solidFill>
+                  <a:schemeClr val="tx1">
+                    <a:lumMod val="75000"/>
+                    <a:lumOff val="25000"/>
+                  </a:schemeClr>
+                </a:solidFill>
+                <a:hlinkClick r:id="rId3"/>
+              </a:rPr>
+              <a:t>m</a:t>
+            </a:r>
+            <a:endParaRPr lang="es-ES_tradnl" sz="800" b="1" u="sng" dirty="0">
+              <a:solidFill>
+                <a:schemeClr val="tx1">
+                  <a:lumMod val="75000"/>
+                  <a:lumOff val="25000"/>
+                </a:schemeClr>
+              </a:solidFill>
+            </a:endParaRPr>
+          </a:p>
+          <a:p>
+            <a:pPr>
+              <a:lnSpc>
+                <a:spcPct val="120000"/>
+              </a:lnSpc>
+            </a:pPr>
+            <a:r>
+              <a:rPr lang="es-ES_tradnl" sz="1600" b="1" dirty="0" smtClean="0">
+                <a:solidFill>
+                  <a:schemeClr val="tx1">
+                    <a:lumMod val="75000"/>
+                    <a:lumOff val="25000"/>
+                  </a:schemeClr>
+                </a:solidFill>
+              </a:rPr>
+              <a:t>Segundo Trimestre</a:t>
+            </a:r>
+            <a:endParaRPr lang="es-ES_tradnl" sz="1600" b="1" dirty="0">
+              <a:solidFill>
+                <a:schemeClr val="tx1">
+                  <a:lumMod val="75000"/>
+                  <a:lumOff val="25000"/>
+                </a:schemeClr>
+              </a:solidFill>
+            </a:endParaRPr>
+          </a:p>
+          <a:p>
+            <a:pPr marL="444500" indent="-285750">
+              <a:buFont typeface="Arial" panose="020B0604020202020204" pitchFamily="34" charset="0"/>
+              <a:buChar char="•"/>
+            </a:pPr>
+            <a:r>
+              <a:rPr lang="es-ES" sz="1000" dirty="0">
+                <a:solidFill>
+                  <a:schemeClr val="tx1">
+                    <a:lumMod val="75000"/>
+                    <a:lumOff val="25000"/>
+                  </a:schemeClr>
+                </a:solidFill>
+              </a:rPr>
+              <a:t>Diagrama Casos de Uso</a:t>
+            </a:r>
+          </a:p>
+          <a:p>
+            <a:pPr marL="444500" indent="-285750">
+              <a:buFont typeface="Arial" panose="020B0604020202020204" pitchFamily="34" charset="0"/>
+              <a:buChar char="•"/>
+            </a:pPr>
+            <a:r>
+              <a:rPr lang="es-ES" sz="1000" dirty="0">
+                <a:solidFill>
+                  <a:schemeClr val="tx1">
+                    <a:lumMod val="75000"/>
+                    <a:lumOff val="25000"/>
+                  </a:schemeClr>
+                </a:solidFill>
+              </a:rPr>
+              <a:t>Casos de Uso Extendido</a:t>
+            </a:r>
+          </a:p>
+          <a:p>
+            <a:pPr marL="444500" indent="-285750">
+              <a:buFont typeface="Arial" panose="020B0604020202020204" pitchFamily="34" charset="0"/>
+              <a:buChar char="•"/>
+            </a:pPr>
+            <a:r>
+              <a:rPr lang="es-ES" sz="1000" dirty="0">
+                <a:solidFill>
+                  <a:schemeClr val="tx1">
+                    <a:lumMod val="75000"/>
+                    <a:lumOff val="25000"/>
+                  </a:schemeClr>
+                </a:solidFill>
+              </a:rPr>
+              <a:t>Modelo Entidad Relación</a:t>
+            </a:r>
+          </a:p>
+          <a:p>
+            <a:pPr marL="444500" indent="-285750">
+              <a:buFont typeface="Arial" panose="020B0604020202020204" pitchFamily="34" charset="0"/>
+              <a:buChar char="•"/>
+            </a:pPr>
+            <a:r>
+              <a:rPr lang="es-ES" sz="1000" dirty="0">
+                <a:solidFill>
+                  <a:schemeClr val="tx1">
+                    <a:lumMod val="75000"/>
+                    <a:lumOff val="25000"/>
+                  </a:schemeClr>
+                </a:solidFill>
+              </a:rPr>
+              <a:t>Diccionario de Datos</a:t>
+            </a:r>
+          </a:p>
+          <a:p>
+            <a:pPr marL="444500" indent="-285750">
+              <a:buFont typeface="Arial" panose="020B0604020202020204" pitchFamily="34" charset="0"/>
+              <a:buChar char="•"/>
+            </a:pPr>
+            <a:r>
+              <a:rPr lang="es-ES" sz="1000" dirty="0">
+                <a:solidFill>
+                  <a:schemeClr val="tx1">
+                    <a:lumMod val="75000"/>
+                    <a:lumOff val="25000"/>
+                  </a:schemeClr>
+                </a:solidFill>
+              </a:rPr>
+              <a:t>Cronograma de Actividades</a:t>
+            </a:r>
+          </a:p>
+          <a:p>
+            <a:pPr marL="444500" indent="-285750">
+              <a:buFont typeface="Arial" panose="020B0604020202020204" pitchFamily="34" charset="0"/>
+              <a:buChar char="•"/>
+            </a:pPr>
+            <a:r>
+              <a:rPr lang="es-ES" sz="1000" dirty="0">
+                <a:solidFill>
+                  <a:schemeClr val="tx1">
+                    <a:lumMod val="75000"/>
+                    <a:lumOff val="25000"/>
+                  </a:schemeClr>
+                </a:solidFill>
+              </a:rPr>
+              <a:t>Presupuesto y Personal</a:t>
+            </a:r>
+          </a:p>
+          <a:p>
+            <a:pPr marL="444500" indent="-285750">
+              <a:buFont typeface="Arial" panose="020B0604020202020204" pitchFamily="34" charset="0"/>
+              <a:buChar char="•"/>
+            </a:pPr>
+            <a:r>
+              <a:rPr lang="es-ES" sz="1000" dirty="0">
+                <a:solidFill>
+                  <a:schemeClr val="tx1">
+                    <a:lumMod val="75000"/>
+                    <a:lumOff val="25000"/>
+                  </a:schemeClr>
+                </a:solidFill>
+                <a:hlinkClick r:id="rId4"/>
+              </a:rPr>
+              <a:t>Entregables 2do </a:t>
+            </a:r>
+            <a:r>
+              <a:rPr lang="es-ES" sz="1000" dirty="0" err="1">
+                <a:solidFill>
+                  <a:schemeClr val="tx1">
+                    <a:lumMod val="75000"/>
+                    <a:lumOff val="25000"/>
+                  </a:schemeClr>
+                </a:solidFill>
+                <a:hlinkClick r:id="rId4"/>
+              </a:rPr>
+              <a:t>Trim</a:t>
+            </a:r>
+            <a:endParaRPr lang="es-ES" sz="1000" dirty="0" smtClean="0">
+              <a:solidFill>
+                <a:schemeClr val="tx1">
+                  <a:lumMod val="75000"/>
+                  <a:lumOff val="25000"/>
+                </a:schemeClr>
+              </a:solidFill>
+            </a:endParaRPr>
+          </a:p>
+          <a:p>
+            <a:pPr>
+              <a:lnSpc>
+                <a:spcPct val="120000"/>
+              </a:lnSpc>
+            </a:pPr>
+            <a:r>
+              <a:rPr lang="es-ES_tradnl" sz="1600" b="1" dirty="0" smtClean="0">
+                <a:solidFill>
+                  <a:schemeClr val="tx1">
+                    <a:lumMod val="75000"/>
+                    <a:lumOff val="25000"/>
+                  </a:schemeClr>
+                </a:solidFill>
+              </a:rPr>
+              <a:t>Tercer </a:t>
+            </a:r>
+            <a:r>
+              <a:rPr lang="es-ES_tradnl" sz="1600" b="1" dirty="0">
+                <a:solidFill>
+                  <a:schemeClr val="tx1">
+                    <a:lumMod val="75000"/>
+                    <a:lumOff val="25000"/>
+                  </a:schemeClr>
+                </a:solidFill>
+              </a:rPr>
+              <a:t>Trimestre</a:t>
+            </a:r>
+          </a:p>
+          <a:p>
+            <a:pPr marL="444500" indent="-285750">
+              <a:buFont typeface="Arial" panose="020B0604020202020204" pitchFamily="34" charset="0"/>
+              <a:buChar char="•"/>
+            </a:pPr>
+            <a:r>
+              <a:rPr lang="es-ES" sz="1000" dirty="0">
+                <a:solidFill>
+                  <a:schemeClr val="tx1">
+                    <a:lumMod val="75000"/>
+                    <a:lumOff val="25000"/>
+                  </a:schemeClr>
+                </a:solidFill>
+              </a:rPr>
+              <a:t>Modelo Relacional</a:t>
+            </a:r>
+          </a:p>
+          <a:p>
+            <a:pPr marL="444500" indent="-285750">
+              <a:buFont typeface="Arial" panose="020B0604020202020204" pitchFamily="34" charset="0"/>
+              <a:buChar char="•"/>
+            </a:pPr>
+            <a:r>
+              <a:rPr lang="es-ES" sz="1000" dirty="0">
+                <a:solidFill>
+                  <a:schemeClr val="tx1">
+                    <a:lumMod val="75000"/>
+                    <a:lumOff val="25000"/>
+                  </a:schemeClr>
+                </a:solidFill>
+              </a:rPr>
+              <a:t>Diagrama de Clases</a:t>
+            </a:r>
+          </a:p>
+          <a:p>
+            <a:pPr marL="444500" indent="-285750">
+              <a:buFont typeface="Arial" panose="020B0604020202020204" pitchFamily="34" charset="0"/>
+              <a:buChar char="•"/>
+            </a:pPr>
+            <a:r>
+              <a:rPr lang="es-ES" sz="1000" dirty="0">
+                <a:solidFill>
+                  <a:schemeClr val="tx1">
+                    <a:lumMod val="75000"/>
+                    <a:lumOff val="25000"/>
+                  </a:schemeClr>
+                </a:solidFill>
+              </a:rPr>
+              <a:t>Diagrama de Distribución</a:t>
+            </a:r>
+          </a:p>
+          <a:p>
+            <a:pPr marL="444500" indent="-285750">
+              <a:buFont typeface="Arial" panose="020B0604020202020204" pitchFamily="34" charset="0"/>
+              <a:buChar char="•"/>
+            </a:pPr>
+            <a:r>
+              <a:rPr lang="es-ES" sz="1000" dirty="0" err="1">
+                <a:solidFill>
+                  <a:schemeClr val="tx1">
+                    <a:lumMod val="75000"/>
+                    <a:lumOff val="25000"/>
+                  </a:schemeClr>
+                </a:solidFill>
+              </a:rPr>
+              <a:t>WireFrame</a:t>
+            </a:r>
+            <a:r>
+              <a:rPr lang="es-ES" sz="1000" dirty="0">
+                <a:solidFill>
+                  <a:schemeClr val="tx1">
+                    <a:lumMod val="75000"/>
+                    <a:lumOff val="25000"/>
+                  </a:schemeClr>
+                </a:solidFill>
+              </a:rPr>
+              <a:t> o </a:t>
+            </a:r>
+            <a:r>
+              <a:rPr lang="es-ES" sz="1000" dirty="0" err="1">
+                <a:solidFill>
+                  <a:schemeClr val="tx1">
+                    <a:lumMod val="75000"/>
+                    <a:lumOff val="25000"/>
+                  </a:schemeClr>
+                </a:solidFill>
+              </a:rPr>
+              <a:t>Mockups</a:t>
+            </a:r>
+            <a:endParaRPr lang="es-ES" sz="1000" dirty="0">
+              <a:solidFill>
+                <a:schemeClr val="tx1">
+                  <a:lumMod val="75000"/>
+                  <a:lumOff val="25000"/>
+                </a:schemeClr>
+              </a:solidFill>
+            </a:endParaRPr>
+          </a:p>
+          <a:p>
+            <a:pPr marL="444500" indent="-285750">
+              <a:buFont typeface="Arial" panose="020B0604020202020204" pitchFamily="34" charset="0"/>
+              <a:buChar char="•"/>
+            </a:pPr>
+            <a:r>
+              <a:rPr lang="es-ES" sz="1000" dirty="0">
+                <a:solidFill>
+                  <a:schemeClr val="tx1">
+                    <a:lumMod val="75000"/>
+                    <a:lumOff val="25000"/>
+                  </a:schemeClr>
+                </a:solidFill>
+                <a:hlinkClick r:id="rId5"/>
+              </a:rPr>
+              <a:t>Entregables 3er </a:t>
+            </a:r>
+            <a:r>
+              <a:rPr lang="es-ES" sz="1000" dirty="0" err="1" smtClean="0">
+                <a:solidFill>
+                  <a:schemeClr val="tx1">
+                    <a:lumMod val="75000"/>
+                    <a:lumOff val="25000"/>
+                  </a:schemeClr>
+                </a:solidFill>
+                <a:hlinkClick r:id="rId5"/>
+              </a:rPr>
+              <a:t>Trim</a:t>
+            </a:r>
+            <a:endParaRPr lang="es-ES" sz="1200" dirty="0" smtClean="0">
+              <a:solidFill>
+                <a:schemeClr val="tx1">
+                  <a:lumMod val="75000"/>
+                  <a:lumOff val="25000"/>
+                </a:schemeClr>
+              </a:solidFill>
+            </a:endParaRPr>
+          </a:p>
+        </p:txBody>
+      </p:sp>
+      <p:sp>
+        <p:nvSpPr>
+          <p:cNvPr id="6" name="CuadroTexto 5"/>
+          <p:cNvSpPr txBox="1"/>
+          <p:nvPr/>
+        </p:nvSpPr>
+        <p:spPr>
+          <a:xfrm>
+            <a:off x="509443" y="303360"/>
+            <a:ext cx="4557507" cy="646331"/>
+          </a:xfrm>
+          <a:prstGeom prst="rect">
+            <a:avLst/>
+          </a:prstGeom>
+          <a:noFill/>
+        </p:spPr>
+        <p:txBody>
+          <a:bodyPr wrap="square" rtlCol="0">
+            <a:spAutoFit/>
+          </a:bodyPr>
+          <a:lstStyle/>
+          <a:p>
+            <a:r>
+              <a:rPr lang="es-ES" b="1" dirty="0" smtClean="0">
+                <a:solidFill>
+                  <a:schemeClr val="tx1">
+                    <a:lumMod val="75000"/>
+                    <a:lumOff val="25000"/>
+                  </a:schemeClr>
+                </a:solidFill>
+              </a:rPr>
+              <a:t>Entregables Proyecto Formativo </a:t>
+            </a:r>
+          </a:p>
+          <a:p>
+            <a:r>
+              <a:rPr lang="es-ES" b="1" dirty="0" smtClean="0">
+                <a:solidFill>
+                  <a:schemeClr val="tx1">
+                    <a:lumMod val="75000"/>
+                    <a:lumOff val="25000"/>
+                  </a:schemeClr>
+                </a:solidFill>
+              </a:rPr>
+              <a:t>por Trimestre</a:t>
+            </a:r>
+            <a:endParaRPr lang="es-ES" b="1" dirty="0">
+              <a:solidFill>
+                <a:schemeClr val="tx1">
+                  <a:lumMod val="75000"/>
+                  <a:lumOff val="25000"/>
+                </a:schemeClr>
+              </a:solidFill>
+            </a:endParaRPr>
+          </a:p>
+        </p:txBody>
+      </p:sp>
+      <p:sp>
+        <p:nvSpPr>
+          <p:cNvPr id="7" name="Rectángulo 6"/>
+          <p:cNvSpPr/>
+          <p:nvPr/>
+        </p:nvSpPr>
+        <p:spPr>
+          <a:xfrm>
+            <a:off x="607405" y="957918"/>
+            <a:ext cx="718487" cy="45719"/>
+          </a:xfrm>
+          <a:prstGeom prst="rect">
+            <a:avLst/>
+          </a:prstGeom>
+          <a:solidFill>
+            <a:srgbClr val="FF6600"/>
+          </a:solidFill>
+          <a:ln>
+            <a:noFill/>
+          </a:ln>
+          <a:effectLst/>
+        </p:spPr>
+        <p:style>
+          <a:lnRef idx="1">
+            <a:schemeClr val="accent1"/>
+          </a:lnRef>
+          <a:fillRef idx="3">
+            <a:schemeClr val="accent1"/>
+          </a:fillRef>
+          <a:effectRef idx="2">
+            <a:schemeClr val="accent1"/>
+          </a:effectRef>
+          <a:fontRef idx="minor">
+            <a:schemeClr val="lt1"/>
+          </a:fontRef>
+        </p:style>
+        <p:txBody>
+          <a:bodyPr rtlCol="0" anchor="ctr"/>
+          <a:lstStyle/>
+          <a:p>
+            <a:pPr algn="ctr"/>
+            <a:endParaRPr lang="es-ES"/>
+          </a:p>
+        </p:txBody>
+      </p:sp>
+      <p:sp>
+        <p:nvSpPr>
+          <p:cNvPr id="8" name="Rectángulo 7">
+            <a:hlinkClick r:id="rId6" action="ppaction://hlinksldjump"/>
+          </p:cNvPr>
+          <p:cNvSpPr/>
+          <p:nvPr/>
+        </p:nvSpPr>
+        <p:spPr>
+          <a:xfrm>
+            <a:off x="8212822" y="192947"/>
+            <a:ext cx="746620" cy="679508"/>
+          </a:xfrm>
+          <a:prstGeom prst="rect">
+            <a:avLst/>
+          </a:prstGeom>
+          <a:noFill/>
+          <a:ln>
+            <a:noFill/>
+          </a:ln>
+        </p:spPr>
+        <p:style>
+          <a:lnRef idx="1">
+            <a:schemeClr val="accent1"/>
+          </a:lnRef>
+          <a:fillRef idx="3">
+            <a:schemeClr val="accent1"/>
+          </a:fillRef>
+          <a:effectRef idx="2">
+            <a:schemeClr val="accent1"/>
+          </a:effectRef>
+          <a:fontRef idx="minor">
+            <a:schemeClr val="lt1"/>
+          </a:fontRef>
+        </p:style>
+        <p:txBody>
+          <a:bodyPr rtlCol="0" anchor="ctr"/>
+          <a:lstStyle/>
+          <a:p>
+            <a:pPr algn="ctr"/>
+            <a:endParaRPr lang="es-CO"/>
+          </a:p>
+        </p:txBody>
+      </p:sp>
+      <p:sp>
+        <p:nvSpPr>
           <p:cNvPr id="9" name="Rectángulo 8"/>
           <p:cNvSpPr/>
           <p:nvPr/>
@@ -5437,6 +6032,36 @@
           </a:p>
         </p:txBody>
       </p:sp>
+      <p:pic>
+        <p:nvPicPr>
+          <p:cNvPr id="11" name="Imagen 10"/>
+          <p:cNvPicPr>
+            <a:picLocks noChangeAspect="1"/>
+          </p:cNvPicPr>
+          <p:nvPr/>
+        </p:nvPicPr>
+        <p:blipFill>
+          <a:blip r:embed="rId15">
+            <a:extLst>
+              <a:ext uri="{28A0092B-C50C-407E-A947-70E740481C1C}">
+                <a14:useLocalDpi xmlns:a14="http://schemas.microsoft.com/office/drawing/2010/main" val="0"/>
+              </a:ext>
+            </a:extLst>
+          </a:blip>
+          <a:stretch>
+            <a:fillRect/>
+          </a:stretch>
+        </p:blipFill>
+        <p:spPr>
+          <a:xfrm>
+            <a:off x="7601190" y="3831336"/>
+            <a:ext cx="1236536" cy="1236536"/>
+          </a:xfrm>
+          <a:prstGeom prst="ellipse">
+            <a:avLst/>
+          </a:prstGeom>
+        </p:spPr>
+      </p:pic>
     </p:spTree>
     <p:extLst>
       <p:ext uri="{BB962C8B-B14F-4D97-AF65-F5344CB8AC3E}">
@@ -5457,7 +6082,407 @@
 </p:sld>
 </file>
 
-<file path=ppt/slides/slide13.xml><?xml version="1.0" encoding="utf-8"?>
+<file path=ppt/slides/slide15.xml><?xml version="1.0" encoding="utf-8"?>
+<p:sld xmlns:a="http://schemas.openxmlformats.org/drawingml/2006/main" xmlns:r="http://schemas.openxmlformats.org/officeDocument/2006/relationships" xmlns:p="http://schemas.openxmlformats.org/presentationml/2006/main">
+  <p:cSld>
+    <p:spTree>
+      <p:nvGrpSpPr>
+        <p:cNvPr id="1" name=""/>
+        <p:cNvGrpSpPr/>
+        <p:nvPr/>
+      </p:nvGrpSpPr>
+      <p:grpSpPr>
+        <a:xfrm>
+          <a:off x="0" y="0"/>
+          <a:ext cx="0" cy="0"/>
+          <a:chOff x="0" y="0"/>
+          <a:chExt cx="0" cy="0"/>
+        </a:xfrm>
+      </p:grpSpPr>
+      <p:sp>
+        <p:nvSpPr>
+          <p:cNvPr id="5" name="Rectángulo 4"/>
+          <p:cNvSpPr/>
+          <p:nvPr/>
+        </p:nvSpPr>
+        <p:spPr>
+          <a:xfrm>
+            <a:off x="3514071" y="1680420"/>
+            <a:ext cx="2274082" cy="1311128"/>
+          </a:xfrm>
+          <a:prstGeom prst="rect">
+            <a:avLst/>
+          </a:prstGeom>
+          <a:noFill/>
+        </p:spPr>
+        <p:txBody>
+          <a:bodyPr wrap="square" anchor="t" anchorCtr="0">
+            <a:spAutoFit/>
+          </a:bodyPr>
+          <a:lstStyle/>
+          <a:p>
+            <a:pPr>
+              <a:lnSpc>
+                <a:spcPct val="120000"/>
+              </a:lnSpc>
+            </a:pPr>
+            <a:r>
+              <a:rPr lang="es-ES_tradnl" sz="1600" b="1" dirty="0" smtClean="0">
+                <a:solidFill>
+                  <a:schemeClr val="tx1">
+                    <a:lumMod val="75000"/>
+                    <a:lumOff val="25000"/>
+                  </a:schemeClr>
+                </a:solidFill>
+              </a:rPr>
+              <a:t>Primer Trimestre</a:t>
+            </a:r>
+          </a:p>
+          <a:p>
+            <a:pPr marL="444500" indent="-285750">
+              <a:buFont typeface="Arial" panose="020B0604020202020204" pitchFamily="34" charset="0"/>
+              <a:buChar char="•"/>
+            </a:pPr>
+            <a:r>
+              <a:rPr lang="es-ES" sz="1000" dirty="0">
+                <a:solidFill>
+                  <a:schemeClr val="tx1">
+                    <a:lumMod val="75000"/>
+                    <a:lumOff val="25000"/>
+                  </a:schemeClr>
+                </a:solidFill>
+              </a:rPr>
+              <a:t>Presentación Proyecto</a:t>
+            </a:r>
+          </a:p>
+          <a:p>
+            <a:pPr marL="444500" indent="-285750">
+              <a:buFont typeface="Arial" panose="020B0604020202020204" pitchFamily="34" charset="0"/>
+              <a:buChar char="•"/>
+            </a:pPr>
+            <a:r>
+              <a:rPr lang="es-ES" sz="1000" dirty="0">
+                <a:solidFill>
+                  <a:schemeClr val="tx1">
+                    <a:lumMod val="75000"/>
+                    <a:lumOff val="25000"/>
+                  </a:schemeClr>
+                </a:solidFill>
+              </a:rPr>
+              <a:t>Levantamiento de Información</a:t>
+            </a:r>
+          </a:p>
+          <a:p>
+            <a:pPr marL="444500" indent="-285750">
+              <a:buFont typeface="Arial" panose="020B0604020202020204" pitchFamily="34" charset="0"/>
+              <a:buChar char="•"/>
+            </a:pPr>
+            <a:r>
+              <a:rPr lang="es-ES" sz="1000" dirty="0">
+                <a:solidFill>
+                  <a:schemeClr val="tx1">
+                    <a:lumMod val="75000"/>
+                    <a:lumOff val="25000"/>
+                  </a:schemeClr>
+                </a:solidFill>
+              </a:rPr>
+              <a:t>Diagrama de Procesos</a:t>
+            </a:r>
+          </a:p>
+          <a:p>
+            <a:pPr marL="444500" indent="-285750">
+              <a:buFont typeface="Arial" panose="020B0604020202020204" pitchFamily="34" charset="0"/>
+              <a:buChar char="•"/>
+            </a:pPr>
+            <a:r>
+              <a:rPr lang="es-ES" sz="1000" dirty="0" err="1">
+                <a:solidFill>
+                  <a:schemeClr val="tx1">
+                    <a:lumMod val="75000"/>
+                    <a:lumOff val="25000"/>
+                  </a:schemeClr>
+                </a:solidFill>
+              </a:rPr>
+              <a:t>Preeliminar</a:t>
+            </a:r>
+            <a:r>
+              <a:rPr lang="es-ES" sz="1000" dirty="0">
+                <a:solidFill>
+                  <a:schemeClr val="tx1">
+                    <a:lumMod val="75000"/>
+                    <a:lumOff val="25000"/>
+                  </a:schemeClr>
+                </a:solidFill>
+              </a:rPr>
+              <a:t> Inventario</a:t>
+            </a:r>
+          </a:p>
+          <a:p>
+            <a:pPr marL="444500" indent="-285750">
+              <a:buFont typeface="Arial" panose="020B0604020202020204" pitchFamily="34" charset="0"/>
+              <a:buChar char="•"/>
+            </a:pPr>
+            <a:r>
+              <a:rPr lang="es-ES" sz="1000" dirty="0">
+                <a:solidFill>
+                  <a:schemeClr val="tx1">
+                    <a:lumMod val="75000"/>
+                    <a:lumOff val="25000"/>
+                  </a:schemeClr>
+                </a:solidFill>
+              </a:rPr>
+              <a:t>Formulación del Proyecto</a:t>
+            </a:r>
+          </a:p>
+          <a:p>
+            <a:pPr marL="444500" indent="-285750">
+              <a:buFont typeface="Arial" panose="020B0604020202020204" pitchFamily="34" charset="0"/>
+              <a:buChar char="•"/>
+            </a:pPr>
+            <a:r>
+              <a:rPr lang="es-ES" sz="1000" u="sng" dirty="0" smtClean="0">
+                <a:solidFill>
+                  <a:schemeClr val="tx1">
+                    <a:lumMod val="75000"/>
+                    <a:lumOff val="25000"/>
+                  </a:schemeClr>
+                </a:solidFill>
+                <a:hlinkClick r:id="rId3"/>
+              </a:rPr>
+              <a:t>Entregables </a:t>
+            </a:r>
+            <a:r>
+              <a:rPr lang="es-ES" sz="1000" u="sng" dirty="0">
+                <a:solidFill>
+                  <a:schemeClr val="tx1">
+                    <a:lumMod val="75000"/>
+                    <a:lumOff val="25000"/>
+                  </a:schemeClr>
+                </a:solidFill>
+                <a:hlinkClick r:id="rId3"/>
+              </a:rPr>
+              <a:t>1er </a:t>
+            </a:r>
+            <a:r>
+              <a:rPr lang="es-ES" sz="1000" u="sng" dirty="0" err="1" smtClean="0">
+                <a:solidFill>
+                  <a:schemeClr val="tx1">
+                    <a:lumMod val="75000"/>
+                    <a:lumOff val="25000"/>
+                  </a:schemeClr>
+                </a:solidFill>
+                <a:hlinkClick r:id="rId3"/>
+              </a:rPr>
+              <a:t>Trim</a:t>
+            </a:r>
+            <a:endParaRPr lang="es-ES_tradnl" sz="800" b="1" u="sng" dirty="0">
+              <a:solidFill>
+                <a:schemeClr val="tx1">
+                  <a:lumMod val="75000"/>
+                  <a:lumOff val="25000"/>
+                </a:schemeClr>
+              </a:solidFill>
+            </a:endParaRPr>
+          </a:p>
+        </p:txBody>
+      </p:sp>
+      <p:sp>
+        <p:nvSpPr>
+          <p:cNvPr id="6" name="CuadroTexto 5"/>
+          <p:cNvSpPr txBox="1"/>
+          <p:nvPr/>
+        </p:nvSpPr>
+        <p:spPr>
+          <a:xfrm>
+            <a:off x="2853005" y="357306"/>
+            <a:ext cx="3596213" cy="646331"/>
+          </a:xfrm>
+          <a:prstGeom prst="rect">
+            <a:avLst/>
+          </a:prstGeom>
+          <a:noFill/>
+        </p:spPr>
+        <p:txBody>
+          <a:bodyPr wrap="square" rtlCol="0">
+            <a:spAutoFit/>
+          </a:bodyPr>
+          <a:lstStyle/>
+          <a:p>
+            <a:r>
+              <a:rPr lang="es-ES" b="1" dirty="0" smtClean="0">
+                <a:solidFill>
+                  <a:schemeClr val="tx1">
+                    <a:lumMod val="75000"/>
+                    <a:lumOff val="25000"/>
+                  </a:schemeClr>
+                </a:solidFill>
+              </a:rPr>
+              <a:t>Entregables Proyecto Formativo </a:t>
+            </a:r>
+          </a:p>
+          <a:p>
+            <a:r>
+              <a:rPr lang="es-ES" b="1" dirty="0" smtClean="0">
+                <a:solidFill>
+                  <a:schemeClr val="tx1">
+                    <a:lumMod val="75000"/>
+                    <a:lumOff val="25000"/>
+                  </a:schemeClr>
+                </a:solidFill>
+              </a:rPr>
+              <a:t>por Trimestre</a:t>
+            </a:r>
+            <a:endParaRPr lang="es-ES" b="1" dirty="0">
+              <a:solidFill>
+                <a:schemeClr val="tx1">
+                  <a:lumMod val="75000"/>
+                  <a:lumOff val="25000"/>
+                </a:schemeClr>
+              </a:solidFill>
+            </a:endParaRPr>
+          </a:p>
+        </p:txBody>
+      </p:sp>
+      <p:sp>
+        <p:nvSpPr>
+          <p:cNvPr id="7" name="Rectángulo 6"/>
+          <p:cNvSpPr/>
+          <p:nvPr/>
+        </p:nvSpPr>
+        <p:spPr>
+          <a:xfrm>
+            <a:off x="2944445" y="1006172"/>
+            <a:ext cx="718487" cy="45719"/>
+          </a:xfrm>
+          <a:prstGeom prst="rect">
+            <a:avLst/>
+          </a:prstGeom>
+          <a:solidFill>
+            <a:srgbClr val="FF6600"/>
+          </a:solidFill>
+          <a:ln>
+            <a:noFill/>
+          </a:ln>
+          <a:effectLst/>
+        </p:spPr>
+        <p:style>
+          <a:lnRef idx="1">
+            <a:schemeClr val="accent1"/>
+          </a:lnRef>
+          <a:fillRef idx="3">
+            <a:schemeClr val="accent1"/>
+          </a:fillRef>
+          <a:effectRef idx="2">
+            <a:schemeClr val="accent1"/>
+          </a:effectRef>
+          <a:fontRef idx="minor">
+            <a:schemeClr val="lt1"/>
+          </a:fontRef>
+        </p:style>
+        <p:txBody>
+          <a:bodyPr rtlCol="0" anchor="ctr"/>
+          <a:lstStyle/>
+          <a:p>
+            <a:pPr algn="ctr"/>
+            <a:endParaRPr lang="es-ES"/>
+          </a:p>
+        </p:txBody>
+      </p:sp>
+      <p:sp>
+        <p:nvSpPr>
+          <p:cNvPr id="8" name="Rectángulo 7">
+            <a:hlinkClick r:id="rId4" action="ppaction://hlinksldjump"/>
+          </p:cNvPr>
+          <p:cNvSpPr/>
+          <p:nvPr/>
+        </p:nvSpPr>
+        <p:spPr>
+          <a:xfrm>
+            <a:off x="8212822" y="192947"/>
+            <a:ext cx="746620" cy="679508"/>
+          </a:xfrm>
+          <a:prstGeom prst="rect">
+            <a:avLst/>
+          </a:prstGeom>
+          <a:noFill/>
+          <a:ln>
+            <a:noFill/>
+          </a:ln>
+        </p:spPr>
+        <p:style>
+          <a:lnRef idx="1">
+            <a:schemeClr val="accent1"/>
+          </a:lnRef>
+          <a:fillRef idx="3">
+            <a:schemeClr val="accent1"/>
+          </a:fillRef>
+          <a:effectRef idx="2">
+            <a:schemeClr val="accent1"/>
+          </a:effectRef>
+          <a:fontRef idx="minor">
+            <a:schemeClr val="lt1"/>
+          </a:fontRef>
+        </p:style>
+        <p:txBody>
+          <a:bodyPr rtlCol="0" anchor="ctr"/>
+          <a:lstStyle/>
+          <a:p>
+            <a:pPr algn="ctr"/>
+            <a:endParaRPr lang="es-CO"/>
+          </a:p>
+        </p:txBody>
+      </p:sp>
+      <p:pic>
+        <p:nvPicPr>
+          <p:cNvPr id="11" name="Imagen 10"/>
+          <p:cNvPicPr>
+            <a:picLocks noChangeAspect="1"/>
+          </p:cNvPicPr>
+          <p:nvPr/>
+        </p:nvPicPr>
+        <p:blipFill>
+          <a:blip r:embed="rId5">
+            <a:extLst>
+              <a:ext uri="{28A0092B-C50C-407E-A947-70E740481C1C}">
+                <a14:useLocalDpi xmlns:a14="http://schemas.microsoft.com/office/drawing/2010/main" val="0"/>
+              </a:ext>
+            </a:extLst>
+          </a:blip>
+          <a:stretch>
+            <a:fillRect/>
+          </a:stretch>
+        </p:blipFill>
+        <p:spPr>
+          <a:xfrm>
+            <a:off x="7601190" y="3831336"/>
+            <a:ext cx="1236536" cy="1236536"/>
+          </a:xfrm>
+          <a:prstGeom prst="ellipse">
+            <a:avLst/>
+          </a:prstGeom>
+        </p:spPr>
+      </p:pic>
+    </p:spTree>
+    <p:extLst>
+      <p:ext uri="{BB962C8B-B14F-4D97-AF65-F5344CB8AC3E}">
+        <p14:creationId xmlns:p14="http://schemas.microsoft.com/office/powerpoint/2010/main" val="4138990645"/>
+      </p:ext>
+    </p:extLst>
+  </p:cSld>
+  <p:clrMapOvr>
+    <a:masterClrMapping/>
+  </p:clrMapOvr>
+  <p:timing>
+    <p:tnLst>
+      <p:par>
+        <p:cTn id="1" dur="indefinite" restart="never" nodeType="tmRoot"/>
+      </p:par>
+    </p:tnLst>
+  </p:timing>
+</p:sld>
+</file>
+
+<file path=ppt/slides/slide16.xml><?xml version="1.0" encoding="utf-8"?>
 <p:sld xmlns:a="http://schemas.openxmlformats.org/drawingml/2006/main" xmlns:r="http://schemas.openxmlformats.org/officeDocument/2006/relationships" xmlns:p="http://schemas.openxmlformats.org/presentationml/2006/main">
   <p:cSld>
     <p:spTree>
@@ -5555,60 +6580,6 @@
           <a:chExt cx="0" cy="0"/>
         </a:xfrm>
       </p:grpSpPr>
-      <p:pic>
-        <p:nvPicPr>
-          <p:cNvPr id="2" name="Imagen 1" descr="foto.png"/>
-          <p:cNvPicPr>
-            <a:picLocks noChangeAspect="1"/>
-          </p:cNvPicPr>
-          <p:nvPr/>
-        </p:nvPicPr>
-        <p:blipFill>
-          <a:blip r:embed="rId2">
-            <a:extLst>
-              <a:ext uri="{28A0092B-C50C-407E-A947-70E740481C1C}">
-                <a14:useLocalDpi xmlns:a14="http://schemas.microsoft.com/office/drawing/2010/main" val="0"/>
-              </a:ext>
-            </a:extLst>
-          </a:blip>
-          <a:stretch>
-            <a:fillRect/>
-          </a:stretch>
-        </p:blipFill>
-        <p:spPr>
-          <a:xfrm>
-            <a:off x="5180509" y="0"/>
-            <a:ext cx="3983650" cy="5143500"/>
-          </a:xfrm>
-          <a:prstGeom prst="rect">
-            <a:avLst/>
-          </a:prstGeom>
-        </p:spPr>
-      </p:pic>
-      <p:pic>
-        <p:nvPicPr>
-          <p:cNvPr id="4" name="Imagen 3"/>
-          <p:cNvPicPr>
-            <a:picLocks noChangeAspect="1"/>
-          </p:cNvPicPr>
-          <p:nvPr/>
-        </p:nvPicPr>
-        <p:blipFill>
-          <a:blip r:embed="rId3"/>
-          <a:stretch>
-            <a:fillRect/>
-          </a:stretch>
-        </p:blipFill>
-        <p:spPr>
-          <a:xfrm>
-            <a:off x="8270874" y="238073"/>
-            <a:ext cx="608543" cy="592940"/>
-          </a:xfrm>
-          <a:prstGeom prst="rect">
-            <a:avLst/>
-          </a:prstGeom>
-        </p:spPr>
-      </p:pic>
       <p:sp>
         <p:nvSpPr>
           <p:cNvPr id="5" name="CuadroTexto 4"/>
@@ -5662,7 +6633,7 @@
         <p:spPr>
           <a:xfrm>
             <a:off x="771491" y="2109434"/>
-            <a:ext cx="3743814" cy="1323439"/>
+            <a:ext cx="3743814" cy="1569660"/>
           </a:xfrm>
           <a:prstGeom prst="rect">
             <a:avLst/>
@@ -5677,7 +6648,7 @@
           <a:p>
             <a:pPr algn="just" defTabSz="943239" hangingPunct="0"/>
             <a:r>
-              <a:rPr lang="es-ES" sz="1600" dirty="0" smtClean="0">
+              <a:rPr lang="es-CO" sz="1600" dirty="0" smtClean="0">
                 <a:solidFill>
                   <a:srgbClr val="404040"/>
                 </a:solidFill>
@@ -5686,25 +6657,10 @@
                 <a:cs typeface="Calibir"/>
                 <a:sym typeface="Helvetica Neue"/>
               </a:rPr>
-              <a:t>Breve descripción de la planeación de Presentación General.</a:t>
-            </a:r>
-          </a:p>
-          <a:p>
-            <a:pPr algn="just" defTabSz="943239" hangingPunct="0"/>
-            <a:endParaRPr lang="es-ES" sz="1600" dirty="0">
-              <a:solidFill>
-                <a:srgbClr val="404040"/>
-              </a:solidFill>
-              <a:latin typeface="Calibir"/>
-              <a:ea typeface="Helvetica Neue"/>
-              <a:cs typeface="Calibir"/>
-              <a:sym typeface="Helvetica Neue"/>
-            </a:endParaRPr>
-          </a:p>
-          <a:p>
-            <a:pPr algn="just" defTabSz="943239" hangingPunct="0"/>
-            <a:r>
-              <a:rPr lang="es-ES" sz="1600" dirty="0" smtClean="0">
+              <a:t>En</a:t>
+            </a:r>
+            <a:r>
+              <a:rPr lang="es-CO" sz="1600" dirty="0">
                 <a:solidFill>
                   <a:srgbClr val="404040"/>
                 </a:solidFill>
@@ -5713,10 +6669,10 @@
                 <a:cs typeface="Calibir"/>
                 <a:sym typeface="Helvetica Neue"/>
               </a:rPr>
-              <a:t>“Pueden </a:t>
-            </a:r>
-            <a:r>
-              <a:rPr lang="es-ES" sz="1600" dirty="0">
+              <a:t> </a:t>
+            </a:r>
+            <a:r>
+              <a:rPr lang="es-CO" sz="1600" dirty="0" smtClean="0">
                 <a:solidFill>
                   <a:srgbClr val="404040"/>
                 </a:solidFill>
@@ -5725,10 +6681,10 @@
                 <a:cs typeface="Calibir"/>
                 <a:sym typeface="Helvetica Neue"/>
               </a:rPr>
-              <a:t>reemplazar la imagen por </a:t>
-            </a:r>
-            <a:r>
-              <a:rPr lang="es-ES" sz="1600" dirty="0" smtClean="0">
+              <a:t>el siguiente </a:t>
+            </a:r>
+            <a:r>
+              <a:rPr lang="es-CO" sz="1600" dirty="0" smtClean="0">
                 <a:solidFill>
                   <a:srgbClr val="404040"/>
                 </a:solidFill>
@@ -5737,26 +6693,45 @@
                 <a:cs typeface="Calibir"/>
                 <a:sym typeface="Helvetica Neue"/>
               </a:rPr>
-              <a:t>otra fotografía”</a:t>
-            </a:r>
-            <a:r>
-              <a:rPr kumimoji="0" lang="es-ES" sz="1600" b="1" i="0" u="none" strike="noStrike" cap="none" spc="0" normalizeH="0" baseline="0" dirty="0" smtClean="0">
-                <a:ln>
-                  <a:noFill/>
-                </a:ln>
+              <a:t>documento </a:t>
+            </a:r>
+            <a:r>
+              <a:rPr lang="es-CO" sz="1600" dirty="0">
                 <a:solidFill>
                   <a:srgbClr val="404040"/>
                 </a:solidFill>
-                <a:effectLst/>
-                <a:uFillTx/>
                 <a:latin typeface="Calibir"/>
                 <a:ea typeface="Helvetica Neue"/>
                 <a:cs typeface="Calibir"/>
                 <a:sym typeface="Helvetica Neue"/>
               </a:rPr>
-              <a:t> </a:t>
-            </a:r>
-            <a:endParaRPr kumimoji="0" lang="es-ES" sz="1600" b="1" i="0" u="none" strike="noStrike" cap="none" spc="0" normalizeH="0" baseline="0" dirty="0">
+              <a:t>tiene como objetivo presentar la problemática por la cual se creó LOCK INVENTARY. En su contenido se </a:t>
+            </a:r>
+            <a:r>
+              <a:rPr lang="es-CO" sz="1600" dirty="0" smtClean="0">
+                <a:solidFill>
+                  <a:srgbClr val="404040"/>
+                </a:solidFill>
+                <a:latin typeface="Calibir"/>
+                <a:ea typeface="Helvetica Neue"/>
+                <a:cs typeface="Calibir"/>
+                <a:sym typeface="Helvetica Neue"/>
+              </a:rPr>
+              <a:t>podrá </a:t>
+            </a:r>
+            <a:r>
+              <a:rPr lang="es-CO" sz="1600" dirty="0">
+                <a:solidFill>
+                  <a:srgbClr val="404040"/>
+                </a:solidFill>
+                <a:latin typeface="Calibir"/>
+                <a:ea typeface="Helvetica Neue"/>
+                <a:cs typeface="Calibir"/>
+                <a:sym typeface="Helvetica Neue"/>
+              </a:rPr>
+              <a:t>conocer los objetivos, justificación y alcance que tendrá el sistema de información</a:t>
+            </a:r>
+            <a:endParaRPr kumimoji="0" lang="es-ES" sz="1600" i="0" u="none" strike="noStrike" cap="none" spc="0" normalizeH="0" baseline="0" dirty="0">
               <a:ln>
                 <a:noFill/>
               </a:ln>
@@ -5820,14 +6795,132 @@
       </p:sp>
       <p:sp>
         <p:nvSpPr>
+          <p:cNvPr id="10" name="CuadroTexto 9"/>
+          <p:cNvSpPr txBox="1"/>
+          <p:nvPr/>
+        </p:nvSpPr>
+        <p:spPr>
+          <a:xfrm>
+            <a:off x="7548833" y="4440062"/>
+            <a:ext cx="1316994" cy="276999"/>
+          </a:xfrm>
+          <a:prstGeom prst="rect">
+            <a:avLst/>
+          </a:prstGeom>
+          <a:noFill/>
+        </p:spPr>
+        <p:txBody>
+          <a:bodyPr wrap="square" rtlCol="0">
+            <a:spAutoFit/>
+          </a:bodyPr>
+          <a:lstStyle/>
+          <a:p>
+            <a:pPr algn="ctr"/>
+            <a:endParaRPr lang="es-ES" sz="1200" b="1" dirty="0">
+              <a:solidFill>
+                <a:schemeClr val="tx1">
+                  <a:lumMod val="75000"/>
+                  <a:lumOff val="25000"/>
+                </a:schemeClr>
+              </a:solidFill>
+            </a:endParaRPr>
+          </a:p>
+        </p:txBody>
+      </p:sp>
+      <p:pic>
+        <p:nvPicPr>
+          <p:cNvPr id="12" name="Imagen 11"/>
+          <p:cNvPicPr>
+            <a:picLocks noChangeAspect="1"/>
+          </p:cNvPicPr>
+          <p:nvPr/>
+        </p:nvPicPr>
+        <p:blipFill>
+          <a:blip r:embed="rId3">
+            <a:extLst>
+              <a:ext uri="{28A0092B-C50C-407E-A947-70E740481C1C}">
+                <a14:useLocalDpi xmlns:a14="http://schemas.microsoft.com/office/drawing/2010/main" val="0"/>
+              </a:ext>
+            </a:extLst>
+          </a:blip>
+          <a:stretch>
+            <a:fillRect/>
+          </a:stretch>
+        </p:blipFill>
+        <p:spPr>
+          <a:xfrm>
+            <a:off x="5180509" y="0"/>
+            <a:ext cx="3963491" cy="5143500"/>
+          </a:xfrm>
+          <a:prstGeom prst="rect">
+            <a:avLst/>
+          </a:prstGeom>
+        </p:spPr>
+      </p:pic>
+      <p:pic>
+        <p:nvPicPr>
+          <p:cNvPr id="4" name="Imagen 3"/>
+          <p:cNvPicPr>
+            <a:picLocks noChangeAspect="1"/>
+          </p:cNvPicPr>
+          <p:nvPr/>
+        </p:nvPicPr>
+        <p:blipFill>
+          <a:blip r:embed="rId4"/>
+          <a:stretch>
+            <a:fillRect/>
+          </a:stretch>
+        </p:blipFill>
+        <p:spPr>
+          <a:xfrm>
+            <a:off x="8270874" y="238073"/>
+            <a:ext cx="608543" cy="592940"/>
+          </a:xfrm>
+          <a:prstGeom prst="rect">
+            <a:avLst/>
+          </a:prstGeom>
+        </p:spPr>
+      </p:pic>
+      <p:pic>
+        <p:nvPicPr>
+          <p:cNvPr id="11" name="Imagen 10"/>
+          <p:cNvPicPr>
+            <a:picLocks noChangeAspect="1"/>
+          </p:cNvPicPr>
+          <p:nvPr/>
+        </p:nvPicPr>
+        <p:blipFill>
+          <a:blip r:embed="rId5">
+            <a:extLst>
+              <a:ext uri="{28A0092B-C50C-407E-A947-70E740481C1C}">
+                <a14:useLocalDpi xmlns:a14="http://schemas.microsoft.com/office/drawing/2010/main" val="0"/>
+              </a:ext>
+            </a:extLst>
+          </a:blip>
+          <a:stretch>
+            <a:fillRect/>
+          </a:stretch>
+        </p:blipFill>
+        <p:spPr>
+          <a:xfrm>
+            <a:off x="7601190" y="3831336"/>
+            <a:ext cx="1236536" cy="1236536"/>
+          </a:xfrm>
+          <a:prstGeom prst="ellipse">
+            <a:avLst/>
+          </a:prstGeom>
+        </p:spPr>
+      </p:pic>
+      <p:sp>
+        <p:nvSpPr>
           <p:cNvPr id="8" name="Rectángulo 7"/>
           <p:cNvSpPr/>
           <p:nvPr/>
         </p:nvSpPr>
         <p:spPr>
           <a:xfrm>
-            <a:off x="7560961" y="4302549"/>
-            <a:ext cx="1316995" cy="564476"/>
+            <a:off x="7560962" y="3755708"/>
+            <a:ext cx="1304866" cy="1387792"/>
           </a:xfrm>
           <a:prstGeom prst="rect">
             <a:avLst/>
@@ -5863,51 +6956,6 @@
           <a:p>
             <a:pPr algn="ctr"/>
             <a:endParaRPr lang="es-ES"/>
-          </a:p>
-        </p:txBody>
-      </p:sp>
-      <p:sp>
-        <p:nvSpPr>
-          <p:cNvPr id="9" name="CuadroTexto 8"/>
-          <p:cNvSpPr txBox="1"/>
-          <p:nvPr/>
-        </p:nvSpPr>
-        <p:spPr>
-          <a:xfrm>
-            <a:off x="7560961" y="4440062"/>
-            <a:ext cx="1316994" cy="276999"/>
-          </a:xfrm>
-          <a:prstGeom prst="rect">
-            <a:avLst/>
-          </a:prstGeom>
-          <a:noFill/>
-        </p:spPr>
-        <p:txBody>
-          <a:bodyPr wrap="square" rtlCol="0">
-            <a:spAutoFit/>
-          </a:bodyPr>
-          <a:lstStyle/>
-          <a:p>
-            <a:pPr algn="ctr"/>
-            <a:r>
-              <a:rPr lang="es-ES" sz="1200" b="1" dirty="0" smtClean="0">
-                <a:solidFill>
-                  <a:schemeClr val="tx1">
-                    <a:lumMod val="75000"/>
-                    <a:lumOff val="25000"/>
-                  </a:schemeClr>
-                </a:solidFill>
-              </a:rPr>
-              <a:t>Logo Sistema</a:t>
-            </a:r>
-            <a:endParaRPr lang="es-ES" sz="1200" b="1" dirty="0">
-              <a:solidFill>
-                <a:schemeClr val="tx1">
-                  <a:lumMod val="75000"/>
-                  <a:lumOff val="25000"/>
-                </a:schemeClr>
-              </a:solidFill>
-            </a:endParaRPr>
           </a:p>
         </p:txBody>
       </p:sp>
@@ -5950,23 +6998,164 @@
       </p:grpSpPr>
       <p:sp>
         <p:nvSpPr>
-          <p:cNvPr id="6" name="Rectángulo 5"/>
-          <p:cNvSpPr/>
+          <p:cNvPr id="8" name="CuadroTexto 7"/>
+          <p:cNvSpPr txBox="1"/>
           <p:nvPr/>
         </p:nvSpPr>
         <p:spPr>
           <a:xfrm>
-            <a:off x="7560961" y="4302549"/>
-            <a:ext cx="1316995" cy="564476"/>
+            <a:off x="1190968" y="1079758"/>
+            <a:ext cx="3456533" cy="830997"/>
           </a:xfrm>
           <a:prstGeom prst="rect">
             <a:avLst/>
           </a:prstGeom>
           <a:noFill/>
+        </p:spPr>
+        <p:txBody>
+          <a:bodyPr wrap="square" rtlCol="0">
+            <a:spAutoFit/>
+          </a:bodyPr>
+          <a:lstStyle/>
+          <a:p>
+            <a:r>
+              <a:rPr lang="es-ES" sz="4800" b="1" dirty="0" smtClean="0">
+                <a:solidFill>
+                  <a:srgbClr val="FFFFFF"/>
+                </a:solidFill>
+              </a:rPr>
+              <a:t>CONTENIDO</a:t>
+            </a:r>
+            <a:endParaRPr lang="es-ES" sz="4800" b="1" dirty="0">
+              <a:solidFill>
+                <a:srgbClr val="FFFFFF"/>
+              </a:solidFill>
+            </a:endParaRPr>
+          </a:p>
+        </p:txBody>
+      </p:sp>
+      <p:sp>
+        <p:nvSpPr>
+          <p:cNvPr id="9" name="CuadroTexto 8"/>
+          <p:cNvSpPr txBox="1"/>
+          <p:nvPr/>
+        </p:nvSpPr>
+        <p:spPr>
+          <a:xfrm>
+            <a:off x="1518139" y="2133271"/>
+            <a:ext cx="3456533" cy="1477328"/>
+          </a:xfrm>
+          <a:prstGeom prst="rect">
+            <a:avLst/>
+          </a:prstGeom>
+          <a:noFill/>
+        </p:spPr>
+        <p:txBody>
+          <a:bodyPr wrap="square" rtlCol="0">
+            <a:spAutoFit/>
+          </a:bodyPr>
+          <a:lstStyle/>
+          <a:p>
+            <a:r>
+              <a:rPr lang="es-ES" b="1" dirty="0" smtClean="0">
+                <a:solidFill>
+                  <a:srgbClr val="FFFFFF"/>
+                </a:solidFill>
+                <a:hlinkClick r:id="rId2" action="ppaction://hlinksldjump"/>
+              </a:rPr>
+              <a:t>Problema</a:t>
+            </a:r>
+            <a:endParaRPr lang="es-ES" b="1" dirty="0" smtClean="0">
+              <a:solidFill>
+                <a:srgbClr val="FFFFFF"/>
+              </a:solidFill>
+            </a:endParaRPr>
+          </a:p>
+          <a:p>
+            <a:r>
+              <a:rPr lang="es-ES" b="1" dirty="0" smtClean="0">
+                <a:solidFill>
+                  <a:srgbClr val="FFFFFF"/>
+                </a:solidFill>
+                <a:hlinkClick r:id="rId3" action="ppaction://hlinksldjump"/>
+              </a:rPr>
+              <a:t>Objetivos</a:t>
+            </a:r>
+            <a:endParaRPr lang="es-ES" b="1" dirty="0" smtClean="0">
+              <a:solidFill>
+                <a:srgbClr val="FFFFFF"/>
+              </a:solidFill>
+            </a:endParaRPr>
+          </a:p>
+          <a:p>
+            <a:r>
+              <a:rPr lang="es-ES" b="1" dirty="0" smtClean="0">
+                <a:solidFill>
+                  <a:srgbClr val="FFFFFF"/>
+                </a:solidFill>
+                <a:hlinkClick r:id="rId4" action="ppaction://hlinksldjump"/>
+              </a:rPr>
+              <a:t>Justificación</a:t>
+            </a:r>
+            <a:endParaRPr lang="es-ES" b="1" dirty="0" smtClean="0">
+              <a:solidFill>
+                <a:srgbClr val="FFFFFF"/>
+              </a:solidFill>
+            </a:endParaRPr>
+          </a:p>
+          <a:p>
+            <a:r>
+              <a:rPr lang="es-ES" b="1" smtClean="0">
+                <a:solidFill>
+                  <a:srgbClr val="FFFFFF"/>
+                </a:solidFill>
+                <a:hlinkClick r:id="rId5" action="ppaction://hlinksldjump"/>
+              </a:rPr>
+              <a:t>Alcance</a:t>
+            </a:r>
+            <a:endParaRPr lang="es-ES" b="1" dirty="0" smtClean="0">
+              <a:solidFill>
+                <a:srgbClr val="FFFFFF"/>
+              </a:solidFill>
+            </a:endParaRPr>
+          </a:p>
+          <a:p>
+            <a:r>
+              <a:rPr lang="es-ES" b="1" dirty="0" smtClean="0">
+                <a:solidFill>
+                  <a:srgbClr val="FFFFFF"/>
+                </a:solidFill>
+                <a:hlinkClick r:id="rId6" action="ppaction://hlinksldjump"/>
+              </a:rPr>
+              <a:t>Entregables Trimestre</a:t>
+            </a:r>
+            <a:endParaRPr lang="es-ES" b="1" dirty="0">
+              <a:solidFill>
+                <a:srgbClr val="FFFFFF"/>
+              </a:solidFill>
+            </a:endParaRPr>
+          </a:p>
+        </p:txBody>
+      </p:sp>
+      <p:sp>
+        <p:nvSpPr>
+          <p:cNvPr id="10" name="Rectángulo 9"/>
+          <p:cNvSpPr/>
+          <p:nvPr/>
+        </p:nvSpPr>
+        <p:spPr>
+          <a:xfrm>
+            <a:off x="1278552" y="1981190"/>
+            <a:ext cx="718487" cy="45719"/>
+          </a:xfrm>
+          <a:prstGeom prst="rect">
+            <a:avLst/>
+          </a:prstGeom>
+          <a:solidFill>
+            <a:schemeClr val="bg1"/>
+          </a:solidFill>
           <a:ln>
-            <a:solidFill>
-              <a:schemeClr val="bg1"/>
-            </a:solidFill>
+            <a:noFill/>
           </a:ln>
           <a:effectLst/>
         </p:spPr>
@@ -5997,283 +7186,36 @@
           </a:p>
         </p:txBody>
       </p:sp>
-      <p:sp>
-        <p:nvSpPr>
-          <p:cNvPr id="7" name="CuadroTexto 6"/>
-          <p:cNvSpPr txBox="1"/>
+      <p:pic>
+        <p:nvPicPr>
+          <p:cNvPr id="2" name="Imagen 1"/>
+          <p:cNvPicPr>
+            <a:picLocks noChangeAspect="1"/>
+          </p:cNvPicPr>
           <p:nvPr/>
-        </p:nvSpPr>
-        <p:spPr>
-          <a:xfrm>
-            <a:off x="7560961" y="4440062"/>
-            <a:ext cx="1316994" cy="276999"/>
+        </p:nvPicPr>
+        <p:blipFill>
+          <a:blip r:embed="rId7">
+            <a:extLst>
+              <a:ext uri="{28A0092B-C50C-407E-A947-70E740481C1C}">
+                <a14:useLocalDpi xmlns:a14="http://schemas.microsoft.com/office/drawing/2010/main" val="0"/>
+              </a:ext>
+            </a:extLst>
+          </a:blip>
+          <a:stretch>
+            <a:fillRect/>
+          </a:stretch>
+        </p:blipFill>
+        <p:spPr>
+          <a:xfrm>
+            <a:off x="5417497" y="1527295"/>
+            <a:ext cx="2276475" cy="2276475"/>
           </a:xfrm>
           <a:prstGeom prst="rect">
             <a:avLst/>
           </a:prstGeom>
-          <a:noFill/>
-          <a:ln>
-            <a:noFill/>
-          </a:ln>
-        </p:spPr>
-        <p:txBody>
-          <a:bodyPr wrap="square" rtlCol="0">
-            <a:spAutoFit/>
-          </a:bodyPr>
-          <a:lstStyle/>
-          <a:p>
-            <a:pPr algn="ctr"/>
-            <a:r>
-              <a:rPr lang="es-ES" sz="1200" b="1" dirty="0" smtClean="0">
-                <a:solidFill>
-                  <a:srgbClr val="FFFFFF"/>
-                </a:solidFill>
-              </a:rPr>
-              <a:t>Marca externa</a:t>
-            </a:r>
-            <a:endParaRPr lang="es-ES" sz="1200" b="1" dirty="0">
-              <a:solidFill>
-                <a:srgbClr val="FFFFFF"/>
-              </a:solidFill>
-            </a:endParaRPr>
-          </a:p>
-        </p:txBody>
-      </p:sp>
-      <p:sp>
-        <p:nvSpPr>
-          <p:cNvPr id="8" name="CuadroTexto 7"/>
-          <p:cNvSpPr txBox="1"/>
-          <p:nvPr/>
-        </p:nvSpPr>
-        <p:spPr>
-          <a:xfrm>
-            <a:off x="1190968" y="1079758"/>
-            <a:ext cx="3456533" cy="830997"/>
-          </a:xfrm>
-          <a:prstGeom prst="rect">
-            <a:avLst/>
-          </a:prstGeom>
-          <a:noFill/>
-        </p:spPr>
-        <p:txBody>
-          <a:bodyPr wrap="square" rtlCol="0">
-            <a:spAutoFit/>
-          </a:bodyPr>
-          <a:lstStyle/>
-          <a:p>
-            <a:r>
-              <a:rPr lang="es-ES" sz="4800" b="1" dirty="0" smtClean="0">
-                <a:solidFill>
-                  <a:srgbClr val="FFFFFF"/>
-                </a:solidFill>
-              </a:rPr>
-              <a:t>CONTENIDO</a:t>
-            </a:r>
-            <a:endParaRPr lang="es-ES" sz="4800" b="1" dirty="0">
-              <a:solidFill>
-                <a:srgbClr val="FFFFFF"/>
-              </a:solidFill>
-            </a:endParaRPr>
-          </a:p>
-        </p:txBody>
-      </p:sp>
-      <p:sp>
-        <p:nvSpPr>
-          <p:cNvPr id="9" name="CuadroTexto 8"/>
-          <p:cNvSpPr txBox="1"/>
-          <p:nvPr/>
-        </p:nvSpPr>
-        <p:spPr>
-          <a:xfrm>
-            <a:off x="1518139" y="2133271"/>
-            <a:ext cx="3456533" cy="1477328"/>
-          </a:xfrm>
-          <a:prstGeom prst="rect">
-            <a:avLst/>
-          </a:prstGeom>
-          <a:noFill/>
-        </p:spPr>
-        <p:txBody>
-          <a:bodyPr wrap="square" rtlCol="0">
-            <a:spAutoFit/>
-          </a:bodyPr>
-          <a:lstStyle/>
-          <a:p>
-            <a:r>
-              <a:rPr lang="es-ES" b="1" dirty="0" smtClean="0">
-                <a:solidFill>
-                  <a:srgbClr val="FFFFFF"/>
-                </a:solidFill>
-                <a:hlinkClick r:id="rId2" action="ppaction://hlinksldjump"/>
-              </a:rPr>
-              <a:t>Problema</a:t>
-            </a:r>
-            <a:endParaRPr lang="es-ES" b="1" dirty="0" smtClean="0">
-              <a:solidFill>
-                <a:srgbClr val="FFFFFF"/>
-              </a:solidFill>
-            </a:endParaRPr>
-          </a:p>
-          <a:p>
-            <a:r>
-              <a:rPr lang="es-ES" b="1" dirty="0" smtClean="0">
-                <a:solidFill>
-                  <a:srgbClr val="FFFFFF"/>
-                </a:solidFill>
-                <a:hlinkClick r:id="rId3" action="ppaction://hlinksldjump"/>
-              </a:rPr>
-              <a:t>Objetivos</a:t>
-            </a:r>
-            <a:endParaRPr lang="es-ES" b="1" dirty="0" smtClean="0">
-              <a:solidFill>
-                <a:srgbClr val="FFFFFF"/>
-              </a:solidFill>
-            </a:endParaRPr>
-          </a:p>
-          <a:p>
-            <a:r>
-              <a:rPr lang="es-ES" b="1" dirty="0" smtClean="0">
-                <a:solidFill>
-                  <a:srgbClr val="FFFFFF"/>
-                </a:solidFill>
-                <a:hlinkClick r:id="rId4" action="ppaction://hlinksldjump"/>
-              </a:rPr>
-              <a:t>Justificación</a:t>
-            </a:r>
-            <a:endParaRPr lang="es-ES" b="1" dirty="0" smtClean="0">
-              <a:solidFill>
-                <a:srgbClr val="FFFFFF"/>
-              </a:solidFill>
-            </a:endParaRPr>
-          </a:p>
-          <a:p>
-            <a:r>
-              <a:rPr lang="es-ES" b="1" smtClean="0">
-                <a:solidFill>
-                  <a:srgbClr val="FFFFFF"/>
-                </a:solidFill>
-                <a:hlinkClick r:id="rId5" action="ppaction://hlinksldjump"/>
-              </a:rPr>
-              <a:t>Alcance</a:t>
-            </a:r>
-            <a:endParaRPr lang="es-ES" b="1" dirty="0" smtClean="0">
-              <a:solidFill>
-                <a:srgbClr val="FFFFFF"/>
-              </a:solidFill>
-            </a:endParaRPr>
-          </a:p>
-          <a:p>
-            <a:r>
-              <a:rPr lang="es-ES" b="1" dirty="0" smtClean="0">
-                <a:solidFill>
-                  <a:srgbClr val="FFFFFF"/>
-                </a:solidFill>
-                <a:hlinkClick r:id="rId6" action="ppaction://hlinksldjump"/>
-              </a:rPr>
-              <a:t>Entregables Trimestre</a:t>
-            </a:r>
-            <a:endParaRPr lang="es-ES" b="1" dirty="0">
-              <a:solidFill>
-                <a:srgbClr val="FFFFFF"/>
-              </a:solidFill>
-            </a:endParaRPr>
-          </a:p>
-        </p:txBody>
-      </p:sp>
-      <p:sp>
-        <p:nvSpPr>
-          <p:cNvPr id="10" name="Rectángulo 9"/>
-          <p:cNvSpPr/>
-          <p:nvPr/>
-        </p:nvSpPr>
-        <p:spPr>
-          <a:xfrm>
-            <a:off x="1278552" y="1981190"/>
-            <a:ext cx="718487" cy="45719"/>
-          </a:xfrm>
-          <a:prstGeom prst="rect">
-            <a:avLst/>
-          </a:prstGeom>
-          <a:solidFill>
-            <a:schemeClr val="bg1"/>
-          </a:solidFill>
-          <a:ln>
-            <a:noFill/>
-          </a:ln>
-          <a:effectLst/>
-        </p:spPr>
-        <p:style>
-          <a:lnRef idx="1">
-            <a:schemeClr val="accent1"/>
-          </a:lnRef>
-          <a:fillRef idx="3">
-            <a:schemeClr val="accent1"/>
-          </a:fillRef>
-          <a:effectRef idx="2">
-            <a:schemeClr val="accent1"/>
-          </a:effectRef>
-          <a:fontRef idx="minor">
-            <a:schemeClr val="lt1"/>
-          </a:fontRef>
-        </p:style>
-        <p:txBody>
-          <a:bodyPr rtlCol="0" anchor="ctr"/>
-          <a:lstStyle/>
-          <a:p>
-            <a:pPr algn="ctr"/>
-            <a:endParaRPr lang="es-ES">
-              <a:solidFill>
-                <a:srgbClr val="FFFFFF"/>
-              </a:solidFill>
-            </a:endParaRPr>
-          </a:p>
-        </p:txBody>
-      </p:sp>
-      <p:sp>
-        <p:nvSpPr>
-          <p:cNvPr id="12" name="CuadroTexto 11"/>
-          <p:cNvSpPr txBox="1"/>
-          <p:nvPr/>
-        </p:nvSpPr>
-        <p:spPr>
-          <a:xfrm>
-            <a:off x="5326486" y="1925781"/>
-            <a:ext cx="2458498" cy="1569660"/>
-          </a:xfrm>
-          <a:prstGeom prst="rect">
-            <a:avLst/>
-          </a:prstGeom>
-          <a:noFill/>
-          <a:ln>
-            <a:solidFill>
-              <a:schemeClr val="tx1">
-                <a:lumMod val="75000"/>
-                <a:lumOff val="25000"/>
-              </a:schemeClr>
-            </a:solidFill>
-          </a:ln>
-        </p:spPr>
-        <p:txBody>
-          <a:bodyPr wrap="square" rtlCol="0">
-            <a:spAutoFit/>
-          </a:bodyPr>
-          <a:lstStyle/>
-          <a:p>
-            <a:pPr algn="ctr"/>
-            <a:r>
-              <a:rPr lang="es-ES" sz="2400" b="1" dirty="0" smtClean="0">
-                <a:solidFill>
-                  <a:schemeClr val="tx1">
-                    <a:lumMod val="75000"/>
-                    <a:lumOff val="25000"/>
-                  </a:schemeClr>
-                </a:solidFill>
-              </a:rPr>
-              <a:t>Logo Sistema.png o cualquier imagen alusiva al Sector</a:t>
-            </a:r>
-          </a:p>
-        </p:txBody>
-      </p:sp>
+        </p:spPr>
+      </p:pic>
     </p:spTree>
     <p:extLst>
       <p:ext uri="{BB962C8B-B14F-4D97-AF65-F5344CB8AC3E}">
@@ -6363,8 +7305,8 @@
         </p:nvSpPr>
         <p:spPr>
           <a:xfrm>
-            <a:off x="3492771" y="2692065"/>
-            <a:ext cx="2389387" cy="646331"/>
+            <a:off x="2059805" y="2692065"/>
+            <a:ext cx="5460925" cy="2031325"/>
           </a:xfrm>
           <a:prstGeom prst="rect">
             <a:avLst/>
@@ -6378,29 +7320,40 @@
           <a:lstStyle/>
           <a:p>
             <a:r>
-              <a:rPr lang="es-ES" dirty="0" smtClean="0">
-                <a:solidFill>
-                  <a:schemeClr val="tx1">
-                    <a:lumMod val="75000"/>
-                    <a:lumOff val="25000"/>
-                  </a:schemeClr>
-                </a:solidFill>
-              </a:rPr>
-              <a:t>Texto corto descriptivo</a:t>
-            </a:r>
-          </a:p>
-          <a:p>
-            <a:r>
-              <a:rPr lang="es-ES" dirty="0" smtClean="0">
-                <a:solidFill>
-                  <a:schemeClr val="tx1">
-                    <a:lumMod val="75000"/>
-                    <a:lumOff val="25000"/>
-                  </a:schemeClr>
-                </a:solidFill>
-              </a:rPr>
-              <a:t>a 2 o 3 líneas</a:t>
-            </a:r>
+              <a:rPr lang="es-CO" dirty="0"/>
+              <a:t>S</a:t>
+            </a:r>
+            <a:r>
+              <a:rPr lang="es-CO" dirty="0" smtClean="0"/>
+              <a:t>e </a:t>
+            </a:r>
+            <a:r>
+              <a:rPr lang="es-CO" dirty="0"/>
+              <a:t>crea la necesidad de llevar un control del inventario </a:t>
+            </a:r>
+            <a:r>
+              <a:rPr lang="es-CO" dirty="0" smtClean="0"/>
+              <a:t>en ISAPHONE para </a:t>
+            </a:r>
+            <a:r>
+              <a:rPr lang="es-CO" dirty="0"/>
+              <a:t>así saber que productos hay en existencias y también poder hacer solicitud de los productos faltantes en el momento adecuado. </a:t>
+            </a:r>
+          </a:p>
+          <a:p>
+            <a:r>
+              <a:rPr lang="es-CO" dirty="0"/>
+              <a:t> </a:t>
+            </a:r>
+          </a:p>
+          <a:p>
+            <a:r>
+              <a:rPr lang="es-CO" dirty="0"/>
+              <a:t/>
+            </a:r>
+            <a:br>
+              <a:rPr lang="es-CO" dirty="0"/>
+            </a:br>
             <a:endParaRPr lang="es-ES" dirty="0">
               <a:solidFill>
                 <a:schemeClr val="tx1">
@@ -6459,28 +7412,24 @@
       </p:sp>
       <p:sp>
         <p:nvSpPr>
-          <p:cNvPr id="6" name="Rectángulo 5"/>
+          <p:cNvPr id="2" name="Rectángulo 1">
+            <a:hlinkClick r:id="rId2" action="ppaction://hlinksldjump"/>
+          </p:cNvPr>
           <p:cNvSpPr/>
           <p:nvPr/>
         </p:nvSpPr>
         <p:spPr>
           <a:xfrm>
-            <a:off x="7560961" y="4302549"/>
-            <a:ext cx="1316995" cy="564476"/>
+            <a:off x="8212822" y="192947"/>
+            <a:ext cx="746620" cy="679508"/>
           </a:xfrm>
           <a:prstGeom prst="rect">
             <a:avLst/>
           </a:prstGeom>
           <a:noFill/>
           <a:ln>
-            <a:solidFill>
-              <a:schemeClr val="tx1">
-                <a:lumMod val="75000"/>
-                <a:lumOff val="25000"/>
-              </a:schemeClr>
-            </a:solidFill>
+            <a:noFill/>
           </a:ln>
-          <a:effectLst/>
         </p:spPr>
         <p:style>
           <a:lnRef idx="1">
@@ -6501,99 +7450,40 @@
           <a:lstStyle/>
           <a:p>
             <a:pPr algn="ctr"/>
-            <a:endParaRPr lang="es-ES"/>
-          </a:p>
-        </p:txBody>
-      </p:sp>
-      <p:sp>
-        <p:nvSpPr>
-          <p:cNvPr id="7" name="CuadroTexto 6"/>
-          <p:cNvSpPr txBox="1"/>
+            <a:endParaRPr lang="es-CO"/>
+          </a:p>
+        </p:txBody>
+      </p:sp>
+      <p:pic>
+        <p:nvPicPr>
+          <p:cNvPr id="11" name="Imagen 10"/>
+          <p:cNvPicPr>
+            <a:picLocks noChangeAspect="1"/>
+          </p:cNvPicPr>
           <p:nvPr/>
-        </p:nvSpPr>
-        <p:spPr>
-          <a:xfrm>
-            <a:off x="7560961" y="4440062"/>
-            <a:ext cx="1316994" cy="276999"/>
-          </a:xfrm>
-          <a:prstGeom prst="rect">
+        </p:nvPicPr>
+        <p:blipFill>
+          <a:blip r:embed="rId3">
+            <a:extLst>
+              <a:ext uri="{28A0092B-C50C-407E-A947-70E740481C1C}">
+                <a14:useLocalDpi xmlns:a14="http://schemas.microsoft.com/office/drawing/2010/main" val="0"/>
+              </a:ext>
+            </a:extLst>
+          </a:blip>
+          <a:stretch>
+            <a:fillRect/>
+          </a:stretch>
+        </p:blipFill>
+        <p:spPr>
+          <a:xfrm>
+            <a:off x="7601190" y="3831336"/>
+            <a:ext cx="1236536" cy="1236536"/>
+          </a:xfrm>
+          <a:prstGeom prst="ellipse">
             <a:avLst/>
           </a:prstGeom>
-          <a:noFill/>
-        </p:spPr>
-        <p:txBody>
-          <a:bodyPr wrap="square" rtlCol="0">
-            <a:spAutoFit/>
-          </a:bodyPr>
-          <a:lstStyle/>
-          <a:p>
-            <a:pPr algn="ctr"/>
-            <a:r>
-              <a:rPr lang="es-ES" sz="1200" b="1" dirty="0" smtClean="0">
-                <a:solidFill>
-                  <a:schemeClr val="tx1">
-                    <a:lumMod val="75000"/>
-                    <a:lumOff val="25000"/>
-                  </a:schemeClr>
-                </a:solidFill>
-              </a:rPr>
-              <a:t>Logo Sistema</a:t>
-            </a:r>
-            <a:endParaRPr lang="es-ES" sz="1200" b="1" dirty="0">
-              <a:solidFill>
-                <a:schemeClr val="tx1">
-                  <a:lumMod val="75000"/>
-                  <a:lumOff val="25000"/>
-                </a:schemeClr>
-              </a:solidFill>
-            </a:endParaRPr>
-          </a:p>
-        </p:txBody>
-      </p:sp>
-      <p:sp>
-        <p:nvSpPr>
-          <p:cNvPr id="2" name="Rectángulo 1">
-            <a:hlinkClick r:id="rId2" action="ppaction://hlinksldjump"/>
-          </p:cNvPr>
-          <p:cNvSpPr/>
-          <p:nvPr/>
-        </p:nvSpPr>
-        <p:spPr>
-          <a:xfrm>
-            <a:off x="8212822" y="192947"/>
-            <a:ext cx="746620" cy="679508"/>
-          </a:xfrm>
-          <a:prstGeom prst="rect">
-            <a:avLst/>
-          </a:prstGeom>
-          <a:noFill/>
-          <a:ln>
-            <a:noFill/>
-          </a:ln>
-        </p:spPr>
-        <p:style>
-          <a:lnRef idx="1">
-            <a:schemeClr val="accent1"/>
-          </a:lnRef>
-          <a:fillRef idx="3">
-            <a:schemeClr val="accent1"/>
-          </a:fillRef>
-          <a:effectRef idx="2">
-            <a:schemeClr val="accent1"/>
-          </a:effectRef>
-          <a:fontRef idx="minor">
-            <a:schemeClr val="lt1"/>
-          </a:fontRef>
-        </p:style>
-        <p:txBody>
-          <a:bodyPr rtlCol="0" anchor="ctr"/>
-          <a:lstStyle/>
-          <a:p>
-            <a:pPr algn="ctr"/>
-            <a:endParaRPr lang="es-CO"/>
-          </a:p>
-        </p:txBody>
-      </p:sp>
+        </p:spPr>
+      </p:pic>
     </p:spTree>
     <p:extLst>
       <p:ext uri="{BB962C8B-B14F-4D97-AF65-F5344CB8AC3E}">
@@ -6671,28 +7561,82 @@
       </p:sp>
       <p:sp>
         <p:nvSpPr>
-          <p:cNvPr id="3" name="Rectángulo 2"/>
+          <p:cNvPr id="5" name="Rectángulo 4"/>
           <p:cNvSpPr/>
           <p:nvPr/>
         </p:nvSpPr>
         <p:spPr>
           <a:xfrm>
-            <a:off x="7560961" y="4302549"/>
-            <a:ext cx="1316995" cy="564476"/>
+            <a:off x="221381" y="2022225"/>
+            <a:ext cx="8738061" cy="1569660"/>
+          </a:xfrm>
+          <a:prstGeom prst="rect">
+            <a:avLst/>
+          </a:prstGeom>
+        </p:spPr>
+        <p:txBody>
+          <a:bodyPr wrap="square">
+            <a:spAutoFit/>
+          </a:bodyPr>
+          <a:lstStyle/>
+          <a:p>
+            <a:endParaRPr lang="es-ES" sz="1600" dirty="0" smtClean="0">
+              <a:solidFill>
+                <a:schemeClr val="tx1">
+                  <a:lumMod val="75000"/>
+                  <a:lumOff val="25000"/>
+                </a:schemeClr>
+              </a:solidFill>
+            </a:endParaRPr>
+          </a:p>
+          <a:p>
+            <a:pPr marL="285750" indent="-285750">
+              <a:buFont typeface="Arial" panose="020B0604020202020204" pitchFamily="34" charset="0"/>
+              <a:buChar char="•"/>
+            </a:pPr>
+            <a:r>
+              <a:rPr lang="es-CO" sz="1600" dirty="0"/>
+              <a:t>ISAPHONE es una microempresa ubicada en Manhattan- Calle 9 bis No 19A - 38, que se encarga de la venta de accesorios de teléfonos móviles y de diferentes componentes para las </a:t>
+            </a:r>
+            <a:r>
+              <a:rPr lang="es-CO" sz="1600" dirty="0" smtClean="0"/>
+              <a:t>computadoras. </a:t>
+            </a:r>
+            <a:r>
+              <a:rPr lang="es-CO" sz="1600" dirty="0"/>
+              <a:t>Para los procesos de venta de productos, la recepción de mercancía y realización de inventario, la microempresa no cuenta con una plataforma que organice y almacene la información y esto genera que no se pueda controlar de forma adecuada los procesos. </a:t>
+            </a:r>
+            <a:endParaRPr lang="es-ES_tradnl" sz="1600" dirty="0" smtClean="0">
+              <a:solidFill>
+                <a:schemeClr val="tx1">
+                  <a:lumMod val="75000"/>
+                  <a:lumOff val="25000"/>
+                </a:schemeClr>
+              </a:solidFill>
+            </a:endParaRPr>
+          </a:p>
+        </p:txBody>
+      </p:sp>
+      <p:sp>
+        <p:nvSpPr>
+          <p:cNvPr id="6" name="Rectángulo 5">
+            <a:hlinkClick r:id="rId2" action="ppaction://hlinksldjump"/>
+          </p:cNvPr>
+          <p:cNvSpPr/>
+          <p:nvPr/>
+        </p:nvSpPr>
+        <p:spPr>
+          <a:xfrm>
+            <a:off x="8212822" y="192947"/>
+            <a:ext cx="746620" cy="679508"/>
           </a:xfrm>
           <a:prstGeom prst="rect">
             <a:avLst/>
           </a:prstGeom>
           <a:noFill/>
           <a:ln>
-            <a:solidFill>
-              <a:schemeClr val="tx1">
-                <a:lumMod val="75000"/>
-                <a:lumOff val="25000"/>
-              </a:schemeClr>
-            </a:solidFill>
+            <a:noFill/>
           </a:ln>
-          <a:effectLst/>
         </p:spPr>
         <p:style>
           <a:lnRef idx="1">
@@ -6713,339 +7657,40 @@
           <a:lstStyle/>
           <a:p>
             <a:pPr algn="ctr"/>
-            <a:endParaRPr lang="es-ES"/>
-          </a:p>
-        </p:txBody>
-      </p:sp>
-      <p:sp>
-        <p:nvSpPr>
-          <p:cNvPr id="4" name="CuadroTexto 3"/>
-          <p:cNvSpPr txBox="1"/>
+            <a:endParaRPr lang="es-CO"/>
+          </a:p>
+        </p:txBody>
+      </p:sp>
+      <p:pic>
+        <p:nvPicPr>
+          <p:cNvPr id="7" name="Imagen 6"/>
+          <p:cNvPicPr>
+            <a:picLocks noChangeAspect="1"/>
+          </p:cNvPicPr>
           <p:nvPr/>
-        </p:nvSpPr>
-        <p:spPr>
-          <a:xfrm>
-            <a:off x="7560961" y="4440062"/>
-            <a:ext cx="1316994" cy="276999"/>
-          </a:xfrm>
-          <a:prstGeom prst="rect">
+        </p:nvPicPr>
+        <p:blipFill>
+          <a:blip r:embed="rId3">
+            <a:extLst>
+              <a:ext uri="{28A0092B-C50C-407E-A947-70E740481C1C}">
+                <a14:useLocalDpi xmlns:a14="http://schemas.microsoft.com/office/drawing/2010/main" val="0"/>
+              </a:ext>
+            </a:extLst>
+          </a:blip>
+          <a:stretch>
+            <a:fillRect/>
+          </a:stretch>
+        </p:blipFill>
+        <p:spPr>
+          <a:xfrm>
+            <a:off x="7601190" y="3831336"/>
+            <a:ext cx="1236536" cy="1236536"/>
+          </a:xfrm>
+          <a:prstGeom prst="ellipse">
             <a:avLst/>
           </a:prstGeom>
-          <a:noFill/>
-        </p:spPr>
-        <p:txBody>
-          <a:bodyPr wrap="square" rtlCol="0">
-            <a:spAutoFit/>
-          </a:bodyPr>
-          <a:lstStyle/>
-          <a:p>
-            <a:pPr algn="ctr"/>
-            <a:r>
-              <a:rPr lang="es-ES" sz="1200" b="1" dirty="0" smtClean="0">
-                <a:solidFill>
-                  <a:schemeClr val="tx1">
-                    <a:lumMod val="75000"/>
-                    <a:lumOff val="25000"/>
-                  </a:schemeClr>
-                </a:solidFill>
-              </a:rPr>
-              <a:t>Marca externa</a:t>
-            </a:r>
-            <a:endParaRPr lang="es-ES" sz="1200" b="1" dirty="0">
-              <a:solidFill>
-                <a:schemeClr val="tx1">
-                  <a:lumMod val="75000"/>
-                  <a:lumOff val="25000"/>
-                </a:schemeClr>
-              </a:solidFill>
-            </a:endParaRPr>
-          </a:p>
-        </p:txBody>
-      </p:sp>
-      <p:sp>
-        <p:nvSpPr>
-          <p:cNvPr id="5" name="Rectángulo 4"/>
-          <p:cNvSpPr/>
-          <p:nvPr/>
-        </p:nvSpPr>
-        <p:spPr>
-          <a:xfrm>
-            <a:off x="382868" y="1232954"/>
-            <a:ext cx="8308126" cy="2800767"/>
-          </a:xfrm>
-          <a:prstGeom prst="rect">
-            <a:avLst/>
-          </a:prstGeom>
-        </p:spPr>
-        <p:txBody>
-          <a:bodyPr wrap="square">
-            <a:spAutoFit/>
-          </a:bodyPr>
-          <a:lstStyle/>
-          <a:p>
-            <a:r>
-              <a:rPr lang="es-ES" sz="1600" dirty="0">
-                <a:solidFill>
-                  <a:schemeClr val="tx1">
-                    <a:lumMod val="75000"/>
-                    <a:lumOff val="25000"/>
-                  </a:schemeClr>
-                </a:solidFill>
-              </a:rPr>
-              <a:t>S</a:t>
-            </a:r>
-            <a:r>
-              <a:rPr lang="es-ES" sz="1600" dirty="0" smtClean="0">
-                <a:solidFill>
-                  <a:schemeClr val="tx1">
-                    <a:lumMod val="75000"/>
-                    <a:lumOff val="25000"/>
-                  </a:schemeClr>
-                </a:solidFill>
-              </a:rPr>
-              <a:t>e describe en párrafos (no viñetas ni numeración) y debe evidenciar lo siguiente:</a:t>
-            </a:r>
-          </a:p>
-          <a:p>
-            <a:endParaRPr lang="es-ES" sz="1600" dirty="0" smtClean="0">
-              <a:solidFill>
-                <a:schemeClr val="tx1">
-                  <a:lumMod val="75000"/>
-                  <a:lumOff val="25000"/>
-                </a:schemeClr>
-              </a:solidFill>
-            </a:endParaRPr>
-          </a:p>
-          <a:p>
-            <a:pPr marL="285750" indent="-285750">
-              <a:buFont typeface="Arial" panose="020B0604020202020204" pitchFamily="34" charset="0"/>
-              <a:buChar char="•"/>
-            </a:pPr>
-            <a:r>
-              <a:rPr lang="es-ES" sz="1600" b="1" dirty="0" smtClean="0">
-                <a:solidFill>
-                  <a:schemeClr val="tx1">
-                    <a:lumMod val="75000"/>
-                    <a:lumOff val="25000"/>
-                  </a:schemeClr>
-                </a:solidFill>
-              </a:rPr>
-              <a:t>Empresa: </a:t>
-            </a:r>
-            <a:r>
-              <a:rPr lang="es-ES" sz="1600" dirty="0" smtClean="0">
-                <a:solidFill>
-                  <a:schemeClr val="tx1">
-                    <a:lumMod val="75000"/>
-                    <a:lumOff val="25000"/>
-                  </a:schemeClr>
-                </a:solidFill>
-              </a:rPr>
-              <a:t>Nombre Empresa y a qué se dedica </a:t>
-            </a:r>
-          </a:p>
-          <a:p>
-            <a:pPr marL="285750" indent="-285750">
-              <a:buFont typeface="Arial" panose="020B0604020202020204" pitchFamily="34" charset="0"/>
-              <a:buChar char="•"/>
-            </a:pPr>
-            <a:r>
-              <a:rPr lang="es-ES" sz="1600" b="1" dirty="0" smtClean="0">
-                <a:solidFill>
-                  <a:schemeClr val="tx1">
-                    <a:lumMod val="75000"/>
-                    <a:lumOff val="25000"/>
-                  </a:schemeClr>
-                </a:solidFill>
-              </a:rPr>
-              <a:t>Procesos en los que se va a intervenir : </a:t>
-            </a:r>
-            <a:r>
-              <a:rPr lang="es-ES" sz="1600" dirty="0" smtClean="0">
-                <a:solidFill>
-                  <a:schemeClr val="tx1">
-                    <a:lumMod val="75000"/>
-                    <a:lumOff val="25000"/>
-                  </a:schemeClr>
-                </a:solidFill>
-              </a:rPr>
-              <a:t>Proceso1</a:t>
-            </a:r>
-            <a:r>
-              <a:rPr lang="es-ES" sz="1600" dirty="0">
-                <a:solidFill>
-                  <a:schemeClr val="tx1">
-                    <a:lumMod val="75000"/>
-                    <a:lumOff val="25000"/>
-                  </a:schemeClr>
-                </a:solidFill>
-              </a:rPr>
-              <a:t>, Proceso2, </a:t>
-            </a:r>
-            <a:r>
-              <a:rPr lang="es-ES" sz="1600" dirty="0" smtClean="0">
-                <a:solidFill>
-                  <a:schemeClr val="tx1">
-                    <a:lumMod val="75000"/>
-                    <a:lumOff val="25000"/>
-                  </a:schemeClr>
-                </a:solidFill>
-              </a:rPr>
-              <a:t>Proceso3</a:t>
-            </a:r>
-            <a:endParaRPr lang="es-ES" sz="1600" dirty="0">
-              <a:solidFill>
-                <a:schemeClr val="tx1">
-                  <a:lumMod val="75000"/>
-                  <a:lumOff val="25000"/>
-                </a:schemeClr>
-              </a:solidFill>
-            </a:endParaRPr>
-          </a:p>
-          <a:p>
-            <a:pPr marL="285750" indent="-285750" algn="just">
-              <a:buFont typeface="Arial" panose="020B0604020202020204" pitchFamily="34" charset="0"/>
-              <a:buChar char="•"/>
-            </a:pPr>
-            <a:r>
-              <a:rPr lang="es-ES" sz="1600" b="1" dirty="0">
-                <a:solidFill>
-                  <a:schemeClr val="tx1">
-                    <a:lumMod val="75000"/>
-                    <a:lumOff val="25000"/>
-                  </a:schemeClr>
-                </a:solidFill>
-              </a:rPr>
-              <a:t>Análisis de Información: </a:t>
-            </a:r>
-            <a:r>
-              <a:rPr lang="es-ES" sz="1600" dirty="0">
-                <a:solidFill>
-                  <a:schemeClr val="tx1">
-                    <a:lumMod val="75000"/>
-                    <a:lumOff val="25000"/>
-                  </a:schemeClr>
-                </a:solidFill>
-              </a:rPr>
-              <a:t>Revisión Documental (Análisis de datos). Entrevista (Entrevista). Encuesta (Cuestionario). Observación Directa (Diario de Campo). A quiénes: Cargo-Funciones.</a:t>
-            </a:r>
-          </a:p>
-          <a:p>
-            <a:pPr marL="285750" indent="-285750">
-              <a:buFont typeface="Arial" panose="020B0604020202020204" pitchFamily="34" charset="0"/>
-              <a:buChar char="•"/>
-            </a:pPr>
-            <a:r>
-              <a:rPr lang="es-ES" sz="1600" b="1" dirty="0">
-                <a:solidFill>
-                  <a:schemeClr val="tx1">
-                    <a:lumMod val="75000"/>
-                    <a:lumOff val="25000"/>
-                  </a:schemeClr>
-                </a:solidFill>
-              </a:rPr>
-              <a:t>Necesidades: </a:t>
-            </a:r>
-            <a:r>
-              <a:rPr lang="es-ES" sz="1600" dirty="0">
-                <a:solidFill>
-                  <a:schemeClr val="tx1">
-                    <a:lumMod val="75000"/>
-                    <a:lumOff val="25000"/>
-                  </a:schemeClr>
-                </a:solidFill>
-              </a:rPr>
-              <a:t>Proceso1 (Descripción del proceso y necesidades encontradas). Proceso2 (Descripción del proceso y necesidades encontradas). Proceso3 (Descripción del proceso y necesidades encontradas</a:t>
-            </a:r>
-            <a:r>
-              <a:rPr lang="es-ES" sz="1600" dirty="0" smtClean="0">
-                <a:solidFill>
-                  <a:schemeClr val="tx1">
-                    <a:lumMod val="75000"/>
-                    <a:lumOff val="25000"/>
-                  </a:schemeClr>
-                </a:solidFill>
-              </a:rPr>
-              <a:t>).</a:t>
-            </a:r>
-          </a:p>
-          <a:p>
-            <a:endParaRPr lang="es-ES_tradnl" sz="1600" dirty="0" smtClean="0">
-              <a:solidFill>
-                <a:schemeClr val="tx1">
-                  <a:lumMod val="75000"/>
-                  <a:lumOff val="25000"/>
-                </a:schemeClr>
-              </a:solidFill>
-            </a:endParaRPr>
-          </a:p>
-          <a:p>
-            <a:r>
-              <a:rPr lang="es-ES_tradnl" sz="1600" dirty="0" smtClean="0">
-                <a:solidFill>
-                  <a:schemeClr val="tx1">
-                    <a:lumMod val="75000"/>
-                    <a:lumOff val="25000"/>
-                  </a:schemeClr>
-                </a:solidFill>
-              </a:rPr>
-              <a:t>“Pueden utilizar imágenes de Apoyo o más diapositivas si lo requieren”</a:t>
-            </a:r>
-            <a:endParaRPr lang="es-ES_tradnl" sz="1600" dirty="0">
-              <a:solidFill>
-                <a:schemeClr val="tx1">
-                  <a:lumMod val="75000"/>
-                  <a:lumOff val="25000"/>
-                </a:schemeClr>
-              </a:solidFill>
-            </a:endParaRPr>
-          </a:p>
-        </p:txBody>
-      </p:sp>
-      <p:sp>
-        <p:nvSpPr>
-          <p:cNvPr id="6" name="Rectángulo 5">
-            <a:hlinkClick r:id="rId2" action="ppaction://hlinksldjump"/>
-          </p:cNvPr>
-          <p:cNvSpPr/>
-          <p:nvPr/>
-        </p:nvSpPr>
-        <p:spPr>
-          <a:xfrm>
-            <a:off x="8212822" y="192947"/>
-            <a:ext cx="746620" cy="679508"/>
-          </a:xfrm>
-          <a:prstGeom prst="rect">
-            <a:avLst/>
-          </a:prstGeom>
-          <a:noFill/>
-          <a:ln>
-            <a:noFill/>
-          </a:ln>
-        </p:spPr>
-        <p:style>
-          <a:lnRef idx="1">
-            <a:schemeClr val="accent1"/>
-          </a:lnRef>
-          <a:fillRef idx="3">
-            <a:schemeClr val="accent1"/>
-          </a:fillRef>
-          <a:effectRef idx="2">
-            <a:schemeClr val="accent1"/>
-          </a:effectRef>
-          <a:fontRef idx="minor">
-            <a:schemeClr val="lt1"/>
-          </a:fontRef>
-        </p:style>
-        <p:txBody>
-          <a:bodyPr rtlCol="0" anchor="ctr"/>
-          <a:lstStyle/>
-          <a:p>
-            <a:pPr algn="ctr"/>
-            <a:endParaRPr lang="es-CO"/>
-          </a:p>
-        </p:txBody>
-      </p:sp>
+        </p:spPr>
+      </p:pic>
     </p:spTree>
     <p:extLst>
       <p:ext uri="{BB962C8B-B14F-4D97-AF65-F5344CB8AC3E}">
@@ -7085,14 +7730,14 @@
       </p:grpSpPr>
       <p:sp>
         <p:nvSpPr>
-          <p:cNvPr id="3" name="CuadroTexto 2"/>
+          <p:cNvPr id="2" name="CuadroTexto 1"/>
           <p:cNvSpPr txBox="1"/>
           <p:nvPr/>
         </p:nvSpPr>
         <p:spPr>
           <a:xfrm>
-            <a:off x="3492771" y="1638552"/>
-            <a:ext cx="2975141" cy="923330"/>
+            <a:off x="382868" y="249495"/>
+            <a:ext cx="2389387" cy="646331"/>
           </a:xfrm>
           <a:prstGeom prst="rect">
             <a:avLst/>
@@ -7106,17 +7751,43 @@
           <a:lstStyle/>
           <a:p>
             <a:r>
-              <a:rPr lang="es-ES" sz="5400" b="1" dirty="0" smtClean="0">
-                <a:solidFill>
-                  <a:schemeClr val="tx1">
-                    <a:lumMod val="75000"/>
-                    <a:lumOff val="25000"/>
-                  </a:schemeClr>
-                </a:solidFill>
-              </a:rPr>
-              <a:t>Objetivos</a:t>
-            </a:r>
-            <a:endParaRPr lang="es-ES" sz="5400" b="1" dirty="0">
+              <a:rPr lang="es-ES" sz="3600" b="1" dirty="0" smtClean="0">
+                <a:solidFill>
+                  <a:schemeClr val="bg1"/>
+                </a:solidFill>
+              </a:rPr>
+              <a:t>Problema</a:t>
+            </a:r>
+            <a:endParaRPr lang="es-ES" sz="3600" b="1" dirty="0">
+              <a:solidFill>
+                <a:schemeClr val="bg1"/>
+              </a:solidFill>
+            </a:endParaRPr>
+          </a:p>
+        </p:txBody>
+      </p:sp>
+      <p:sp>
+        <p:nvSpPr>
+          <p:cNvPr id="5" name="Rectángulo 4"/>
+          <p:cNvSpPr/>
+          <p:nvPr/>
+        </p:nvSpPr>
+        <p:spPr>
+          <a:xfrm>
+            <a:off x="382868" y="2060727"/>
+            <a:ext cx="8308126" cy="1569660"/>
+          </a:xfrm>
+          <a:prstGeom prst="rect">
+            <a:avLst/>
+          </a:prstGeom>
+        </p:spPr>
+        <p:txBody>
+          <a:bodyPr wrap="square">
+            <a:spAutoFit/>
+          </a:bodyPr>
+          <a:lstStyle/>
+          <a:p>
+            <a:endParaRPr lang="es-ES" sz="1600" dirty="0" smtClean="0">
               <a:solidFill>
                 <a:schemeClr val="tx1">
                   <a:lumMod val="75000"/>
@@ -7125,55 +7796,32 @@
               </a:solidFill>
             </a:endParaRPr>
           </a:p>
-        </p:txBody>
-      </p:sp>
-      <p:sp>
-        <p:nvSpPr>
-          <p:cNvPr id="4" name="CuadroTexto 3"/>
-          <p:cNvSpPr txBox="1"/>
-          <p:nvPr/>
-        </p:nvSpPr>
-        <p:spPr>
-          <a:xfrm>
-            <a:off x="3492771" y="2692065"/>
-            <a:ext cx="2389387" cy="646331"/>
-          </a:xfrm>
-          <a:prstGeom prst="rect">
-            <a:avLst/>
-          </a:prstGeom>
-          <a:noFill/>
-        </p:spPr>
-        <p:txBody>
-          <a:bodyPr wrap="square" rtlCol="0">
-            <a:spAutoFit/>
-          </a:bodyPr>
-          <a:lstStyle/>
-          <a:p>
-            <a:r>
-              <a:rPr lang="es-ES" dirty="0" smtClean="0">
-                <a:solidFill>
-                  <a:schemeClr val="tx1">
-                    <a:lumMod val="75000"/>
-                    <a:lumOff val="25000"/>
-                  </a:schemeClr>
-                </a:solidFill>
-              </a:rPr>
-              <a:t>Texto corto descriptivo</a:t>
-            </a:r>
-          </a:p>
-          <a:p>
-            <a:r>
-              <a:rPr lang="es-ES" dirty="0" smtClean="0">
-                <a:solidFill>
-                  <a:schemeClr val="tx1">
-                    <a:lumMod val="75000"/>
-                    <a:lumOff val="25000"/>
-                  </a:schemeClr>
-                </a:solidFill>
-              </a:rPr>
-              <a:t>a 2 o 3 líneas</a:t>
-            </a:r>
-            <a:endParaRPr lang="es-ES" dirty="0">
+          <a:p>
+            <a:pPr marL="285750" indent="-285750">
+              <a:buFont typeface="Arial" panose="020B0604020202020204" pitchFamily="34" charset="0"/>
+              <a:buChar char="•"/>
+            </a:pPr>
+            <a:r>
+              <a:rPr lang="es-CO" sz="1600" dirty="0"/>
+              <a:t>Además, la falta de uso de un sistema que pueda brindar la información de los </a:t>
+            </a:r>
+            <a:r>
+              <a:rPr lang="es-CO" sz="1600" dirty="0" smtClean="0"/>
+              <a:t>artículos </a:t>
+            </a:r>
+            <a:r>
+              <a:rPr lang="es-CO" sz="1600" dirty="0"/>
+              <a:t>esta generando un retraso en sus procesos de </a:t>
+            </a:r>
+            <a:r>
+              <a:rPr lang="es-CO" sz="1600" dirty="0" smtClean="0"/>
+              <a:t>compra y venta de </a:t>
+            </a:r>
+            <a:r>
+              <a:rPr lang="es-CO" sz="1600" dirty="0"/>
+              <a:t>productos. La gran variedad y la cantidad de mercancía que se maneja en el establecimiento no se encuentra totalmente organizada y en algunas ocasiones no es de fácil acceso para el vendedor.</a:t>
+            </a:r>
+            <a:endParaRPr lang="es-ES" sz="1600" dirty="0">
               <a:solidFill>
                 <a:schemeClr val="tx1">
                   <a:lumMod val="75000"/>
@@ -7182,29 +7830,38 @@
               </a:solidFill>
             </a:endParaRPr>
           </a:p>
-        </p:txBody>
-      </p:sp>
-      <p:sp>
-        <p:nvSpPr>
-          <p:cNvPr id="5" name="Rectángulo 4"/>
+          <a:p>
+            <a:endParaRPr lang="es-ES_tradnl" sz="1600" dirty="0" smtClean="0">
+              <a:solidFill>
+                <a:schemeClr val="tx1">
+                  <a:lumMod val="75000"/>
+                  <a:lumOff val="25000"/>
+                </a:schemeClr>
+              </a:solidFill>
+            </a:endParaRPr>
+          </a:p>
+        </p:txBody>
+      </p:sp>
+      <p:sp>
+        <p:nvSpPr>
+          <p:cNvPr id="6" name="Rectángulo 5">
+            <a:hlinkClick r:id="rId2" action="ppaction://hlinksldjump"/>
+          </p:cNvPr>
           <p:cNvSpPr/>
           <p:nvPr/>
         </p:nvSpPr>
         <p:spPr>
           <a:xfrm>
-            <a:off x="3580355" y="2539984"/>
-            <a:ext cx="718487" cy="45719"/>
+            <a:off x="8212822" y="192947"/>
+            <a:ext cx="746620" cy="679508"/>
           </a:xfrm>
           <a:prstGeom prst="rect">
             <a:avLst/>
           </a:prstGeom>
-          <a:solidFill>
-            <a:srgbClr val="FF6600"/>
-          </a:solidFill>
+          <a:noFill/>
           <a:ln>
             <a:noFill/>
           </a:ln>
-          <a:effectLst/>
         </p:spPr>
         <p:style>
           <a:lnRef idx="1">
@@ -7225,151 +7882,44 @@
           <a:lstStyle/>
           <a:p>
             <a:pPr algn="ctr"/>
-            <a:endParaRPr lang="es-ES"/>
-          </a:p>
-        </p:txBody>
-      </p:sp>
-      <p:sp>
-        <p:nvSpPr>
-          <p:cNvPr id="6" name="Rectángulo 5"/>
-          <p:cNvSpPr/>
+            <a:endParaRPr lang="es-CO"/>
+          </a:p>
+        </p:txBody>
+      </p:sp>
+      <p:pic>
+        <p:nvPicPr>
+          <p:cNvPr id="7" name="Imagen 6"/>
+          <p:cNvPicPr>
+            <a:picLocks noChangeAspect="1"/>
+          </p:cNvPicPr>
           <p:nvPr/>
-        </p:nvSpPr>
-        <p:spPr>
-          <a:xfrm>
-            <a:off x="7560961" y="4302549"/>
-            <a:ext cx="1316995" cy="564476"/>
-          </a:xfrm>
-          <a:prstGeom prst="rect">
+        </p:nvPicPr>
+        <p:blipFill>
+          <a:blip r:embed="rId3">
+            <a:extLst>
+              <a:ext uri="{28A0092B-C50C-407E-A947-70E740481C1C}">
+                <a14:useLocalDpi xmlns:a14="http://schemas.microsoft.com/office/drawing/2010/main" val="0"/>
+              </a:ext>
+            </a:extLst>
+          </a:blip>
+          <a:stretch>
+            <a:fillRect/>
+          </a:stretch>
+        </p:blipFill>
+        <p:spPr>
+          <a:xfrm>
+            <a:off x="7601190" y="3831336"/>
+            <a:ext cx="1236536" cy="1236536"/>
+          </a:xfrm>
+          <a:prstGeom prst="ellipse">
             <a:avLst/>
           </a:prstGeom>
-          <a:noFill/>
-          <a:ln>
-            <a:solidFill>
-              <a:schemeClr val="tx1">
-                <a:lumMod val="75000"/>
-                <a:lumOff val="25000"/>
-              </a:schemeClr>
-            </a:solidFill>
-          </a:ln>
-          <a:effectLst/>
-        </p:spPr>
-        <p:style>
-          <a:lnRef idx="1">
-            <a:schemeClr val="accent1"/>
-          </a:lnRef>
-          <a:fillRef idx="3">
-            <a:schemeClr val="accent1"/>
-          </a:fillRef>
-          <a:effectRef idx="2">
-            <a:schemeClr val="accent1"/>
-          </a:effectRef>
-          <a:fontRef idx="minor">
-            <a:schemeClr val="lt1"/>
-          </a:fontRef>
-        </p:style>
-        <p:txBody>
-          <a:bodyPr rtlCol="0" anchor="ctr"/>
-          <a:lstStyle/>
-          <a:p>
-            <a:pPr algn="ctr"/>
-            <a:endParaRPr lang="es-ES"/>
-          </a:p>
-        </p:txBody>
-      </p:sp>
-      <p:sp>
-        <p:nvSpPr>
-          <p:cNvPr id="7" name="CuadroTexto 6"/>
-          <p:cNvSpPr txBox="1"/>
-          <p:nvPr/>
-        </p:nvSpPr>
-        <p:spPr>
-          <a:xfrm>
-            <a:off x="7560961" y="4440062"/>
-            <a:ext cx="1316994" cy="276999"/>
-          </a:xfrm>
-          <a:prstGeom prst="rect">
-            <a:avLst/>
-          </a:prstGeom>
-          <a:noFill/>
-        </p:spPr>
-        <p:txBody>
-          <a:bodyPr wrap="square" rtlCol="0">
-            <a:spAutoFit/>
-          </a:bodyPr>
-          <a:lstStyle/>
-          <a:p>
-            <a:pPr algn="ctr"/>
-            <a:r>
-              <a:rPr lang="es-ES" sz="1200" b="1" dirty="0" smtClean="0">
-                <a:solidFill>
-                  <a:schemeClr val="tx1">
-                    <a:lumMod val="75000"/>
-                    <a:lumOff val="25000"/>
-                  </a:schemeClr>
-                </a:solidFill>
-              </a:rPr>
-              <a:t>Logo Sistema</a:t>
-            </a:r>
-            <a:endParaRPr lang="es-ES" sz="1200" b="1" dirty="0">
-              <a:solidFill>
-                <a:schemeClr val="tx1">
-                  <a:lumMod val="75000"/>
-                  <a:lumOff val="25000"/>
-                </a:schemeClr>
-              </a:solidFill>
-            </a:endParaRPr>
-          </a:p>
-        </p:txBody>
-      </p:sp>
-      <p:sp>
-        <p:nvSpPr>
-          <p:cNvPr id="8" name="Rectángulo 7">
-            <a:hlinkClick r:id="rId2" action="ppaction://hlinksldjump"/>
-          </p:cNvPr>
-          <p:cNvSpPr/>
-          <p:nvPr/>
-        </p:nvSpPr>
-        <p:spPr>
-          <a:xfrm>
-            <a:off x="8212822" y="192947"/>
-            <a:ext cx="746620" cy="679508"/>
-          </a:xfrm>
-          <a:prstGeom prst="rect">
-            <a:avLst/>
-          </a:prstGeom>
-          <a:noFill/>
-          <a:ln>
-            <a:noFill/>
-          </a:ln>
-        </p:spPr>
-        <p:style>
-          <a:lnRef idx="1">
-            <a:schemeClr val="accent1"/>
-          </a:lnRef>
-          <a:fillRef idx="3">
-            <a:schemeClr val="accent1"/>
-          </a:fillRef>
-          <a:effectRef idx="2">
-            <a:schemeClr val="accent1"/>
-          </a:effectRef>
-          <a:fontRef idx="minor">
-            <a:schemeClr val="lt1"/>
-          </a:fontRef>
-        </p:style>
-        <p:txBody>
-          <a:bodyPr rtlCol="0" anchor="ctr"/>
-          <a:lstStyle/>
-          <a:p>
-            <a:pPr algn="ctr"/>
-            <a:endParaRPr lang="es-CO"/>
-          </a:p>
-        </p:txBody>
-      </p:sp>
+        </p:spPr>
+      </p:pic>
     </p:spTree>
     <p:extLst>
       <p:ext uri="{BB962C8B-B14F-4D97-AF65-F5344CB8AC3E}">
-        <p14:creationId xmlns:p14="http://schemas.microsoft.com/office/powerpoint/2010/main" val="667525815"/>
+        <p14:creationId xmlns:p14="http://schemas.microsoft.com/office/powerpoint/2010/main" val="776022533"/>
       </p:ext>
     </p:extLst>
   </p:cSld>
@@ -7405,14 +7955,14 @@
       </p:grpSpPr>
       <p:sp>
         <p:nvSpPr>
-          <p:cNvPr id="2" name="CuadroTexto 1"/>
+          <p:cNvPr id="3" name="CuadroTexto 2"/>
           <p:cNvSpPr txBox="1"/>
           <p:nvPr/>
         </p:nvSpPr>
         <p:spPr>
           <a:xfrm>
-            <a:off x="382868" y="249495"/>
-            <a:ext cx="2389387" cy="646331"/>
+            <a:off x="3492771" y="1638552"/>
+            <a:ext cx="2975141" cy="923330"/>
           </a:xfrm>
           <a:prstGeom prst="rect">
             <a:avLst/>
@@ -7426,16 +7976,22 @@
           <a:lstStyle/>
           <a:p>
             <a:r>
-              <a:rPr lang="es-ES" sz="3600" b="1" dirty="0" smtClean="0">
-                <a:solidFill>
-                  <a:schemeClr val="bg1"/>
+              <a:rPr lang="es-ES" sz="5400" b="1" dirty="0" smtClean="0">
+                <a:solidFill>
+                  <a:schemeClr val="tx1">
+                    <a:lumMod val="75000"/>
+                    <a:lumOff val="25000"/>
+                  </a:schemeClr>
                 </a:solidFill>
               </a:rPr>
               <a:t>Objetivos</a:t>
             </a:r>
-            <a:endParaRPr lang="es-ES" sz="3600" b="1" dirty="0">
+            <a:endParaRPr lang="es-ES" sz="5400" b="1" dirty="0">
               <a:solidFill>
-                <a:schemeClr val="bg1"/>
+                <a:schemeClr val="tx1">
+                  <a:lumMod val="75000"/>
+                  <a:lumOff val="25000"/>
+                </a:schemeClr>
               </a:solidFill>
             </a:endParaRPr>
           </a:p>
@@ -7443,26 +7999,23 @@
       </p:sp>
       <p:sp>
         <p:nvSpPr>
-          <p:cNvPr id="3" name="Rectángulo 2"/>
+          <p:cNvPr id="5" name="Rectángulo 4"/>
           <p:cNvSpPr/>
           <p:nvPr/>
         </p:nvSpPr>
         <p:spPr>
           <a:xfrm>
-            <a:off x="7560961" y="4302549"/>
-            <a:ext cx="1316995" cy="564476"/>
+            <a:off x="3580355" y="2539984"/>
+            <a:ext cx="718487" cy="45719"/>
           </a:xfrm>
           <a:prstGeom prst="rect">
             <a:avLst/>
           </a:prstGeom>
-          <a:noFill/>
+          <a:solidFill>
+            <a:srgbClr val="FF6600"/>
+          </a:solidFill>
           <a:ln>
-            <a:solidFill>
-              <a:schemeClr val="tx1">
-                <a:lumMod val="75000"/>
-                <a:lumOff val="25000"/>
-              </a:schemeClr>
-            </a:solidFill>
+            <a:noFill/>
           </a:ln>
           <a:effectLst/>
         </p:spPr>
@@ -7491,491 +8044,24 @@
       </p:sp>
       <p:sp>
         <p:nvSpPr>
-          <p:cNvPr id="4" name="CuadroTexto 3"/>
-          <p:cNvSpPr txBox="1"/>
+          <p:cNvPr id="8" name="Rectángulo 7">
+            <a:hlinkClick r:id="rId2" action="ppaction://hlinksldjump"/>
+          </p:cNvPr>
+          <p:cNvSpPr/>
           <p:nvPr/>
         </p:nvSpPr>
         <p:spPr>
           <a:xfrm>
-            <a:off x="7560961" y="4440062"/>
-            <a:ext cx="1316994" cy="276999"/>
+            <a:off x="8212822" y="192947"/>
+            <a:ext cx="746620" cy="679508"/>
           </a:xfrm>
           <a:prstGeom prst="rect">
             <a:avLst/>
           </a:prstGeom>
           <a:noFill/>
-        </p:spPr>
-        <p:txBody>
-          <a:bodyPr wrap="square" rtlCol="0">
-            <a:spAutoFit/>
-          </a:bodyPr>
-          <a:lstStyle/>
-          <a:p>
-            <a:pPr algn="ctr"/>
-            <a:r>
-              <a:rPr lang="es-ES" sz="1200" b="1" dirty="0" smtClean="0">
-                <a:solidFill>
-                  <a:schemeClr val="tx1">
-                    <a:lumMod val="75000"/>
-                    <a:lumOff val="25000"/>
-                  </a:schemeClr>
-                </a:solidFill>
-              </a:rPr>
-              <a:t>Marca externa</a:t>
-            </a:r>
-            <a:endParaRPr lang="es-ES" sz="1200" b="1" dirty="0">
-              <a:solidFill>
-                <a:schemeClr val="tx1">
-                  <a:lumMod val="75000"/>
-                  <a:lumOff val="25000"/>
-                </a:schemeClr>
-              </a:solidFill>
-            </a:endParaRPr>
-          </a:p>
-        </p:txBody>
-      </p:sp>
-      <p:sp>
-        <p:nvSpPr>
-          <p:cNvPr id="5" name="Rectángulo 4"/>
-          <p:cNvSpPr/>
-          <p:nvPr/>
-        </p:nvSpPr>
-        <p:spPr>
-          <a:xfrm>
-            <a:off x="382867" y="1232954"/>
-            <a:ext cx="8347475" cy="1323439"/>
-          </a:xfrm>
-          <a:prstGeom prst="rect">
-            <a:avLst/>
-          </a:prstGeom>
-        </p:spPr>
-        <p:txBody>
-          <a:bodyPr wrap="square">
-            <a:spAutoFit/>
-          </a:bodyPr>
-          <a:lstStyle/>
-          <a:p>
-            <a:r>
-              <a:rPr lang="es-ES_tradnl" sz="1600" b="1" dirty="0" smtClean="0">
-                <a:solidFill>
-                  <a:schemeClr val="tx1">
-                    <a:lumMod val="75000"/>
-                    <a:lumOff val="25000"/>
-                  </a:schemeClr>
-                </a:solidFill>
-              </a:rPr>
-              <a:t>OBJETIVO GENERAL</a:t>
-            </a:r>
-          </a:p>
-          <a:p>
-            <a:pPr lvl="1"/>
-            <a:endParaRPr lang="es-ES_tradnl" sz="1600" dirty="0" smtClean="0">
-              <a:solidFill>
-                <a:schemeClr val="tx1">
-                  <a:lumMod val="75000"/>
-                  <a:lumOff val="25000"/>
-                </a:schemeClr>
-              </a:solidFill>
-            </a:endParaRPr>
-          </a:p>
-          <a:p>
-            <a:pPr lvl="1" algn="just"/>
-            <a:r>
-              <a:rPr lang="es-ES" sz="1600" dirty="0">
-                <a:solidFill>
-                  <a:schemeClr val="tx1">
-                    <a:lumMod val="75000"/>
-                    <a:lumOff val="25000"/>
-                  </a:schemeClr>
-                </a:solidFill>
-              </a:rPr>
-              <a:t>Desarrollar un Sistema de Información Web </a:t>
-            </a:r>
-            <a:r>
-              <a:rPr lang="es-ES" sz="1600" dirty="0" smtClean="0">
-                <a:solidFill>
-                  <a:schemeClr val="tx1">
-                    <a:lumMod val="75000"/>
-                    <a:lumOff val="25000"/>
-                  </a:schemeClr>
-                </a:solidFill>
-              </a:rPr>
-              <a:t>[Nombre del Sistema] </a:t>
-            </a:r>
-            <a:r>
-              <a:rPr lang="es-ES" sz="1600" dirty="0">
-                <a:solidFill>
-                  <a:schemeClr val="tx1">
-                    <a:lumMod val="75000"/>
-                    <a:lumOff val="25000"/>
-                  </a:schemeClr>
-                </a:solidFill>
-              </a:rPr>
-              <a:t>para el </a:t>
-            </a:r>
-            <a:r>
-              <a:rPr lang="es-ES" sz="1600" dirty="0" smtClean="0">
-                <a:solidFill>
-                  <a:schemeClr val="tx1">
-                    <a:lumMod val="75000"/>
-                    <a:lumOff val="25000"/>
-                  </a:schemeClr>
-                </a:solidFill>
-              </a:rPr>
-              <a:t>[seguimiento, apoyo, etc.] a los [procesos] de </a:t>
-            </a:r>
-            <a:r>
-              <a:rPr lang="es-ES" sz="1600" dirty="0">
-                <a:solidFill>
-                  <a:schemeClr val="tx1">
-                    <a:lumMod val="75000"/>
-                    <a:lumOff val="25000"/>
-                  </a:schemeClr>
-                </a:solidFill>
-              </a:rPr>
-              <a:t>la Empresa </a:t>
-            </a:r>
-            <a:r>
-              <a:rPr lang="es-ES" sz="1600" dirty="0" smtClean="0">
-                <a:solidFill>
-                  <a:schemeClr val="tx1">
-                    <a:lumMod val="75000"/>
-                    <a:lumOff val="25000"/>
-                  </a:schemeClr>
-                </a:solidFill>
-              </a:rPr>
-              <a:t>[Nombre de la Empresa].</a:t>
-            </a:r>
-            <a:endParaRPr lang="es-ES_tradnl" sz="1600" dirty="0" smtClean="0">
-              <a:solidFill>
-                <a:schemeClr val="tx1">
-                  <a:lumMod val="75000"/>
-                  <a:lumOff val="25000"/>
-                </a:schemeClr>
-              </a:solidFill>
-            </a:endParaRPr>
-          </a:p>
-          <a:p>
-            <a:pPr lvl="1"/>
-            <a:endParaRPr lang="es-ES_tradnl" sz="1600" dirty="0">
-              <a:solidFill>
-                <a:schemeClr val="tx1">
-                  <a:lumMod val="75000"/>
-                  <a:lumOff val="25000"/>
-                </a:schemeClr>
-              </a:solidFill>
-            </a:endParaRPr>
-          </a:p>
-        </p:txBody>
-      </p:sp>
-      <p:sp>
-        <p:nvSpPr>
-          <p:cNvPr id="7" name="Rectángulo 6"/>
-          <p:cNvSpPr/>
-          <p:nvPr/>
-        </p:nvSpPr>
-        <p:spPr>
-          <a:xfrm>
-            <a:off x="382867" y="2393064"/>
-            <a:ext cx="8347475" cy="2062103"/>
-          </a:xfrm>
-          <a:prstGeom prst="rect">
-            <a:avLst/>
-          </a:prstGeom>
-        </p:spPr>
-        <p:txBody>
-          <a:bodyPr wrap="square">
-            <a:spAutoFit/>
-          </a:bodyPr>
-          <a:lstStyle/>
-          <a:p>
-            <a:r>
-              <a:rPr lang="es-ES_tradnl" sz="1600" b="1" dirty="0" smtClean="0">
-                <a:solidFill>
-                  <a:schemeClr val="tx1">
-                    <a:lumMod val="75000"/>
-                    <a:lumOff val="25000"/>
-                  </a:schemeClr>
-                </a:solidFill>
-              </a:rPr>
-              <a:t>OBJETIVOS ESPECÍFICOS</a:t>
-            </a:r>
-          </a:p>
-          <a:p>
-            <a:pPr marL="342900" indent="-342900">
-              <a:buFont typeface="+mj-lt"/>
-              <a:buAutoNum type="arabicPeriod"/>
-            </a:pPr>
-            <a:endParaRPr lang="es-ES_tradnl" sz="1600" dirty="0" smtClean="0">
-              <a:solidFill>
-                <a:schemeClr val="tx1">
-                  <a:lumMod val="75000"/>
-                  <a:lumOff val="25000"/>
-                </a:schemeClr>
-              </a:solidFill>
-            </a:endParaRPr>
-          </a:p>
-          <a:p>
-            <a:pPr marL="800100" lvl="1" indent="-342900">
-              <a:buFont typeface="Arial" panose="020B0604020202020204" pitchFamily="34" charset="0"/>
-              <a:buChar char="•"/>
-            </a:pPr>
-            <a:r>
-              <a:rPr lang="es-ES" sz="1600" dirty="0">
-                <a:solidFill>
-                  <a:schemeClr val="tx1">
-                    <a:lumMod val="75000"/>
-                    <a:lumOff val="25000"/>
-                  </a:schemeClr>
-                </a:solidFill>
-              </a:rPr>
-              <a:t>Gestionar los Usuarios de la Empresa </a:t>
-            </a:r>
-            <a:r>
-              <a:rPr lang="es-ES" sz="1600" dirty="0" smtClean="0">
-                <a:solidFill>
-                  <a:schemeClr val="tx1">
-                    <a:lumMod val="75000"/>
-                    <a:lumOff val="25000"/>
-                  </a:schemeClr>
-                </a:solidFill>
-              </a:rPr>
-              <a:t>[Nombre de la Empresa].</a:t>
-            </a:r>
-            <a:endParaRPr lang="es-ES" sz="1600" dirty="0">
-              <a:solidFill>
-                <a:schemeClr val="tx1">
-                  <a:lumMod val="75000"/>
-                  <a:lumOff val="25000"/>
-                </a:schemeClr>
-              </a:solidFill>
-            </a:endParaRPr>
-          </a:p>
-          <a:p>
-            <a:pPr marL="800100" lvl="1" indent="-342900">
-              <a:buFont typeface="Arial" panose="020B0604020202020204" pitchFamily="34" charset="0"/>
-              <a:buChar char="•"/>
-            </a:pPr>
-            <a:r>
-              <a:rPr lang="es-ES" sz="1600" dirty="0" smtClean="0">
-                <a:solidFill>
-                  <a:schemeClr val="tx1">
-                    <a:lumMod val="75000"/>
-                    <a:lumOff val="25000"/>
-                  </a:schemeClr>
-                </a:solidFill>
-              </a:rPr>
-              <a:t>Gestionar [ModProceso1] </a:t>
-            </a:r>
-            <a:r>
-              <a:rPr lang="es-ES" sz="1600" dirty="0">
-                <a:solidFill>
-                  <a:schemeClr val="tx1">
-                    <a:lumMod val="75000"/>
-                    <a:lumOff val="25000"/>
-                  </a:schemeClr>
-                </a:solidFill>
-              </a:rPr>
-              <a:t>de la Empresa [Nombre de la Empresa</a:t>
-            </a:r>
-            <a:r>
-              <a:rPr lang="es-ES" sz="1600" dirty="0" smtClean="0">
-                <a:solidFill>
-                  <a:schemeClr val="tx1">
-                    <a:lumMod val="75000"/>
-                    <a:lumOff val="25000"/>
-                  </a:schemeClr>
-                </a:solidFill>
-              </a:rPr>
-              <a:t>].</a:t>
-            </a:r>
-            <a:endParaRPr lang="es-ES" sz="1600" dirty="0">
-              <a:solidFill>
-                <a:schemeClr val="tx1">
-                  <a:lumMod val="75000"/>
-                  <a:lumOff val="25000"/>
-                </a:schemeClr>
-              </a:solidFill>
-            </a:endParaRPr>
-          </a:p>
-          <a:p>
-            <a:pPr marL="800100" lvl="1" indent="-342900">
-              <a:buFont typeface="Arial" panose="020B0604020202020204" pitchFamily="34" charset="0"/>
-              <a:buChar char="•"/>
-            </a:pPr>
-            <a:r>
-              <a:rPr lang="es-ES" sz="1600" dirty="0" smtClean="0">
-                <a:solidFill>
-                  <a:schemeClr val="tx1">
-                    <a:lumMod val="75000"/>
-                    <a:lumOff val="25000"/>
-                  </a:schemeClr>
-                </a:solidFill>
-              </a:rPr>
-              <a:t>Gestionar [ModProceso2] </a:t>
-            </a:r>
-            <a:r>
-              <a:rPr lang="es-ES" sz="1600" dirty="0">
-                <a:solidFill>
-                  <a:schemeClr val="tx1">
-                    <a:lumMod val="75000"/>
-                    <a:lumOff val="25000"/>
-                  </a:schemeClr>
-                </a:solidFill>
-              </a:rPr>
-              <a:t>de la Empresa [Nombre de la Empresa</a:t>
-            </a:r>
-            <a:r>
-              <a:rPr lang="es-ES" sz="1600" dirty="0" smtClean="0">
-                <a:solidFill>
-                  <a:schemeClr val="tx1">
-                    <a:lumMod val="75000"/>
-                    <a:lumOff val="25000"/>
-                  </a:schemeClr>
-                </a:solidFill>
-              </a:rPr>
-              <a:t>].</a:t>
-            </a:r>
-            <a:endParaRPr lang="es-ES" sz="1600" dirty="0">
-              <a:solidFill>
-                <a:schemeClr val="tx1">
-                  <a:lumMod val="75000"/>
-                  <a:lumOff val="25000"/>
-                </a:schemeClr>
-              </a:solidFill>
-            </a:endParaRPr>
-          </a:p>
-          <a:p>
-            <a:pPr marL="800100" lvl="1" indent="-342900">
-              <a:buFont typeface="Arial" panose="020B0604020202020204" pitchFamily="34" charset="0"/>
-              <a:buChar char="•"/>
-            </a:pPr>
-            <a:r>
-              <a:rPr lang="es-ES" sz="1600" dirty="0" smtClean="0">
-                <a:solidFill>
-                  <a:schemeClr val="tx1">
-                    <a:lumMod val="75000"/>
-                    <a:lumOff val="25000"/>
-                  </a:schemeClr>
-                </a:solidFill>
-              </a:rPr>
-              <a:t>Gestionar [ModProceso3] </a:t>
-            </a:r>
-            <a:r>
-              <a:rPr lang="es-ES" sz="1600" dirty="0">
-                <a:solidFill>
-                  <a:schemeClr val="tx1">
-                    <a:lumMod val="75000"/>
-                    <a:lumOff val="25000"/>
-                  </a:schemeClr>
-                </a:solidFill>
-              </a:rPr>
-              <a:t>de la Empresa [Nombre de la Empresa</a:t>
-            </a:r>
-            <a:r>
-              <a:rPr lang="es-ES" sz="1600" dirty="0" smtClean="0">
-                <a:solidFill>
-                  <a:schemeClr val="tx1">
-                    <a:lumMod val="75000"/>
-                    <a:lumOff val="25000"/>
-                  </a:schemeClr>
-                </a:solidFill>
-              </a:rPr>
-              <a:t>].</a:t>
-            </a:r>
-            <a:endParaRPr lang="es-ES" sz="1600" dirty="0">
-              <a:solidFill>
-                <a:schemeClr val="tx1">
-                  <a:lumMod val="75000"/>
-                  <a:lumOff val="25000"/>
-                </a:schemeClr>
-              </a:solidFill>
-            </a:endParaRPr>
-          </a:p>
-          <a:p>
-            <a:pPr marL="800100" lvl="1" indent="-342900">
-              <a:buFont typeface="Arial" panose="020B0604020202020204" pitchFamily="34" charset="0"/>
-              <a:buChar char="•"/>
-            </a:pPr>
-            <a:r>
-              <a:rPr lang="es-ES" sz="1600" dirty="0" smtClean="0">
-                <a:solidFill>
-                  <a:schemeClr val="tx1">
-                    <a:lumMod val="75000"/>
-                    <a:lumOff val="25000"/>
-                  </a:schemeClr>
-                </a:solidFill>
-              </a:rPr>
-              <a:t>Gestionar </a:t>
-            </a:r>
-            <a:r>
-              <a:rPr lang="es-ES" sz="1600" dirty="0">
-                <a:solidFill>
-                  <a:schemeClr val="tx1">
-                    <a:lumMod val="75000"/>
-                    <a:lumOff val="25000"/>
-                  </a:schemeClr>
-                </a:solidFill>
-              </a:rPr>
-              <a:t>los reportes gráficos e impresos de la Empresa [Nombre de la Empresa</a:t>
-            </a:r>
-            <a:r>
-              <a:rPr lang="es-ES" sz="1600" dirty="0" smtClean="0">
-                <a:solidFill>
-                  <a:schemeClr val="tx1">
-                    <a:lumMod val="75000"/>
-                    <a:lumOff val="25000"/>
-                  </a:schemeClr>
-                </a:solidFill>
-              </a:rPr>
-              <a:t>].</a:t>
-            </a:r>
-            <a:endParaRPr lang="es-ES_tradnl" sz="1600" dirty="0" smtClean="0">
-              <a:solidFill>
-                <a:schemeClr val="tx1">
-                  <a:lumMod val="75000"/>
-                  <a:lumOff val="25000"/>
-                </a:schemeClr>
-              </a:solidFill>
-            </a:endParaRPr>
-          </a:p>
-          <a:p>
-            <a:pPr marL="800100" lvl="1" indent="-342900" algn="just">
-              <a:buFont typeface="+mj-lt"/>
-              <a:buAutoNum type="arabicPeriod"/>
-            </a:pPr>
-            <a:endParaRPr lang="es-ES_tradnl" sz="1600" dirty="0">
-              <a:solidFill>
-                <a:schemeClr val="tx1">
-                  <a:lumMod val="75000"/>
-                  <a:lumOff val="25000"/>
-                </a:schemeClr>
-              </a:solidFill>
-            </a:endParaRPr>
-          </a:p>
-        </p:txBody>
-      </p:sp>
-      <p:sp>
-        <p:nvSpPr>
-          <p:cNvPr id="8" name="Rectángulo 7"/>
-          <p:cNvSpPr/>
-          <p:nvPr/>
-        </p:nvSpPr>
-        <p:spPr>
-          <a:xfrm>
-            <a:off x="465890" y="1533772"/>
-            <a:ext cx="718487" cy="45719"/>
-          </a:xfrm>
-          <a:prstGeom prst="rect">
-            <a:avLst/>
-          </a:prstGeom>
-          <a:solidFill>
-            <a:srgbClr val="FF6600"/>
-          </a:solidFill>
           <a:ln>
             <a:noFill/>
           </a:ln>
-          <a:effectLst/>
         </p:spPr>
         <p:style>
           <a:lnRef idx="1">
@@ -7996,103 +8082,103 @@
           <a:lstStyle/>
           <a:p>
             <a:pPr algn="ctr"/>
-            <a:endParaRPr lang="es-ES"/>
-          </a:p>
-        </p:txBody>
-      </p:sp>
-      <p:sp>
-        <p:nvSpPr>
-          <p:cNvPr id="9" name="Rectángulo 8"/>
-          <p:cNvSpPr/>
+            <a:endParaRPr lang="es-CO"/>
+          </a:p>
+        </p:txBody>
+      </p:sp>
+      <p:pic>
+        <p:nvPicPr>
+          <p:cNvPr id="9" name="Imagen 8"/>
+          <p:cNvPicPr>
+            <a:picLocks noChangeAspect="1"/>
+          </p:cNvPicPr>
           <p:nvPr/>
-        </p:nvSpPr>
-        <p:spPr>
-          <a:xfrm>
-            <a:off x="465890" y="2732289"/>
-            <a:ext cx="718487" cy="45719"/>
-          </a:xfrm>
-          <a:prstGeom prst="rect">
+        </p:nvPicPr>
+        <p:blipFill>
+          <a:blip r:embed="rId3">
+            <a:extLst>
+              <a:ext uri="{28A0092B-C50C-407E-A947-70E740481C1C}">
+                <a14:useLocalDpi xmlns:a14="http://schemas.microsoft.com/office/drawing/2010/main" val="0"/>
+              </a:ext>
+            </a:extLst>
+          </a:blip>
+          <a:stretch>
+            <a:fillRect/>
+          </a:stretch>
+        </p:blipFill>
+        <p:spPr>
+          <a:xfrm>
+            <a:off x="7601190" y="3831336"/>
+            <a:ext cx="1236536" cy="1236536"/>
+          </a:xfrm>
+          <a:prstGeom prst="ellipse">
             <a:avLst/>
           </a:prstGeom>
-          <a:solidFill>
-            <a:srgbClr val="FF6600"/>
-          </a:solidFill>
-          <a:ln>
-            <a:noFill/>
-          </a:ln>
-          <a:effectLst/>
-        </p:spPr>
-        <p:style>
-          <a:lnRef idx="1">
-            <a:schemeClr val="accent1"/>
-          </a:lnRef>
-          <a:fillRef idx="3">
-            <a:schemeClr val="accent1"/>
-          </a:fillRef>
-          <a:effectRef idx="2">
-            <a:schemeClr val="accent1"/>
-          </a:effectRef>
-          <a:fontRef idx="minor">
-            <a:schemeClr val="lt1"/>
-          </a:fontRef>
-        </p:style>
-        <p:txBody>
-          <a:bodyPr rtlCol="0" anchor="ctr"/>
-          <a:lstStyle/>
-          <a:p>
-            <a:pPr algn="ctr"/>
-            <a:endParaRPr lang="es-ES"/>
-          </a:p>
-        </p:txBody>
-      </p:sp>
-      <p:sp>
-        <p:nvSpPr>
-          <p:cNvPr id="10" name="Rectángulo 9">
-            <a:hlinkClick r:id="rId2" action="ppaction://hlinksldjump"/>
-          </p:cNvPr>
-          <p:cNvSpPr/>
+        </p:spPr>
+      </p:pic>
+      <p:sp>
+        <p:nvSpPr>
+          <p:cNvPr id="2" name="CuadroTexto 1"/>
+          <p:cNvSpPr txBox="1"/>
           <p:nvPr/>
         </p:nvSpPr>
         <p:spPr>
           <a:xfrm>
-            <a:off x="8212822" y="192947"/>
-            <a:ext cx="746620" cy="679508"/>
+            <a:off x="1577953" y="3181326"/>
+            <a:ext cx="6374309" cy="923330"/>
           </a:xfrm>
           <a:prstGeom prst="rect">
             <a:avLst/>
           </a:prstGeom>
           <a:noFill/>
-          <a:ln>
-            <a:noFill/>
-          </a:ln>
-        </p:spPr>
-        <p:style>
-          <a:lnRef idx="1">
-            <a:schemeClr val="accent1"/>
-          </a:lnRef>
-          <a:fillRef idx="3">
-            <a:schemeClr val="accent1"/>
-          </a:fillRef>
-          <a:effectRef idx="2">
-            <a:schemeClr val="accent1"/>
-          </a:effectRef>
-          <a:fontRef idx="minor">
-            <a:schemeClr val="lt1"/>
-          </a:fontRef>
-        </p:style>
-        <p:txBody>
-          <a:bodyPr rtlCol="0" anchor="ctr"/>
+        </p:spPr>
+        <p:txBody>
+          <a:bodyPr wrap="none" rtlCol="0">
+            <a:spAutoFit/>
+          </a:bodyPr>
           <a:lstStyle/>
           <a:p>
-            <a:pPr algn="ctr"/>
-            <a:endParaRPr lang="es-CO"/>
+            <a:r>
+              <a:rPr lang="es-CO" dirty="0"/>
+              <a:t>A continuación se </a:t>
+            </a:r>
+            <a:r>
+              <a:rPr lang="es-CO" dirty="0" smtClean="0"/>
+              <a:t>presentaran </a:t>
+            </a:r>
+            <a:r>
+              <a:rPr lang="es-CO" dirty="0"/>
+              <a:t>los objetivos planteados por </a:t>
+            </a:r>
+            <a:endParaRPr lang="es-CO" dirty="0" smtClean="0"/>
+          </a:p>
+          <a:p>
+            <a:r>
+              <a:rPr lang="es-CO" dirty="0" smtClean="0"/>
+              <a:t>LOCK INVENTARY que </a:t>
+            </a:r>
+            <a:r>
+              <a:rPr lang="es-CO" dirty="0"/>
+              <a:t>buscan poder suplir la necesidad por la que </a:t>
+            </a:r>
+            <a:endParaRPr lang="es-CO" dirty="0" smtClean="0"/>
+          </a:p>
+          <a:p>
+            <a:r>
+              <a:rPr lang="es-CO" dirty="0" smtClean="0"/>
+              <a:t>fue </a:t>
+            </a:r>
+            <a:r>
+              <a:rPr lang="es-CO" dirty="0"/>
+              <a:t>creado el sistema de información</a:t>
+            </a:r>
           </a:p>
         </p:txBody>
       </p:sp>
     </p:spTree>
     <p:extLst>
       <p:ext uri="{BB962C8B-B14F-4D97-AF65-F5344CB8AC3E}">
-        <p14:creationId xmlns:p14="http://schemas.microsoft.com/office/powerpoint/2010/main" val="2175682795"/>
+        <p14:creationId xmlns:p14="http://schemas.microsoft.com/office/powerpoint/2010/main" val="667525815"/>
       </p:ext>
     </p:extLst>
   </p:cSld>
@@ -8128,14 +8214,14 @@
       </p:grpSpPr>
       <p:sp>
         <p:nvSpPr>
-          <p:cNvPr id="3" name="CuadroTexto 2"/>
+          <p:cNvPr id="2" name="CuadroTexto 1"/>
           <p:cNvSpPr txBox="1"/>
           <p:nvPr/>
         </p:nvSpPr>
         <p:spPr>
           <a:xfrm>
-            <a:off x="3492771" y="1638552"/>
-            <a:ext cx="3702686" cy="923330"/>
+            <a:off x="382868" y="249495"/>
+            <a:ext cx="2389387" cy="646331"/>
           </a:xfrm>
           <a:prstGeom prst="rect">
             <a:avLst/>
@@ -8149,17 +8235,57 @@
           <a:lstStyle/>
           <a:p>
             <a:r>
-              <a:rPr lang="es-ES" sz="5400" b="1" dirty="0" smtClean="0">
-                <a:solidFill>
-                  <a:schemeClr val="tx1">
-                    <a:lumMod val="75000"/>
-                    <a:lumOff val="25000"/>
-                  </a:schemeClr>
-                </a:solidFill>
-              </a:rPr>
-              <a:t>Justificación</a:t>
-            </a:r>
-            <a:endParaRPr lang="es-ES" sz="5400" b="1" dirty="0">
+              <a:rPr lang="es-ES" sz="3600" b="1" dirty="0" smtClean="0">
+                <a:solidFill>
+                  <a:schemeClr val="bg1"/>
+                </a:solidFill>
+              </a:rPr>
+              <a:t>Objetivos</a:t>
+            </a:r>
+            <a:endParaRPr lang="es-ES" sz="3600" b="1" dirty="0">
+              <a:solidFill>
+                <a:schemeClr val="bg1"/>
+              </a:solidFill>
+            </a:endParaRPr>
+          </a:p>
+        </p:txBody>
+      </p:sp>
+      <p:sp>
+        <p:nvSpPr>
+          <p:cNvPr id="5" name="Rectángulo 4"/>
+          <p:cNvSpPr/>
+          <p:nvPr/>
+        </p:nvSpPr>
+        <p:spPr>
+          <a:xfrm>
+            <a:off x="382867" y="1232954"/>
+            <a:ext cx="8347475" cy="1661993"/>
+          </a:xfrm>
+          <a:prstGeom prst="rect">
+            <a:avLst/>
+          </a:prstGeom>
+        </p:spPr>
+        <p:txBody>
+          <a:bodyPr wrap="square">
+            <a:spAutoFit/>
+          </a:bodyPr>
+          <a:lstStyle/>
+          <a:p>
+            <a:r>
+              <a:rPr lang="es-ES_tradnl" sz="1600" b="1" dirty="0" smtClean="0">
+                <a:solidFill>
+                  <a:schemeClr val="tx1">
+                    <a:lumMod val="75000"/>
+                    <a:lumOff val="25000"/>
+                  </a:schemeClr>
+                </a:solidFill>
+              </a:rPr>
+              <a:t>OBJETIVO GENERAL</a:t>
+            </a:r>
+          </a:p>
+          <a:p>
+            <a:pPr lvl="1"/>
+            <a:endParaRPr lang="es-ES_tradnl" sz="1600" dirty="0" smtClean="0">
               <a:solidFill>
                 <a:schemeClr val="tx1">
                   <a:lumMod val="75000"/>
@@ -8168,55 +8294,21 @@
               </a:solidFill>
             </a:endParaRPr>
           </a:p>
-        </p:txBody>
-      </p:sp>
-      <p:sp>
-        <p:nvSpPr>
-          <p:cNvPr id="4" name="CuadroTexto 3"/>
-          <p:cNvSpPr txBox="1"/>
-          <p:nvPr/>
-        </p:nvSpPr>
-        <p:spPr>
-          <a:xfrm>
-            <a:off x="3492771" y="2692065"/>
-            <a:ext cx="2389387" cy="646331"/>
-          </a:xfrm>
-          <a:prstGeom prst="rect">
-            <a:avLst/>
-          </a:prstGeom>
-          <a:noFill/>
-        </p:spPr>
-        <p:txBody>
-          <a:bodyPr wrap="square" rtlCol="0">
-            <a:spAutoFit/>
-          </a:bodyPr>
-          <a:lstStyle/>
-          <a:p>
-            <a:r>
-              <a:rPr lang="es-ES" dirty="0" smtClean="0">
-                <a:solidFill>
-                  <a:schemeClr val="tx1">
-                    <a:lumMod val="75000"/>
-                    <a:lumOff val="25000"/>
-                  </a:schemeClr>
-                </a:solidFill>
-              </a:rPr>
-              <a:t>Texto corto descriptivo</a:t>
-            </a:r>
-          </a:p>
-          <a:p>
-            <a:r>
-              <a:rPr lang="es-ES" dirty="0" smtClean="0">
-                <a:solidFill>
-                  <a:schemeClr val="tx1">
-                    <a:lumMod val="75000"/>
-                    <a:lumOff val="25000"/>
-                  </a:schemeClr>
-                </a:solidFill>
-              </a:rPr>
-              <a:t>a 2 o 3 líneas</a:t>
-            </a:r>
-            <a:endParaRPr lang="es-ES" dirty="0">
+          <a:p>
+            <a:r>
+              <a:rPr lang="es-CO" sz="1600" dirty="0"/>
+              <a:t>Desarrollar un sistema de información LOCK INVENTORY que sirva como apoyo y seguimiento de los procesos de ventas e inventario de la empresa ISAPHONE</a:t>
+            </a:r>
+          </a:p>
+          <a:p>
+            <a:r>
+              <a:rPr lang="es-CO" dirty="0"/>
+              <a:t/>
+            </a:r>
+            <a:br>
+              <a:rPr lang="es-CO" dirty="0"/>
+            </a:br>
+            <a:endParaRPr lang="es-ES_tradnl" sz="1600" dirty="0">
               <a:solidFill>
                 <a:schemeClr val="tx1">
                   <a:lumMod val="75000"/>
@@ -8229,13 +8321,113 @@
       </p:sp>
       <p:sp>
         <p:nvSpPr>
-          <p:cNvPr id="5" name="Rectángulo 4"/>
+          <p:cNvPr id="7" name="Rectángulo 6"/>
           <p:cNvSpPr/>
           <p:nvPr/>
         </p:nvSpPr>
         <p:spPr>
           <a:xfrm>
-            <a:off x="3580355" y="2539984"/>
+            <a:off x="382867" y="2393064"/>
+            <a:ext cx="8347475" cy="1815882"/>
+          </a:xfrm>
+          <a:prstGeom prst="rect">
+            <a:avLst/>
+          </a:prstGeom>
+        </p:spPr>
+        <p:txBody>
+          <a:bodyPr wrap="square">
+            <a:spAutoFit/>
+          </a:bodyPr>
+          <a:lstStyle/>
+          <a:p>
+            <a:r>
+              <a:rPr lang="es-ES_tradnl" sz="1600" b="1" dirty="0" smtClean="0">
+                <a:solidFill>
+                  <a:schemeClr val="tx1">
+                    <a:lumMod val="75000"/>
+                    <a:lumOff val="25000"/>
+                  </a:schemeClr>
+                </a:solidFill>
+              </a:rPr>
+              <a:t>OBJETIVOS ESPECÍFICOS</a:t>
+            </a:r>
+          </a:p>
+          <a:p>
+            <a:pPr marL="342900" indent="-342900">
+              <a:buFont typeface="+mj-lt"/>
+              <a:buAutoNum type="arabicPeriod"/>
+            </a:pPr>
+            <a:endParaRPr lang="es-ES_tradnl" sz="1600" dirty="0" smtClean="0">
+              <a:solidFill>
+                <a:schemeClr val="tx1">
+                  <a:lumMod val="75000"/>
+                  <a:lumOff val="25000"/>
+                </a:schemeClr>
+              </a:solidFill>
+            </a:endParaRPr>
+          </a:p>
+          <a:p>
+            <a:pPr marL="285750" indent="-285750" fontAlgn="base">
+              <a:buFont typeface="Arial" panose="020B0604020202020204" pitchFamily="34" charset="0"/>
+              <a:buChar char="•"/>
+            </a:pPr>
+            <a:r>
+              <a:rPr lang="es-CO" sz="1600" dirty="0"/>
+              <a:t>Llevar control de las ventas que genere gráficos y balances </a:t>
+            </a:r>
+            <a:r>
+              <a:rPr lang="es-CO" sz="1600" dirty="0" smtClean="0"/>
+              <a:t>diarios de la empresa </a:t>
+            </a:r>
+            <a:r>
+              <a:rPr lang="es-CO" sz="1600" dirty="0"/>
+              <a:t>ISAPHONE</a:t>
+            </a:r>
+          </a:p>
+          <a:p>
+            <a:pPr marL="285750" indent="-285750" fontAlgn="base">
+              <a:buFont typeface="Arial" panose="020B0604020202020204" pitchFamily="34" charset="0"/>
+              <a:buChar char="•"/>
+            </a:pPr>
+            <a:r>
+              <a:rPr lang="es-CO" sz="1600" dirty="0"/>
+              <a:t>Tener un inventario que se actualice constantemente de los productos que se distribuyen en la </a:t>
+            </a:r>
+            <a:r>
+              <a:rPr lang="es-CO" sz="1600" dirty="0" smtClean="0"/>
+              <a:t>microempresa </a:t>
+            </a:r>
+            <a:r>
+              <a:rPr lang="es-CO" sz="1600" dirty="0"/>
+              <a:t>ISAPHONE</a:t>
+            </a:r>
+          </a:p>
+          <a:p>
+            <a:pPr marL="285750" indent="-285750" fontAlgn="base">
+              <a:buFont typeface="Arial" panose="020B0604020202020204" pitchFamily="34" charset="0"/>
+              <a:buChar char="•"/>
+            </a:pPr>
+            <a:r>
+              <a:rPr lang="es-CO" sz="1600" dirty="0"/>
+              <a:t>Mejorar la atención al cliente, teniendo en el sistema de información precios y cantidad de producto existente actualizado y de fácil acceso para el vendedor</a:t>
+            </a:r>
+            <a:r>
+              <a:rPr lang="es-CO" sz="1600" dirty="0" smtClean="0"/>
+              <a:t>.</a:t>
+            </a:r>
+            <a:endParaRPr lang="es-CO" sz="1600" dirty="0"/>
+          </a:p>
+        </p:txBody>
+      </p:sp>
+      <p:sp>
+        <p:nvSpPr>
+          <p:cNvPr id="8" name="Rectángulo 7"/>
+          <p:cNvSpPr/>
+          <p:nvPr/>
+        </p:nvSpPr>
+        <p:spPr>
+          <a:xfrm>
+            <a:off x="465890" y="1533772"/>
             <a:ext cx="718487" cy="45719"/>
           </a:xfrm>
           <a:prstGeom prst="rect">
@@ -8274,26 +8466,23 @@
       </p:sp>
       <p:sp>
         <p:nvSpPr>
-          <p:cNvPr id="6" name="Rectángulo 5"/>
+          <p:cNvPr id="9" name="Rectángulo 8"/>
           <p:cNvSpPr/>
           <p:nvPr/>
         </p:nvSpPr>
         <p:spPr>
           <a:xfrm>
-            <a:off x="7560961" y="4302549"/>
-            <a:ext cx="1316995" cy="564476"/>
+            <a:off x="465890" y="2732289"/>
+            <a:ext cx="718487" cy="45719"/>
           </a:xfrm>
           <a:prstGeom prst="rect">
             <a:avLst/>
           </a:prstGeom>
-          <a:noFill/>
+          <a:solidFill>
+            <a:srgbClr val="FF6600"/>
+          </a:solidFill>
           <a:ln>
-            <a:solidFill>
-              <a:schemeClr val="tx1">
-                <a:lumMod val="75000"/>
-                <a:lumOff val="25000"/>
-              </a:schemeClr>
-            </a:solidFill>
+            <a:noFill/>
           </a:ln>
           <a:effectLst/>
         </p:spPr>
@@ -8322,52 +8511,7 @@
       </p:sp>
       <p:sp>
         <p:nvSpPr>
-          <p:cNvPr id="7" name="CuadroTexto 6"/>
-          <p:cNvSpPr txBox="1"/>
-          <p:nvPr/>
-        </p:nvSpPr>
-        <p:spPr>
-          <a:xfrm>
-            <a:off x="7560961" y="4440062"/>
-            <a:ext cx="1316994" cy="276999"/>
-          </a:xfrm>
-          <a:prstGeom prst="rect">
-            <a:avLst/>
-          </a:prstGeom>
-          <a:noFill/>
-        </p:spPr>
-        <p:txBody>
-          <a:bodyPr wrap="square" rtlCol="0">
-            <a:spAutoFit/>
-          </a:bodyPr>
-          <a:lstStyle/>
-          <a:p>
-            <a:pPr algn="ctr"/>
-            <a:r>
-              <a:rPr lang="es-ES" sz="1200" b="1" dirty="0" smtClean="0">
-                <a:solidFill>
-                  <a:schemeClr val="tx1">
-                    <a:lumMod val="75000"/>
-                    <a:lumOff val="25000"/>
-                  </a:schemeClr>
-                </a:solidFill>
-              </a:rPr>
-              <a:t>Logo Sistema</a:t>
-            </a:r>
-            <a:endParaRPr lang="es-ES" sz="1200" b="1" dirty="0">
-              <a:solidFill>
-                <a:schemeClr val="tx1">
-                  <a:lumMod val="75000"/>
-                  <a:lumOff val="25000"/>
-                </a:schemeClr>
-              </a:solidFill>
-            </a:endParaRPr>
-          </a:p>
-        </p:txBody>
-      </p:sp>
-      <p:sp>
-        <p:nvSpPr>
-          <p:cNvPr id="8" name="Rectángulo 7">
+          <p:cNvPr id="10" name="Rectángulo 9">
             <a:hlinkClick r:id="rId2" action="ppaction://hlinksldjump"/>
           </p:cNvPr>
           <p:cNvSpPr/>
@@ -8409,10 +8553,40 @@
           </a:p>
         </p:txBody>
       </p:sp>
+      <p:pic>
+        <p:nvPicPr>
+          <p:cNvPr id="11" name="Imagen 10"/>
+          <p:cNvPicPr>
+            <a:picLocks noChangeAspect="1"/>
+          </p:cNvPicPr>
+          <p:nvPr/>
+        </p:nvPicPr>
+        <p:blipFill>
+          <a:blip r:embed="rId3">
+            <a:extLst>
+              <a:ext uri="{28A0092B-C50C-407E-A947-70E740481C1C}">
+                <a14:useLocalDpi xmlns:a14="http://schemas.microsoft.com/office/drawing/2010/main" val="0"/>
+              </a:ext>
+            </a:extLst>
+          </a:blip>
+          <a:stretch>
+            <a:fillRect/>
+          </a:stretch>
+        </p:blipFill>
+        <p:spPr>
+          <a:xfrm>
+            <a:off x="7680960" y="3917482"/>
+            <a:ext cx="1156766" cy="1150390"/>
+          </a:xfrm>
+          <a:prstGeom prst="ellipse">
+            <a:avLst/>
+          </a:prstGeom>
+        </p:spPr>
+      </p:pic>
     </p:spTree>
     <p:extLst>
       <p:ext uri="{BB962C8B-B14F-4D97-AF65-F5344CB8AC3E}">
-        <p14:creationId xmlns:p14="http://schemas.microsoft.com/office/powerpoint/2010/main" val="760866535"/>
+        <p14:creationId xmlns:p14="http://schemas.microsoft.com/office/powerpoint/2010/main" val="2175682795"/>
       </p:ext>
     </p:extLst>
   </p:cSld>
@@ -8448,14 +8622,14 @@
       </p:grpSpPr>
       <p:sp>
         <p:nvSpPr>
-          <p:cNvPr id="2" name="CuadroTexto 1"/>
+          <p:cNvPr id="3" name="CuadroTexto 2"/>
           <p:cNvSpPr txBox="1"/>
           <p:nvPr/>
         </p:nvSpPr>
         <p:spPr>
           <a:xfrm>
-            <a:off x="382868" y="249495"/>
-            <a:ext cx="2817532" cy="646331"/>
+            <a:off x="3492771" y="1638552"/>
+            <a:ext cx="3702686" cy="923330"/>
           </a:xfrm>
           <a:prstGeom prst="rect">
             <a:avLst/>
@@ -8469,16 +8643,22 @@
           <a:lstStyle/>
           <a:p>
             <a:r>
-              <a:rPr lang="es-ES" sz="3600" b="1" dirty="0" smtClean="0">
-                <a:solidFill>
-                  <a:schemeClr val="bg1"/>
+              <a:rPr lang="es-ES" sz="5400" b="1" dirty="0" smtClean="0">
+                <a:solidFill>
+                  <a:schemeClr val="tx1">
+                    <a:lumMod val="75000"/>
+                    <a:lumOff val="25000"/>
+                  </a:schemeClr>
                 </a:solidFill>
               </a:rPr>
               <a:t>Justificación</a:t>
             </a:r>
-            <a:endParaRPr lang="es-ES" sz="3600" b="1" dirty="0">
+            <a:endParaRPr lang="es-ES" sz="5400" b="1" dirty="0">
               <a:solidFill>
-                <a:schemeClr val="bg1"/>
+                <a:schemeClr val="tx1">
+                  <a:lumMod val="75000"/>
+                  <a:lumOff val="25000"/>
+                </a:schemeClr>
               </a:solidFill>
             </a:endParaRPr>
           </a:p>
@@ -8486,26 +8666,78 @@
       </p:sp>
       <p:sp>
         <p:nvSpPr>
-          <p:cNvPr id="3" name="Rectángulo 2"/>
-          <p:cNvSpPr/>
+          <p:cNvPr id="4" name="CuadroTexto 3"/>
+          <p:cNvSpPr txBox="1"/>
           <p:nvPr/>
         </p:nvSpPr>
         <p:spPr>
           <a:xfrm>
-            <a:off x="7560961" y="4302549"/>
-            <a:ext cx="1316995" cy="564476"/>
+            <a:off x="1857676" y="2692065"/>
+            <a:ext cx="6006163" cy="923330"/>
           </a:xfrm>
           <a:prstGeom prst="rect">
             <a:avLst/>
           </a:prstGeom>
           <a:noFill/>
+        </p:spPr>
+        <p:txBody>
+          <a:bodyPr wrap="square" rtlCol="0">
+            <a:spAutoFit/>
+          </a:bodyPr>
+          <a:lstStyle/>
+          <a:p>
+            <a:r>
+              <a:rPr lang="es-CO" dirty="0" smtClean="0">
+                <a:solidFill>
+                  <a:schemeClr val="tx1">
+                    <a:lumMod val="95000"/>
+                    <a:lumOff val="5000"/>
+                  </a:schemeClr>
+                </a:solidFill>
+              </a:rPr>
+              <a:t>En este apartado se </a:t>
+            </a:r>
+            <a:r>
+              <a:rPr lang="es-CO" dirty="0">
+                <a:solidFill>
+                  <a:schemeClr val="tx1">
+                    <a:lumMod val="95000"/>
+                    <a:lumOff val="5000"/>
+                  </a:schemeClr>
+                </a:solidFill>
+              </a:rPr>
+              <a:t>expondrá el porque se crea LOCK INVENTARY y como se plantea dar solución a las problemáticas expuestas en los procesos que se desean mejorar</a:t>
+            </a:r>
+            <a:endParaRPr lang="es-ES" dirty="0">
+              <a:solidFill>
+                <a:schemeClr val="tx1">
+                  <a:lumMod val="95000"/>
+                  <a:lumOff val="5000"/>
+                </a:schemeClr>
+              </a:solidFill>
+            </a:endParaRPr>
+          </a:p>
+        </p:txBody>
+      </p:sp>
+      <p:sp>
+        <p:nvSpPr>
+          <p:cNvPr id="5" name="Rectángulo 4"/>
+          <p:cNvSpPr/>
+          <p:nvPr/>
+        </p:nvSpPr>
+        <p:spPr>
+          <a:xfrm>
+            <a:off x="3580355" y="2539984"/>
+            <a:ext cx="718487" cy="45719"/>
+          </a:xfrm>
+          <a:prstGeom prst="rect">
+            <a:avLst/>
+          </a:prstGeom>
+          <a:solidFill>
+            <a:srgbClr val="FF6600"/>
+          </a:solidFill>
           <a:ln>
-            <a:solidFill>
-              <a:schemeClr val="tx1">
-                <a:lumMod val="75000"/>
-                <a:lumOff val="25000"/>
-              </a:schemeClr>
-            </a:solidFill>
+            <a:noFill/>
           </a:ln>
           <a:effectLst/>
         </p:spPr>
@@ -8534,655 +8766,7 @@
       </p:sp>
       <p:sp>
         <p:nvSpPr>
-          <p:cNvPr id="4" name="CuadroTexto 3"/>
-          <p:cNvSpPr txBox="1"/>
-          <p:nvPr/>
-        </p:nvSpPr>
-        <p:spPr>
-          <a:xfrm>
-            <a:off x="7560961" y="4440062"/>
-            <a:ext cx="1316994" cy="276999"/>
-          </a:xfrm>
-          <a:prstGeom prst="rect">
-            <a:avLst/>
-          </a:prstGeom>
-          <a:noFill/>
-        </p:spPr>
-        <p:txBody>
-          <a:bodyPr wrap="square" rtlCol="0">
-            <a:spAutoFit/>
-          </a:bodyPr>
-          <a:lstStyle/>
-          <a:p>
-            <a:pPr algn="ctr"/>
-            <a:r>
-              <a:rPr lang="es-ES" sz="1200" b="1" dirty="0" smtClean="0">
-                <a:solidFill>
-                  <a:schemeClr val="tx1">
-                    <a:lumMod val="75000"/>
-                    <a:lumOff val="25000"/>
-                  </a:schemeClr>
-                </a:solidFill>
-              </a:rPr>
-              <a:t>Marca externa</a:t>
-            </a:r>
-            <a:endParaRPr lang="es-ES" sz="1200" b="1" dirty="0">
-              <a:solidFill>
-                <a:schemeClr val="tx1">
-                  <a:lumMod val="75000"/>
-                  <a:lumOff val="25000"/>
-                </a:schemeClr>
-              </a:solidFill>
-            </a:endParaRPr>
-          </a:p>
-        </p:txBody>
-      </p:sp>
-      <p:sp>
-        <p:nvSpPr>
-          <p:cNvPr id="8" name="Rectángulo 7"/>
-          <p:cNvSpPr/>
-          <p:nvPr/>
-        </p:nvSpPr>
-        <p:spPr>
-          <a:xfrm>
-            <a:off x="382868" y="1232954"/>
-            <a:ext cx="8308126" cy="3785652"/>
-          </a:xfrm>
-          <a:prstGeom prst="rect">
-            <a:avLst/>
-          </a:prstGeom>
-        </p:spPr>
-        <p:txBody>
-          <a:bodyPr wrap="square">
-            <a:spAutoFit/>
-          </a:bodyPr>
-          <a:lstStyle/>
-          <a:p>
-            <a:pPr algn="just"/>
-            <a:r>
-              <a:rPr lang="es-ES" sz="1600" dirty="0">
-                <a:solidFill>
-                  <a:schemeClr val="tx1">
-                    <a:lumMod val="75000"/>
-                    <a:lumOff val="25000"/>
-                  </a:schemeClr>
-                </a:solidFill>
-              </a:rPr>
-              <a:t>S</a:t>
-            </a:r>
-            <a:r>
-              <a:rPr lang="es-ES" sz="1600" dirty="0" smtClean="0">
-                <a:solidFill>
-                  <a:schemeClr val="tx1">
-                    <a:lumMod val="75000"/>
-                    <a:lumOff val="25000"/>
-                  </a:schemeClr>
-                </a:solidFill>
-              </a:rPr>
-              <a:t>e describe en párrafos (no viñetas ni numeración) y debe evidenciar lo siguiente:</a:t>
-            </a:r>
-          </a:p>
-          <a:p>
-            <a:pPr algn="just"/>
-            <a:endParaRPr lang="es-ES" sz="1600" dirty="0" smtClean="0">
-              <a:solidFill>
-                <a:schemeClr val="tx1">
-                  <a:lumMod val="75000"/>
-                  <a:lumOff val="25000"/>
-                </a:schemeClr>
-              </a:solidFill>
-            </a:endParaRPr>
-          </a:p>
-          <a:p>
-            <a:pPr marL="285750" indent="-285750" algn="just">
-              <a:buFont typeface="Arial" panose="020B0604020202020204" pitchFamily="34" charset="0"/>
-              <a:buChar char="•"/>
-            </a:pPr>
-            <a:r>
-              <a:rPr lang="es-ES" sz="1600" b="1" dirty="0">
-                <a:solidFill>
-                  <a:schemeClr val="tx1">
-                    <a:lumMod val="75000"/>
-                    <a:lumOff val="25000"/>
-                  </a:schemeClr>
-                </a:solidFill>
-              </a:rPr>
-              <a:t>Solución: </a:t>
-            </a:r>
-            <a:r>
-              <a:rPr lang="es-ES" sz="1600" dirty="0">
-                <a:solidFill>
-                  <a:schemeClr val="tx1">
-                    <a:lumMod val="75000"/>
-                    <a:lumOff val="25000"/>
-                  </a:schemeClr>
-                </a:solidFill>
-              </a:rPr>
-              <a:t>Se propone el desarrollo de un Sistema de Información Web denominado </a:t>
-            </a:r>
-            <a:r>
-              <a:rPr lang="es-ES" sz="1600" dirty="0" smtClean="0">
-                <a:solidFill>
-                  <a:schemeClr val="tx1">
-                    <a:lumMod val="75000"/>
-                    <a:lumOff val="25000"/>
-                  </a:schemeClr>
-                </a:solidFill>
-              </a:rPr>
-              <a:t>[Nombre del Sistema] </a:t>
-            </a:r>
-            <a:r>
-              <a:rPr lang="es-ES" sz="1600" dirty="0">
-                <a:solidFill>
-                  <a:schemeClr val="tx1">
-                    <a:lumMod val="75000"/>
-                    <a:lumOff val="25000"/>
-                  </a:schemeClr>
-                </a:solidFill>
-              </a:rPr>
-              <a:t>que sirva como herramienta software de apoyo al seguimiento del/los </a:t>
-            </a:r>
-            <a:r>
-              <a:rPr lang="es-ES" sz="1600" dirty="0" smtClean="0">
-                <a:solidFill>
-                  <a:schemeClr val="tx1">
-                    <a:lumMod val="75000"/>
-                    <a:lumOff val="25000"/>
-                  </a:schemeClr>
-                </a:solidFill>
-              </a:rPr>
-              <a:t>[Nombre Proceso(s)] </a:t>
-            </a:r>
-            <a:r>
-              <a:rPr lang="es-ES" sz="1600" dirty="0">
-                <a:solidFill>
-                  <a:schemeClr val="tx1">
-                    <a:lumMod val="75000"/>
-                    <a:lumOff val="25000"/>
-                  </a:schemeClr>
-                </a:solidFill>
-              </a:rPr>
-              <a:t>de la Empresa </a:t>
-            </a:r>
-            <a:r>
-              <a:rPr lang="es-ES" sz="1600" dirty="0" smtClean="0">
-                <a:solidFill>
-                  <a:schemeClr val="tx1">
-                    <a:lumMod val="75000"/>
-                    <a:lumOff val="25000"/>
-                  </a:schemeClr>
-                </a:solidFill>
-              </a:rPr>
-              <a:t>[Nombre Empresa]. </a:t>
-            </a:r>
-            <a:endParaRPr lang="es-ES" sz="1600" dirty="0">
-              <a:solidFill>
-                <a:schemeClr val="tx1">
-                  <a:lumMod val="75000"/>
-                  <a:lumOff val="25000"/>
-                </a:schemeClr>
-              </a:solidFill>
-            </a:endParaRPr>
-          </a:p>
-          <a:p>
-            <a:pPr marL="285750" indent="-285750" algn="just">
-              <a:buFont typeface="Arial" panose="020B0604020202020204" pitchFamily="34" charset="0"/>
-              <a:buChar char="•"/>
-            </a:pPr>
-            <a:r>
-              <a:rPr lang="es-ES" sz="1600" b="1" dirty="0">
-                <a:solidFill>
-                  <a:schemeClr val="tx1">
-                    <a:lumMod val="75000"/>
-                    <a:lumOff val="25000"/>
-                  </a:schemeClr>
-                </a:solidFill>
-              </a:rPr>
-              <a:t>Importancia del Sistema: </a:t>
-            </a:r>
-            <a:r>
-              <a:rPr lang="es-ES" sz="1600" dirty="0">
-                <a:solidFill>
-                  <a:schemeClr val="tx1">
-                    <a:lumMod val="75000"/>
-                    <a:lumOff val="25000"/>
-                  </a:schemeClr>
-                </a:solidFill>
-              </a:rPr>
-              <a:t>Permitirá la </a:t>
-            </a:r>
-            <a:r>
-              <a:rPr lang="es-ES" sz="1600" dirty="0" smtClean="0">
-                <a:solidFill>
-                  <a:schemeClr val="tx1">
-                    <a:lumMod val="75000"/>
-                    <a:lumOff val="25000"/>
-                  </a:schemeClr>
-                </a:solidFill>
-              </a:rPr>
-              <a:t>gestión </a:t>
-            </a:r>
-            <a:r>
-              <a:rPr lang="es-ES" sz="1600" dirty="0">
-                <a:solidFill>
-                  <a:schemeClr val="tx1">
-                    <a:lumMod val="75000"/>
-                    <a:lumOff val="25000"/>
-                  </a:schemeClr>
-                </a:solidFill>
-              </a:rPr>
-              <a:t>de los </a:t>
-            </a:r>
-            <a:r>
-              <a:rPr lang="es-ES" sz="1600" dirty="0" smtClean="0">
-                <a:solidFill>
-                  <a:schemeClr val="tx1">
-                    <a:lumMod val="75000"/>
-                    <a:lumOff val="25000"/>
-                  </a:schemeClr>
-                </a:solidFill>
-              </a:rPr>
-              <a:t>[nombre Perfiles] </a:t>
-            </a:r>
-            <a:r>
-              <a:rPr lang="es-ES" sz="1600" dirty="0">
-                <a:solidFill>
-                  <a:schemeClr val="tx1">
-                    <a:lumMod val="75000"/>
-                    <a:lumOff val="25000"/>
-                  </a:schemeClr>
-                </a:solidFill>
-              </a:rPr>
-              <a:t>como usuarios de la Empresa [Nombre Empresa]</a:t>
-            </a:r>
-            <a:r>
-              <a:rPr lang="es-ES" sz="1600" dirty="0" smtClean="0">
-                <a:solidFill>
-                  <a:schemeClr val="tx1">
-                    <a:lumMod val="75000"/>
-                    <a:lumOff val="25000"/>
-                  </a:schemeClr>
-                </a:solidFill>
-              </a:rPr>
-              <a:t> [más Información]. </a:t>
-            </a:r>
-            <a:r>
-              <a:rPr lang="es-ES" sz="1600" dirty="0">
-                <a:solidFill>
-                  <a:schemeClr val="tx1">
-                    <a:lumMod val="75000"/>
-                    <a:lumOff val="25000"/>
-                  </a:schemeClr>
-                </a:solidFill>
-              </a:rPr>
-              <a:t>En </a:t>
-            </a:r>
-            <a:r>
-              <a:rPr lang="es-ES" sz="1600" dirty="0" smtClean="0">
-                <a:solidFill>
-                  <a:schemeClr val="tx1">
-                    <a:lumMod val="75000"/>
-                    <a:lumOff val="25000"/>
-                  </a:schemeClr>
-                </a:solidFill>
-              </a:rPr>
-              <a:t>[ModProceso1] </a:t>
-            </a:r>
-            <a:r>
-              <a:rPr lang="es-ES" sz="1600" dirty="0">
-                <a:solidFill>
-                  <a:schemeClr val="tx1">
-                    <a:lumMod val="75000"/>
-                    <a:lumOff val="25000"/>
-                  </a:schemeClr>
-                </a:solidFill>
-              </a:rPr>
-              <a:t>los </a:t>
-            </a:r>
-            <a:r>
-              <a:rPr lang="es-ES" sz="1600" dirty="0" smtClean="0">
-                <a:solidFill>
-                  <a:schemeClr val="tx1">
-                    <a:lumMod val="75000"/>
-                    <a:lumOff val="25000"/>
-                  </a:schemeClr>
-                </a:solidFill>
-              </a:rPr>
-              <a:t>[Perfiles Usuario] </a:t>
-            </a:r>
-            <a:r>
-              <a:rPr lang="es-ES" sz="1600" dirty="0">
-                <a:solidFill>
-                  <a:schemeClr val="tx1">
-                    <a:lumMod val="75000"/>
-                    <a:lumOff val="25000"/>
-                  </a:schemeClr>
-                </a:solidFill>
-              </a:rPr>
-              <a:t>podrán </a:t>
-            </a:r>
-            <a:r>
-              <a:rPr lang="es-ES" sz="1600" dirty="0" smtClean="0">
-                <a:solidFill>
-                  <a:schemeClr val="tx1">
-                    <a:lumMod val="75000"/>
-                    <a:lumOff val="25000"/>
-                  </a:schemeClr>
-                </a:solidFill>
-              </a:rPr>
-              <a:t>[acciones del Sistema (beneficios comparados con </a:t>
-            </a:r>
-            <a:r>
-              <a:rPr lang="es-ES" sz="1600" dirty="0">
-                <a:solidFill>
-                  <a:schemeClr val="tx1">
-                    <a:lumMod val="75000"/>
-                    <a:lumOff val="25000"/>
-                  </a:schemeClr>
-                </a:solidFill>
-              </a:rPr>
-              <a:t>las necesidades encontradas</a:t>
-            </a:r>
-            <a:r>
-              <a:rPr lang="es-ES" sz="1600" dirty="0" smtClean="0">
-                <a:solidFill>
-                  <a:schemeClr val="tx1">
-                    <a:lumMod val="75000"/>
-                    <a:lumOff val="25000"/>
-                  </a:schemeClr>
-                </a:solidFill>
-              </a:rPr>
-              <a:t>)]. </a:t>
-            </a:r>
-            <a:r>
-              <a:rPr lang="es-ES" sz="1600" dirty="0">
-                <a:solidFill>
-                  <a:schemeClr val="tx1">
-                    <a:lumMod val="75000"/>
-                    <a:lumOff val="25000"/>
-                  </a:schemeClr>
-                </a:solidFill>
-              </a:rPr>
-              <a:t>En [</a:t>
-            </a:r>
-            <a:r>
-              <a:rPr lang="es-ES" sz="1600" dirty="0" smtClean="0">
-                <a:solidFill>
-                  <a:schemeClr val="tx1">
-                    <a:lumMod val="75000"/>
-                    <a:lumOff val="25000"/>
-                  </a:schemeClr>
-                </a:solidFill>
-              </a:rPr>
-              <a:t>ModProceso2] </a:t>
-            </a:r>
-            <a:r>
-              <a:rPr lang="es-ES" sz="1600" dirty="0">
-                <a:solidFill>
-                  <a:schemeClr val="tx1">
-                    <a:lumMod val="75000"/>
-                    <a:lumOff val="25000"/>
-                  </a:schemeClr>
-                </a:solidFill>
-              </a:rPr>
-              <a:t>los [Perfiles Usuario] podrán [acciones del Sistema </a:t>
-            </a:r>
-            <a:r>
-              <a:rPr lang="es-ES" sz="1600" dirty="0" smtClean="0">
-                <a:solidFill>
-                  <a:schemeClr val="tx1">
-                    <a:lumMod val="75000"/>
-                    <a:lumOff val="25000"/>
-                  </a:schemeClr>
-                </a:solidFill>
-              </a:rPr>
-              <a:t>(</a:t>
-            </a:r>
-            <a:r>
-              <a:rPr lang="es-ES" sz="1600" dirty="0">
-                <a:solidFill>
-                  <a:schemeClr val="tx1">
-                    <a:lumMod val="75000"/>
-                    <a:lumOff val="25000"/>
-                  </a:schemeClr>
-                </a:solidFill>
-              </a:rPr>
-              <a:t>beneficios comparados </a:t>
-            </a:r>
-            <a:r>
-              <a:rPr lang="es-ES" sz="1600" dirty="0" smtClean="0">
-                <a:solidFill>
-                  <a:schemeClr val="tx1">
-                    <a:lumMod val="75000"/>
-                    <a:lumOff val="25000"/>
-                  </a:schemeClr>
-                </a:solidFill>
-              </a:rPr>
-              <a:t>con </a:t>
-            </a:r>
-            <a:r>
-              <a:rPr lang="es-ES" sz="1600" dirty="0">
-                <a:solidFill>
-                  <a:schemeClr val="tx1">
-                    <a:lumMod val="75000"/>
-                    <a:lumOff val="25000"/>
-                  </a:schemeClr>
-                </a:solidFill>
-              </a:rPr>
-              <a:t>las necesidades encontradas</a:t>
-            </a:r>
-            <a:r>
-              <a:rPr lang="es-ES" sz="1600" dirty="0" smtClean="0">
-                <a:solidFill>
-                  <a:schemeClr val="tx1">
-                    <a:lumMod val="75000"/>
-                    <a:lumOff val="25000"/>
-                  </a:schemeClr>
-                </a:solidFill>
-              </a:rPr>
-              <a:t>)]. Finalmente</a:t>
-            </a:r>
-            <a:r>
-              <a:rPr lang="es-ES" sz="1600" dirty="0">
-                <a:solidFill>
-                  <a:schemeClr val="tx1">
-                    <a:lumMod val="75000"/>
-                    <a:lumOff val="25000"/>
-                  </a:schemeClr>
-                </a:solidFill>
-              </a:rPr>
-              <a:t>, facilitará la </a:t>
-            </a:r>
-            <a:r>
-              <a:rPr lang="es-ES" sz="1600" dirty="0" smtClean="0">
-                <a:solidFill>
-                  <a:schemeClr val="tx1">
-                    <a:lumMod val="75000"/>
-                    <a:lumOff val="25000"/>
-                  </a:schemeClr>
-                </a:solidFill>
-              </a:rPr>
-              <a:t>gestión </a:t>
-            </a:r>
-            <a:r>
-              <a:rPr lang="es-ES" sz="1600" dirty="0">
-                <a:solidFill>
-                  <a:schemeClr val="tx1">
-                    <a:lumMod val="75000"/>
-                    <a:lumOff val="25000"/>
-                  </a:schemeClr>
-                </a:solidFill>
-              </a:rPr>
-              <a:t>de reportes gráficos e impresos, necesarios para la toma de decisiones del personal administrativo de la Empresa [Nombre Empresa]</a:t>
-            </a:r>
-            <a:r>
-              <a:rPr lang="es-ES" sz="1600" dirty="0" smtClean="0">
-                <a:solidFill>
-                  <a:schemeClr val="tx1">
-                    <a:lumMod val="75000"/>
-                    <a:lumOff val="25000"/>
-                  </a:schemeClr>
-                </a:solidFill>
-              </a:rPr>
-              <a:t>. </a:t>
-            </a:r>
-            <a:endParaRPr lang="es-ES" sz="1600" dirty="0">
-              <a:solidFill>
-                <a:schemeClr val="tx1">
-                  <a:lumMod val="75000"/>
-                  <a:lumOff val="25000"/>
-                </a:schemeClr>
-              </a:solidFill>
-            </a:endParaRPr>
-          </a:p>
-          <a:p>
-            <a:pPr marL="285750" indent="-285750" algn="just">
-              <a:buFont typeface="Arial" panose="020B0604020202020204" pitchFamily="34" charset="0"/>
-              <a:buChar char="•"/>
-            </a:pPr>
-            <a:r>
-              <a:rPr lang="es-ES" sz="1600" b="1" dirty="0">
-                <a:solidFill>
-                  <a:schemeClr val="tx1">
-                    <a:lumMod val="75000"/>
-                    <a:lumOff val="25000"/>
-                  </a:schemeClr>
-                </a:solidFill>
-              </a:rPr>
-              <a:t>Aporte al Sector:</a:t>
-            </a:r>
-            <a:r>
-              <a:rPr lang="es-ES" sz="1600" dirty="0">
-                <a:solidFill>
-                  <a:schemeClr val="tx1">
-                    <a:lumMod val="75000"/>
-                    <a:lumOff val="25000"/>
-                  </a:schemeClr>
-                </a:solidFill>
-              </a:rPr>
-              <a:t> El Sistema [Nombre Empresa]</a:t>
-            </a:r>
-            <a:r>
-              <a:rPr lang="es-ES" sz="1600" dirty="0" smtClean="0">
-                <a:solidFill>
-                  <a:schemeClr val="tx1">
-                    <a:lumMod val="75000"/>
-                    <a:lumOff val="25000"/>
-                  </a:schemeClr>
-                </a:solidFill>
-              </a:rPr>
-              <a:t> </a:t>
-            </a:r>
-            <a:r>
-              <a:rPr lang="es-ES" sz="1600" dirty="0">
-                <a:solidFill>
-                  <a:schemeClr val="tx1">
-                    <a:lumMod val="75000"/>
-                    <a:lumOff val="25000"/>
-                  </a:schemeClr>
-                </a:solidFill>
-              </a:rPr>
-              <a:t>servirá como aporte al sector </a:t>
-            </a:r>
-            <a:endParaRPr lang="es-ES" sz="1600" dirty="0" smtClean="0">
-              <a:solidFill>
-                <a:schemeClr val="tx1">
-                  <a:lumMod val="75000"/>
-                  <a:lumOff val="25000"/>
-                </a:schemeClr>
-              </a:solidFill>
-            </a:endParaRPr>
-          </a:p>
-          <a:p>
-            <a:pPr algn="just">
-              <a:tabLst>
-                <a:tab pos="268288" algn="l"/>
-              </a:tabLst>
-            </a:pPr>
-            <a:r>
-              <a:rPr lang="es-ES" sz="1600" dirty="0">
-                <a:solidFill>
-                  <a:schemeClr val="tx1">
-                    <a:lumMod val="75000"/>
-                    <a:lumOff val="25000"/>
-                  </a:schemeClr>
-                </a:solidFill>
-              </a:rPr>
-              <a:t>	</a:t>
-            </a:r>
-            <a:r>
-              <a:rPr lang="es-ES" sz="1600" dirty="0" smtClean="0">
-                <a:solidFill>
-                  <a:schemeClr val="tx1">
-                    <a:lumMod val="75000"/>
-                    <a:lumOff val="25000"/>
-                  </a:schemeClr>
-                </a:solidFill>
-              </a:rPr>
-              <a:t>[Sector], </a:t>
-            </a:r>
-            <a:r>
-              <a:rPr lang="es-ES" sz="1600" dirty="0">
-                <a:solidFill>
-                  <a:schemeClr val="tx1">
-                    <a:lumMod val="75000"/>
-                    <a:lumOff val="25000"/>
-                  </a:schemeClr>
-                </a:solidFill>
-              </a:rPr>
-              <a:t>como </a:t>
-            </a:r>
-            <a:r>
-              <a:rPr lang="es-ES" sz="1600" dirty="0" smtClean="0">
-                <a:solidFill>
-                  <a:schemeClr val="tx1">
-                    <a:lumMod val="75000"/>
-                    <a:lumOff val="25000"/>
-                  </a:schemeClr>
-                </a:solidFill>
-              </a:rPr>
-              <a:t>[importancia para el Sector].</a:t>
-            </a:r>
-            <a:endParaRPr lang="es-ES_tradnl" sz="1600" dirty="0" smtClean="0">
-              <a:solidFill>
-                <a:schemeClr val="tx1">
-                  <a:lumMod val="75000"/>
-                  <a:lumOff val="25000"/>
-                </a:schemeClr>
-              </a:solidFill>
-            </a:endParaRPr>
-          </a:p>
-          <a:p>
-            <a:pPr algn="just">
-              <a:tabLst>
-                <a:tab pos="268288" algn="l"/>
-              </a:tabLst>
-            </a:pPr>
-            <a:r>
-              <a:rPr lang="es-ES_tradnl" sz="1600" dirty="0" smtClean="0">
-                <a:solidFill>
-                  <a:schemeClr val="tx1">
-                    <a:lumMod val="75000"/>
-                    <a:lumOff val="25000"/>
-                  </a:schemeClr>
-                </a:solidFill>
-              </a:rPr>
-              <a:t>	“Pueden utilizar imágenes de Apoyo o más diapositivas si lo requieren”</a:t>
-            </a:r>
-            <a:endParaRPr lang="es-ES_tradnl" sz="1600" dirty="0">
-              <a:solidFill>
-                <a:schemeClr val="tx1">
-                  <a:lumMod val="75000"/>
-                  <a:lumOff val="25000"/>
-                </a:schemeClr>
-              </a:solidFill>
-            </a:endParaRPr>
-          </a:p>
-        </p:txBody>
-      </p:sp>
-      <p:sp>
-        <p:nvSpPr>
-          <p:cNvPr id="9" name="Rectángulo 8">
+          <p:cNvPr id="8" name="Rectángulo 7">
             <a:hlinkClick r:id="rId2" action="ppaction://hlinksldjump"/>
           </p:cNvPr>
           <p:cNvSpPr/>
@@ -9224,10 +8808,40 @@
           </a:p>
         </p:txBody>
       </p:sp>
+      <p:pic>
+        <p:nvPicPr>
+          <p:cNvPr id="9" name="Imagen 8"/>
+          <p:cNvPicPr>
+            <a:picLocks noChangeAspect="1"/>
+          </p:cNvPicPr>
+          <p:nvPr/>
+        </p:nvPicPr>
+        <p:blipFill>
+          <a:blip r:embed="rId3">
+            <a:extLst>
+              <a:ext uri="{28A0092B-C50C-407E-A947-70E740481C1C}">
+                <a14:useLocalDpi xmlns:a14="http://schemas.microsoft.com/office/drawing/2010/main" val="0"/>
+              </a:ext>
+            </a:extLst>
+          </a:blip>
+          <a:stretch>
+            <a:fillRect/>
+          </a:stretch>
+        </p:blipFill>
+        <p:spPr>
+          <a:xfrm>
+            <a:off x="7601190" y="3831336"/>
+            <a:ext cx="1236536" cy="1236536"/>
+          </a:xfrm>
+          <a:prstGeom prst="ellipse">
+            <a:avLst/>
+          </a:prstGeom>
+        </p:spPr>
+      </p:pic>
     </p:spTree>
     <p:extLst>
       <p:ext uri="{BB962C8B-B14F-4D97-AF65-F5344CB8AC3E}">
-        <p14:creationId xmlns:p14="http://schemas.microsoft.com/office/powerpoint/2010/main" val="4272611872"/>
+        <p14:creationId xmlns:p14="http://schemas.microsoft.com/office/powerpoint/2010/main" val="760866535"/>
       </p:ext>
     </p:extLst>
   </p:cSld>
